--- a/xke-stepfunctions.pptx
+++ b/xke-stepfunctions.pptx
@@ -5,28 +5,31 @@
     <p:sldMasterId id="2147483704" r:id="rId1"/>
   </p:sldMasterIdLst>
   <p:notesMasterIdLst>
-    <p:notesMasterId r:id="rId18"/>
+    <p:notesMasterId r:id="rId21"/>
   </p:notesMasterIdLst>
   <p:handoutMasterIdLst>
-    <p:handoutMasterId r:id="rId19"/>
+    <p:handoutMasterId r:id="rId22"/>
   </p:handoutMasterIdLst>
   <p:sldIdLst>
     <p:sldId id="256" r:id="rId2"/>
     <p:sldId id="293" r:id="rId3"/>
     <p:sldId id="303" r:id="rId4"/>
-    <p:sldId id="296" r:id="rId5"/>
+    <p:sldId id="308" r:id="rId5"/>
     <p:sldId id="300" r:id="rId6"/>
     <p:sldId id="298" r:id="rId7"/>
-    <p:sldId id="299" r:id="rId8"/>
-    <p:sldId id="297" r:id="rId9"/>
-    <p:sldId id="301" r:id="rId10"/>
-    <p:sldId id="304" r:id="rId11"/>
-    <p:sldId id="305" r:id="rId12"/>
-    <p:sldId id="290" r:id="rId13"/>
-    <p:sldId id="291" r:id="rId14"/>
-    <p:sldId id="292" r:id="rId15"/>
-    <p:sldId id="294" r:id="rId16"/>
-    <p:sldId id="295" r:id="rId17"/>
+    <p:sldId id="307" r:id="rId8"/>
+    <p:sldId id="299" r:id="rId9"/>
+    <p:sldId id="297" r:id="rId10"/>
+    <p:sldId id="306" r:id="rId11"/>
+    <p:sldId id="301" r:id="rId12"/>
+    <p:sldId id="309" r:id="rId13"/>
+    <p:sldId id="304" r:id="rId14"/>
+    <p:sldId id="305" r:id="rId15"/>
+    <p:sldId id="290" r:id="rId16"/>
+    <p:sldId id="291" r:id="rId17"/>
+    <p:sldId id="292" r:id="rId18"/>
+    <p:sldId id="294" r:id="rId19"/>
+    <p:sldId id="295" r:id="rId20"/>
   </p:sldIdLst>
   <p:sldSz cx="12192000" cy="6858000"/>
   <p:notesSz cx="6858000" cy="9144000"/>
@@ -218,7 +221,7 @@
           <a:p>
             <a:fld id="{0E5ABBE3-B096-A349-9510-B5A216B6F27F}" type="datetimeFigureOut">
               <a:rPr lang="fr-FR" smtClean="0"/>
-              <a:t>12/03/2017</a:t>
+              <a:t>18/03/2017</a:t>
             </a:fld>
             <a:endParaRPr lang="fr-FR"/>
           </a:p>
@@ -383,7 +386,7 @@
           <a:p>
             <a:fld id="{9B4D4E19-ACD4-BC46-BB0B-250BDDE3DE9F}" type="datetimeFigureOut">
               <a:rPr lang="fr-FR" smtClean="0"/>
-              <a:t>12/03/2017</a:t>
+              <a:t>18/03/2017</a:t>
             </a:fld>
             <a:endParaRPr lang="fr-FR"/>
           </a:p>
@@ -852,35 +855,256 @@
           <a:lstStyle/>
           <a:p>
             <a:r>
-              <a:rPr lang="fr-FR" dirty="0" smtClean="0"/>
-              <a:t>Cas ou la lambda retourne une erreur pour </a:t>
-            </a:r>
-            <a:r>
-              <a:rPr lang="fr-FR" dirty="0" err="1" smtClean="0"/>
-              <a:t>pb</a:t>
-            </a:r>
-            <a:r>
-              <a:rPr lang="fr-FR" dirty="0" smtClean="0"/>
-              <a:t> de mémoire.</a:t>
-            </a:r>
-          </a:p>
-          <a:p>
-            <a:r>
-              <a:rPr lang="fr-FR" dirty="0" smtClean="0"/>
-              <a:t> - Configurer DLQ sur la lambda</a:t>
-            </a:r>
-          </a:p>
-          <a:p>
-            <a:endParaRPr lang="fr-FR" dirty="0" smtClean="0"/>
-          </a:p>
-          <a:p>
-            <a:r>
-              <a:rPr lang="fr-FR" dirty="0" smtClean="0"/>
-              <a:t>A l’époque</a:t>
-            </a:r>
-            <a:r>
-              <a:rPr lang="fr-FR" baseline="0" dirty="0" smtClean="0"/>
-              <a:t> pas sélectionner ce modèle car par encore les DLQ sur les lambda et donc perte des erreurs</a:t>
+              <a:rPr lang="en-US" b="1" dirty="0" smtClean="0"/>
+              <a:t>Timestamp </a:t>
+            </a:r>
+            <a:r>
+              <a:rPr lang="en-US" dirty="0" smtClean="0"/>
+              <a:t>: </a:t>
+            </a:r>
+            <a:r>
+              <a:rPr lang="en-US" sz="1200" kern="1200" dirty="0" smtClean="0">
+                <a:solidFill>
+                  <a:schemeClr val="tx1"/>
+                </a:solidFill>
+                <a:effectLst/>
+                <a:latin typeface="+mn-lt"/>
+                <a:ea typeface="+mn-ea"/>
+                <a:cs typeface="+mn-cs"/>
+              </a:rPr>
+              <a:t>An absolute time.</a:t>
+            </a:r>
+            <a:r>
+              <a:rPr lang="en-US" sz="1200" kern="1200" baseline="0" dirty="0" smtClean="0">
+                <a:solidFill>
+                  <a:schemeClr val="tx1"/>
+                </a:solidFill>
+                <a:effectLst/>
+                <a:latin typeface="+mn-lt"/>
+                <a:ea typeface="+mn-ea"/>
+                <a:cs typeface="+mn-cs"/>
+              </a:rPr>
+              <a:t> C</a:t>
+            </a:r>
+            <a:r>
+              <a:rPr lang="en-US" sz="1200" kern="1200" dirty="0" smtClean="0">
+                <a:solidFill>
+                  <a:schemeClr val="tx1"/>
+                </a:solidFill>
+                <a:effectLst/>
+                <a:latin typeface="+mn-lt"/>
+                <a:ea typeface="+mn-ea"/>
+                <a:cs typeface="+mn-cs"/>
+              </a:rPr>
+              <a:t>onform to the RFC3339 profile of ISO 8601</a:t>
+            </a:r>
+          </a:p>
+          <a:p>
+            <a:r>
+              <a:rPr lang="en-US" sz="1200" kern="1200" baseline="0" dirty="0" smtClean="0">
+                <a:solidFill>
+                  <a:schemeClr val="tx1"/>
+                </a:solidFill>
+                <a:effectLst/>
+                <a:latin typeface="+mn-lt"/>
+                <a:ea typeface="+mn-ea"/>
+                <a:cs typeface="+mn-cs"/>
+              </a:rPr>
+              <a:t> “</a:t>
+            </a:r>
+            <a:r>
+              <a:rPr lang="en-US" sz="1200" kern="1200" dirty="0" smtClean="0">
+                <a:solidFill>
+                  <a:schemeClr val="tx1"/>
+                </a:solidFill>
+                <a:effectLst/>
+                <a:latin typeface="+mn-lt"/>
+                <a:ea typeface="+mn-ea"/>
+                <a:cs typeface="+mn-cs"/>
+              </a:rPr>
+              <a:t>T” majuscule </a:t>
+            </a:r>
+            <a:r>
+              <a:rPr lang="en-US" sz="1200" kern="1200" dirty="0" err="1" smtClean="0">
+                <a:solidFill>
+                  <a:schemeClr val="tx1"/>
+                </a:solidFill>
+                <a:effectLst/>
+                <a:latin typeface="+mn-lt"/>
+                <a:ea typeface="+mn-ea"/>
+                <a:cs typeface="+mn-cs"/>
+              </a:rPr>
+              <a:t>obligatoire</a:t>
+            </a:r>
+            <a:r>
+              <a:rPr lang="en-US" sz="1200" kern="1200" dirty="0" smtClean="0">
+                <a:solidFill>
+                  <a:schemeClr val="tx1"/>
+                </a:solidFill>
+                <a:effectLst/>
+                <a:latin typeface="+mn-lt"/>
+                <a:ea typeface="+mn-ea"/>
+                <a:cs typeface="+mn-cs"/>
+              </a:rPr>
+              <a:t> pour </a:t>
+            </a:r>
+            <a:r>
+              <a:rPr lang="en-US" sz="1200" kern="1200" dirty="0" err="1" smtClean="0">
+                <a:solidFill>
+                  <a:schemeClr val="tx1"/>
+                </a:solidFill>
+                <a:effectLst/>
+                <a:latin typeface="+mn-lt"/>
+                <a:ea typeface="+mn-ea"/>
+                <a:cs typeface="+mn-cs"/>
+              </a:rPr>
+              <a:t>séparer</a:t>
+            </a:r>
+            <a:r>
+              <a:rPr lang="en-US" sz="1200" kern="1200" dirty="0" smtClean="0">
+                <a:solidFill>
+                  <a:schemeClr val="tx1"/>
+                </a:solidFill>
+                <a:effectLst/>
+                <a:latin typeface="+mn-lt"/>
+                <a:ea typeface="+mn-ea"/>
+                <a:cs typeface="+mn-cs"/>
+              </a:rPr>
+              <a:t> la date et les</a:t>
+            </a:r>
+            <a:r>
+              <a:rPr lang="en-US" sz="1200" kern="1200" baseline="0" dirty="0" smtClean="0">
+                <a:solidFill>
+                  <a:schemeClr val="tx1"/>
+                </a:solidFill>
+                <a:effectLst/>
+                <a:latin typeface="+mn-lt"/>
+                <a:ea typeface="+mn-ea"/>
+                <a:cs typeface="+mn-cs"/>
+              </a:rPr>
+              <a:t> </a:t>
+            </a:r>
+            <a:r>
+              <a:rPr lang="en-US" sz="1200" kern="1200" baseline="0" dirty="0" err="1" smtClean="0">
+                <a:solidFill>
+                  <a:schemeClr val="tx1"/>
+                </a:solidFill>
+                <a:effectLst/>
+                <a:latin typeface="+mn-lt"/>
+                <a:ea typeface="+mn-ea"/>
+                <a:cs typeface="+mn-cs"/>
+              </a:rPr>
+              <a:t>heures</a:t>
+            </a:r>
+            <a:r>
+              <a:rPr lang="en-US" sz="1200" kern="1200" baseline="0" dirty="0" smtClean="0">
+                <a:solidFill>
+                  <a:schemeClr val="tx1"/>
+                </a:solidFill>
+                <a:effectLst/>
+                <a:latin typeface="+mn-lt"/>
+                <a:ea typeface="+mn-ea"/>
+                <a:cs typeface="+mn-cs"/>
+              </a:rPr>
+              <a:t> </a:t>
+            </a:r>
+          </a:p>
+          <a:p>
+            <a:r>
+              <a:rPr lang="en-US" sz="1200" kern="1200" dirty="0" smtClean="0">
+                <a:solidFill>
+                  <a:schemeClr val="tx1"/>
+                </a:solidFill>
+                <a:effectLst/>
+                <a:latin typeface="+mn-lt"/>
+                <a:ea typeface="+mn-ea"/>
+                <a:cs typeface="+mn-cs"/>
+              </a:rPr>
+              <a:t> “Z” majuscule </a:t>
+            </a:r>
+            <a:r>
+              <a:rPr lang="en-US" sz="1200" kern="1200" dirty="0" err="1" smtClean="0">
+                <a:solidFill>
+                  <a:schemeClr val="tx1"/>
+                </a:solidFill>
+                <a:effectLst/>
+                <a:latin typeface="+mn-lt"/>
+                <a:ea typeface="+mn-ea"/>
+                <a:cs typeface="+mn-cs"/>
+              </a:rPr>
+              <a:t>obligatoire</a:t>
+            </a:r>
+            <a:r>
+              <a:rPr lang="en-US" sz="1200" kern="1200" dirty="0" smtClean="0">
+                <a:solidFill>
+                  <a:schemeClr val="tx1"/>
+                </a:solidFill>
+                <a:effectLst/>
+                <a:latin typeface="+mn-lt"/>
+                <a:ea typeface="+mn-ea"/>
+                <a:cs typeface="+mn-cs"/>
+              </a:rPr>
+              <a:t> </a:t>
+            </a:r>
+            <a:r>
+              <a:rPr lang="en-US" sz="1200" kern="1200" dirty="0" err="1" smtClean="0">
+                <a:solidFill>
+                  <a:schemeClr val="tx1"/>
+                </a:solidFill>
+                <a:effectLst/>
+                <a:latin typeface="+mn-lt"/>
+                <a:ea typeface="+mn-ea"/>
+                <a:cs typeface="+mn-cs"/>
+              </a:rPr>
+              <a:t>si</a:t>
+            </a:r>
+            <a:r>
+              <a:rPr lang="en-US" sz="1200" kern="1200" dirty="0" smtClean="0">
+                <a:solidFill>
+                  <a:schemeClr val="tx1"/>
+                </a:solidFill>
+                <a:effectLst/>
+                <a:latin typeface="+mn-lt"/>
+                <a:ea typeface="+mn-ea"/>
+                <a:cs typeface="+mn-cs"/>
+              </a:rPr>
+              <a:t> pas </a:t>
+            </a:r>
+            <a:r>
+              <a:rPr lang="en-US" sz="1200" kern="1200" dirty="0" err="1" smtClean="0">
+                <a:solidFill>
+                  <a:schemeClr val="tx1"/>
+                </a:solidFill>
+                <a:effectLst/>
+                <a:latin typeface="+mn-lt"/>
+                <a:ea typeface="+mn-ea"/>
+                <a:cs typeface="+mn-cs"/>
+              </a:rPr>
+              <a:t>d’offset</a:t>
+            </a:r>
+            <a:r>
+              <a:rPr lang="en-US" sz="1200" kern="1200" dirty="0" smtClean="0">
+                <a:solidFill>
+                  <a:schemeClr val="tx1"/>
+                </a:solidFill>
+                <a:effectLst/>
+                <a:latin typeface="+mn-lt"/>
+                <a:ea typeface="+mn-ea"/>
+                <a:cs typeface="+mn-cs"/>
+              </a:rPr>
+              <a:t> de </a:t>
+            </a:r>
+            <a:r>
+              <a:rPr lang="en-US" sz="1200" kern="1200" smtClean="0">
+                <a:solidFill>
+                  <a:schemeClr val="tx1"/>
+                </a:solidFill>
+                <a:effectLst/>
+                <a:latin typeface="+mn-lt"/>
+                <a:ea typeface="+mn-ea"/>
+                <a:cs typeface="+mn-cs"/>
+              </a:rPr>
+              <a:t>timezone</a:t>
             </a:r>
             <a:endParaRPr lang="fr-FR" dirty="0"/>
           </a:p>
@@ -912,7 +1136,7 @@
     </p:spTree>
     <p:extLst>
       <p:ext uri="{BB962C8B-B14F-4D97-AF65-F5344CB8AC3E}">
-        <p14:creationId xmlns:p14="http://schemas.microsoft.com/office/powerpoint/2010/main" val="858559331"/>
+        <p14:creationId xmlns:p14="http://schemas.microsoft.com/office/powerpoint/2010/main" val="776438897"/>
       </p:ext>
     </p:extLst>
   </p:cSld>
@@ -966,6 +1190,10 @@
           <a:bodyPr/>
           <a:lstStyle/>
           <a:p>
+            <a:pPr marL="0" indent="0">
+              <a:buFontTx/>
+              <a:buNone/>
+            </a:pPr>
             <a:endParaRPr lang="fr-FR" dirty="0"/>
           </a:p>
         </p:txBody>
@@ -996,7 +1224,7 @@
     </p:spTree>
     <p:extLst>
       <p:ext uri="{BB962C8B-B14F-4D97-AF65-F5344CB8AC3E}">
-        <p14:creationId xmlns:p14="http://schemas.microsoft.com/office/powerpoint/2010/main" val="1798499079"/>
+        <p14:creationId xmlns:p14="http://schemas.microsoft.com/office/powerpoint/2010/main" val="1058456988"/>
       </p:ext>
     </p:extLst>
   </p:cSld>
@@ -1050,112 +1278,11 @@
           <a:bodyPr/>
           <a:lstStyle/>
           <a:p>
-            <a:pPr marL="0" marR="0" indent="0" algn="l" defTabSz="914400" rtl="0" eaLnBrk="1" fontAlgn="auto" latinLnBrk="0" hangingPunct="1">
-              <a:lnSpc>
-                <a:spcPct val="100000"/>
-              </a:lnSpc>
-              <a:spcBef>
-                <a:spcPts val="0"/>
-              </a:spcBef>
-              <a:spcAft>
-                <a:spcPts val="0"/>
-              </a:spcAft>
-              <a:buClrTx/>
-              <a:buSzTx/>
+            <a:pPr marL="0" indent="0">
               <a:buFontTx/>
               <a:buNone/>
-              <a:tabLst/>
-              <a:defRPr/>
             </a:pPr>
-            <a:r>
-              <a:rPr lang="en-US" b="0" dirty="0" smtClean="0"/>
-              <a:t>AWS_DEFAULT_PROFILE</a:t>
-            </a:r>
-            <a:r>
-              <a:rPr lang="en-US" sz="1200" dirty="0" smtClean="0">
-                <a:latin typeface="Avenir Next" charset="0"/>
-                <a:ea typeface="Avenir Next" charset="0"/>
-                <a:cs typeface="Avenir Next" charset="0"/>
-              </a:rPr>
-              <a:t>=</a:t>
-            </a:r>
-            <a:r>
-              <a:rPr lang="en-US" sz="1200" dirty="0" err="1" smtClean="0">
-                <a:latin typeface="Avenir Next" charset="0"/>
-                <a:ea typeface="Avenir Next" charset="0"/>
-                <a:cs typeface="Avenir Next" charset="0"/>
-              </a:rPr>
-              <a:t>xebia</a:t>
-            </a:r>
-            <a:r>
-              <a:rPr lang="en-US" sz="1200" dirty="0" smtClean="0">
-                <a:latin typeface="Avenir Next" charset="0"/>
-                <a:ea typeface="Avenir Next" charset="0"/>
-                <a:cs typeface="Avenir Next" charset="0"/>
-              </a:rPr>
-              <a:t>-dev </a:t>
-            </a:r>
-            <a:r>
-              <a:rPr lang="en-US" sz="1200" dirty="0" err="1" smtClean="0">
-                <a:latin typeface="Avenir Next" charset="0"/>
-                <a:ea typeface="Avenir Next" charset="0"/>
-                <a:cs typeface="Avenir Next" charset="0"/>
-              </a:rPr>
-              <a:t>aws</a:t>
-            </a:r>
-            <a:r>
-              <a:rPr lang="en-US" sz="1200" dirty="0" smtClean="0">
-                <a:latin typeface="Avenir Next" charset="0"/>
-                <a:ea typeface="Avenir Next" charset="0"/>
-                <a:cs typeface="Avenir Next" charset="0"/>
-              </a:rPr>
-              <a:t> </a:t>
-            </a:r>
-            <a:r>
-              <a:rPr lang="en-US" sz="1200" dirty="0" err="1" smtClean="0">
-                <a:latin typeface="Avenir Next" charset="0"/>
-                <a:ea typeface="Avenir Next" charset="0"/>
-                <a:cs typeface="Avenir Next" charset="0"/>
-              </a:rPr>
-              <a:t>stepfunctions</a:t>
-            </a:r>
-            <a:r>
-              <a:rPr lang="en-US" sz="1200" dirty="0" smtClean="0">
-                <a:latin typeface="Avenir Next" charset="0"/>
-                <a:ea typeface="Avenir Next" charset="0"/>
-                <a:cs typeface="Avenir Next" charset="0"/>
-              </a:rPr>
-              <a:t> </a:t>
-            </a:r>
-            <a:r>
-              <a:rPr lang="en-US" dirty="0" smtClean="0"/>
-              <a:t>create-state-machine --name test --definition --role-</a:t>
-            </a:r>
-            <a:r>
-              <a:rPr lang="en-US" dirty="0" err="1" smtClean="0"/>
-              <a:t>arn</a:t>
-            </a:r>
-            <a:r>
-              <a:rPr lang="en-US" dirty="0" smtClean="0"/>
-              <a:t> </a:t>
-            </a:r>
-            <a:r>
-              <a:rPr lang="en-US" dirty="0" err="1" smtClean="0"/>
-              <a:t>arn:aws:iam</a:t>
-            </a:r>
-            <a:r>
-              <a:rPr lang="en-US" dirty="0" smtClean="0"/>
-              <a:t>::010154155802:role/service-role/StatesExecutionRole-eu-west-1</a:t>
-            </a:r>
-            <a:r>
-              <a:rPr lang="fr-FR" baseline="0" dirty="0" smtClean="0"/>
-              <a:t>  </a:t>
-            </a:r>
-            <a:r>
-              <a:rPr lang="en-US" dirty="0" smtClean="0"/>
-              <a:t>  </a:t>
-            </a:r>
-            <a:endParaRPr lang="en-US" b="1" dirty="0" smtClean="0"/>
+            <a:endParaRPr lang="fr-FR" dirty="0"/>
           </a:p>
         </p:txBody>
       </p:sp>
@@ -1185,7 +1312,7 @@
     </p:spTree>
     <p:extLst>
       <p:ext uri="{BB962C8B-B14F-4D97-AF65-F5344CB8AC3E}">
-        <p14:creationId xmlns:p14="http://schemas.microsoft.com/office/powerpoint/2010/main" val="731922170"/>
+        <p14:creationId xmlns:p14="http://schemas.microsoft.com/office/powerpoint/2010/main" val="1784683595"/>
       </p:ext>
     </p:extLst>
   </p:cSld>
@@ -1240,280 +1367,35 @@
           <a:lstStyle/>
           <a:p>
             <a:r>
-              <a:rPr lang="en-US" dirty="0" smtClean="0"/>
-              <a:t>Un flux de travail </a:t>
-            </a:r>
-            <a:r>
-              <a:rPr lang="en-US" dirty="0" err="1" smtClean="0"/>
-              <a:t>d'application</a:t>
-            </a:r>
-            <a:r>
-              <a:rPr lang="en-US" dirty="0" smtClean="0"/>
-              <a:t> avec </a:t>
-            </a:r>
-            <a:r>
-              <a:rPr lang="en-US" dirty="0" err="1" smtClean="0"/>
-              <a:t>deux</a:t>
-            </a:r>
-            <a:r>
-              <a:rPr lang="en-US" dirty="0" smtClean="0"/>
-              <a:t> </a:t>
-            </a:r>
-            <a:r>
-              <a:rPr lang="en-US" dirty="0" err="1" smtClean="0"/>
-              <a:t>étapes</a:t>
-            </a:r>
-            <a:r>
-              <a:rPr lang="en-US" dirty="0" smtClean="0"/>
-              <a:t> </a:t>
-            </a:r>
-            <a:r>
-              <a:rPr lang="en-US" dirty="0" err="1" smtClean="0"/>
-              <a:t>requiert</a:t>
-            </a:r>
-            <a:r>
-              <a:rPr lang="en-US" dirty="0" smtClean="0"/>
-              <a:t> trois </a:t>
-            </a:r>
-            <a:r>
-              <a:rPr lang="en-US" dirty="0" err="1" smtClean="0"/>
-              <a:t>changements</a:t>
-            </a:r>
-            <a:r>
-              <a:rPr lang="en-US" dirty="0" smtClean="0"/>
-              <a:t> d'état, </a:t>
-            </a:r>
-            <a:r>
-              <a:rPr lang="en-US" dirty="0" err="1" smtClean="0"/>
-              <a:t>déterminés</a:t>
-            </a:r>
-            <a:r>
-              <a:rPr lang="en-US" dirty="0" smtClean="0"/>
-              <a:t> </a:t>
-            </a:r>
-            <a:r>
-              <a:rPr lang="en-US" dirty="0" err="1" smtClean="0"/>
-              <a:t>en</a:t>
-            </a:r>
-            <a:r>
-              <a:rPr lang="en-US" dirty="0" smtClean="0"/>
-              <a:t> </a:t>
-            </a:r>
-            <a:r>
-              <a:rPr lang="en-US" dirty="0" err="1" smtClean="0"/>
-              <a:t>comptant</a:t>
-            </a:r>
-            <a:r>
-              <a:rPr lang="en-US" dirty="0" smtClean="0"/>
-              <a:t> les </a:t>
-            </a:r>
-            <a:r>
-              <a:rPr lang="en-US" dirty="0" err="1" smtClean="0"/>
-              <a:t>flèches</a:t>
-            </a:r>
-            <a:r>
-              <a:rPr lang="en-US" dirty="0" smtClean="0"/>
-              <a:t> (</a:t>
-            </a:r>
-            <a:r>
-              <a:rPr lang="en-US" dirty="0" err="1" smtClean="0"/>
-              <a:t>ou</a:t>
-            </a:r>
-            <a:r>
-              <a:rPr lang="en-US" dirty="0" smtClean="0"/>
-              <a:t> les arcs) sur le </a:t>
-            </a:r>
-            <a:r>
-              <a:rPr lang="en-US" dirty="0" err="1" smtClean="0"/>
-              <a:t>graphique</a:t>
-            </a:r>
-            <a:r>
-              <a:rPr lang="en-US" dirty="0" smtClean="0"/>
-              <a:t> : </a:t>
-            </a:r>
-            <a:r>
-              <a:rPr lang="en-US" dirty="0" err="1" smtClean="0"/>
-              <a:t>une</a:t>
-            </a:r>
-            <a:r>
-              <a:rPr lang="en-US" dirty="0" smtClean="0"/>
-              <a:t> transition du </a:t>
-            </a:r>
-            <a:r>
-              <a:rPr lang="en-US" i="1" dirty="0" smtClean="0"/>
-              <a:t>début</a:t>
-            </a:r>
-            <a:r>
-              <a:rPr lang="en-US" dirty="0" smtClean="0"/>
-              <a:t> du flux de travail </a:t>
-            </a:r>
-            <a:r>
-              <a:rPr lang="en-US" dirty="0" err="1" smtClean="0"/>
-              <a:t>vers</a:t>
-            </a:r>
-            <a:r>
-              <a:rPr lang="en-US" dirty="0" smtClean="0"/>
-              <a:t> </a:t>
-            </a:r>
-            <a:r>
-              <a:rPr lang="en-US" dirty="0" err="1" smtClean="0"/>
-              <a:t>l'étape</a:t>
-            </a:r>
-            <a:r>
-              <a:rPr lang="en-US" dirty="0" smtClean="0"/>
-              <a:t> du </a:t>
-            </a:r>
-            <a:r>
-              <a:rPr lang="en-US" i="1" dirty="0" err="1" smtClean="0"/>
-              <a:t>téléchargement</a:t>
-            </a:r>
-            <a:r>
-              <a:rPr lang="en-US" i="1" dirty="0" smtClean="0"/>
-              <a:t> du </a:t>
-            </a:r>
-            <a:r>
-              <a:rPr lang="en-US" i="1" dirty="0" err="1" smtClean="0"/>
-              <a:t>fichier</a:t>
-            </a:r>
-            <a:r>
-              <a:rPr lang="en-US" i="1" dirty="0" smtClean="0"/>
-              <a:t> RAW</a:t>
-            </a:r>
-            <a:r>
-              <a:rPr lang="en-US" dirty="0" smtClean="0"/>
-              <a:t>, </a:t>
-            </a:r>
-            <a:r>
-              <a:rPr lang="en-US" dirty="0" err="1" smtClean="0"/>
-              <a:t>une</a:t>
-            </a:r>
-            <a:r>
-              <a:rPr lang="en-US" dirty="0" smtClean="0"/>
-              <a:t> de </a:t>
-            </a:r>
-            <a:r>
-              <a:rPr lang="en-US" dirty="0" err="1" smtClean="0"/>
-              <a:t>l'étape</a:t>
-            </a:r>
-            <a:r>
-              <a:rPr lang="en-US" dirty="0" smtClean="0"/>
-              <a:t> du </a:t>
-            </a:r>
-            <a:r>
-              <a:rPr lang="en-US" i="1" dirty="0" err="1" smtClean="0"/>
-              <a:t>téléchargement</a:t>
-            </a:r>
-            <a:r>
-              <a:rPr lang="en-US" i="1" dirty="0" smtClean="0"/>
-              <a:t> du </a:t>
-            </a:r>
-            <a:r>
-              <a:rPr lang="en-US" i="1" dirty="0" err="1" smtClean="0"/>
-              <a:t>fichier</a:t>
-            </a:r>
-            <a:r>
-              <a:rPr lang="en-US" i="1" dirty="0" smtClean="0"/>
-              <a:t> RAW</a:t>
-            </a:r>
-            <a:r>
-              <a:rPr lang="en-US" dirty="0" smtClean="0"/>
-              <a:t> </a:t>
-            </a:r>
-            <a:r>
-              <a:rPr lang="en-US" dirty="0" err="1" smtClean="0"/>
-              <a:t>à</a:t>
-            </a:r>
-            <a:r>
-              <a:rPr lang="en-US" dirty="0" smtClean="0"/>
-              <a:t> </a:t>
-            </a:r>
-            <a:r>
-              <a:rPr lang="en-US" dirty="0" err="1" smtClean="0"/>
-              <a:t>l'étape</a:t>
-            </a:r>
-            <a:r>
-              <a:rPr lang="en-US" dirty="0" smtClean="0"/>
-              <a:t> de </a:t>
-            </a:r>
-            <a:r>
-              <a:rPr lang="en-US" i="1" dirty="0" smtClean="0"/>
-              <a:t>suppression du </a:t>
-            </a:r>
-            <a:r>
-              <a:rPr lang="en-US" i="1" dirty="0" err="1" smtClean="0"/>
-              <a:t>fichier</a:t>
-            </a:r>
-            <a:r>
-              <a:rPr lang="en-US" i="1" dirty="0" smtClean="0"/>
-              <a:t> RAW</a:t>
-            </a:r>
-            <a:r>
-              <a:rPr lang="en-US" dirty="0" smtClean="0"/>
-              <a:t> et </a:t>
-            </a:r>
-            <a:r>
-              <a:rPr lang="en-US" dirty="0" err="1" smtClean="0"/>
-              <a:t>une</a:t>
-            </a:r>
-            <a:r>
-              <a:rPr lang="en-US" dirty="0" smtClean="0"/>
-              <a:t> </a:t>
-            </a:r>
-            <a:r>
-              <a:rPr lang="en-US" dirty="0" err="1" smtClean="0"/>
-              <a:t>dernière</a:t>
-            </a:r>
-            <a:r>
-              <a:rPr lang="en-US" dirty="0" smtClean="0"/>
-              <a:t> de </a:t>
-            </a:r>
-            <a:r>
-              <a:rPr lang="en-US" dirty="0" err="1" smtClean="0"/>
-              <a:t>l'étape</a:t>
-            </a:r>
-            <a:r>
-              <a:rPr lang="en-US" dirty="0" smtClean="0"/>
-              <a:t> de </a:t>
-            </a:r>
-            <a:r>
-              <a:rPr lang="en-US" i="1" dirty="0" smtClean="0"/>
-              <a:t>suppression de </a:t>
-            </a:r>
-            <a:r>
-              <a:rPr lang="en-US" i="1" dirty="0" err="1" smtClean="0"/>
-              <a:t>fichier</a:t>
-            </a:r>
-            <a:r>
-              <a:rPr lang="en-US" i="1" dirty="0" smtClean="0"/>
-              <a:t> RAW</a:t>
-            </a:r>
-            <a:r>
-              <a:rPr lang="en-US" dirty="0" smtClean="0"/>
-              <a:t> </a:t>
-            </a:r>
-            <a:r>
-              <a:rPr lang="en-US" dirty="0" err="1" smtClean="0"/>
-              <a:t>à</a:t>
-            </a:r>
-            <a:r>
-              <a:rPr lang="en-US" dirty="0" smtClean="0"/>
-              <a:t> la </a:t>
-            </a:r>
-            <a:r>
-              <a:rPr lang="en-US" i="1" dirty="0" smtClean="0"/>
-              <a:t>fin</a:t>
-            </a:r>
-            <a:r>
-              <a:rPr lang="en-US" dirty="0" smtClean="0"/>
-              <a:t> du flux de travail de </a:t>
-            </a:r>
-            <a:r>
-              <a:rPr lang="en-US" dirty="0" err="1" smtClean="0"/>
-              <a:t>votre</a:t>
-            </a:r>
-            <a:r>
-              <a:rPr lang="en-US" dirty="0" smtClean="0"/>
-              <a:t> application.</a:t>
+              <a:rPr lang="fr-FR" dirty="0" smtClean="0"/>
+              <a:t>Cas ou la lambda retourne une erreur pour </a:t>
+            </a:r>
+            <a:r>
+              <a:rPr lang="fr-FR" dirty="0" err="1" smtClean="0"/>
+              <a:t>pb</a:t>
+            </a:r>
+            <a:r>
+              <a:rPr lang="fr-FR" dirty="0" smtClean="0"/>
+              <a:t> de mémoire.</a:t>
+            </a:r>
+          </a:p>
+          <a:p>
+            <a:r>
+              <a:rPr lang="fr-FR" dirty="0" smtClean="0"/>
+              <a:t> - Configurer DLQ sur la lambda</a:t>
+            </a:r>
+          </a:p>
+          <a:p>
+            <a:endParaRPr lang="fr-FR" dirty="0" smtClean="0"/>
+          </a:p>
+          <a:p>
+            <a:r>
+              <a:rPr lang="fr-FR" dirty="0" smtClean="0"/>
+              <a:t>A l’époque</a:t>
+            </a:r>
+            <a:r>
+              <a:rPr lang="fr-FR" baseline="0" dirty="0" smtClean="0"/>
+              <a:t> pas sélectionner ce modèle car par encore les DLQ sur les lambda et donc perte des erreurs</a:t>
             </a:r>
             <a:endParaRPr lang="fr-FR" dirty="0"/>
           </a:p>
@@ -1545,7 +1427,7 @@
     </p:spTree>
     <p:extLst>
       <p:ext uri="{BB962C8B-B14F-4D97-AF65-F5344CB8AC3E}">
-        <p14:creationId xmlns:p14="http://schemas.microsoft.com/office/powerpoint/2010/main" val="194268354"/>
+        <p14:creationId xmlns:p14="http://schemas.microsoft.com/office/powerpoint/2010/main" val="858559331"/>
       </p:ext>
     </p:extLst>
   </p:cSld>
@@ -1621,6 +1503,639 @@
             <a:fld id="{B782C702-11DB-4943-A2CE-4A29E394F037}" type="slidenum">
               <a:rPr lang="fr-FR" smtClean="0"/>
               <a:t>16</a:t>
+            </a:fld>
+            <a:endParaRPr lang="fr-FR"/>
+          </a:p>
+        </p:txBody>
+      </p:sp>
+    </p:spTree>
+    <p:extLst>
+      <p:ext uri="{BB962C8B-B14F-4D97-AF65-F5344CB8AC3E}">
+        <p14:creationId xmlns:p14="http://schemas.microsoft.com/office/powerpoint/2010/main" val="1798499079"/>
+      </p:ext>
+    </p:extLst>
+  </p:cSld>
+  <p:clrMapOvr>
+    <a:masterClrMapping/>
+  </p:clrMapOvr>
+</p:notes>
+</file>
+
+<file path=ppt/notesSlides/notesSlide15.xml><?xml version="1.0" encoding="utf-8"?>
+<p:notes xmlns:a="http://schemas.openxmlformats.org/drawingml/2006/main" xmlns:r="http://schemas.openxmlformats.org/officeDocument/2006/relationships" xmlns:p="http://schemas.openxmlformats.org/presentationml/2006/main">
+  <p:cSld>
+    <p:spTree>
+      <p:nvGrpSpPr>
+        <p:cNvPr id="1" name=""/>
+        <p:cNvGrpSpPr/>
+        <p:nvPr/>
+      </p:nvGrpSpPr>
+      <p:grpSpPr>
+        <a:xfrm>
+          <a:off x="0" y="0"/>
+          <a:ext cx="0" cy="0"/>
+          <a:chOff x="0" y="0"/>
+          <a:chExt cx="0" cy="0"/>
+        </a:xfrm>
+      </p:grpSpPr>
+      <p:sp>
+        <p:nvSpPr>
+          <p:cNvPr id="2" name="Slide Image Placeholder 1"/>
+          <p:cNvSpPr>
+            <a:spLocks noGrp="1" noRot="1" noChangeAspect="1"/>
+          </p:cNvSpPr>
+          <p:nvPr>
+            <p:ph type="sldImg"/>
+          </p:nvPr>
+        </p:nvSpPr>
+        <p:spPr/>
+      </p:sp>
+      <p:sp>
+        <p:nvSpPr>
+          <p:cNvPr id="3" name="Notes Placeholder 2"/>
+          <p:cNvSpPr>
+            <a:spLocks noGrp="1"/>
+          </p:cNvSpPr>
+          <p:nvPr>
+            <p:ph type="body" idx="1"/>
+          </p:nvPr>
+        </p:nvSpPr>
+        <p:spPr/>
+        <p:txBody>
+          <a:bodyPr/>
+          <a:lstStyle/>
+          <a:p>
+            <a:pPr marL="0" marR="0" indent="0" algn="l" defTabSz="914400" rtl="0" eaLnBrk="1" fontAlgn="auto" latinLnBrk="0" hangingPunct="1">
+              <a:lnSpc>
+                <a:spcPct val="100000"/>
+              </a:lnSpc>
+              <a:spcBef>
+                <a:spcPts val="0"/>
+              </a:spcBef>
+              <a:spcAft>
+                <a:spcPts val="0"/>
+              </a:spcAft>
+              <a:buClrTx/>
+              <a:buSzTx/>
+              <a:buFontTx/>
+              <a:buNone/>
+              <a:tabLst/>
+              <a:defRPr/>
+            </a:pPr>
+            <a:r>
+              <a:rPr lang="en-US" b="0" dirty="0" smtClean="0"/>
+              <a:t>AWS_DEFAULT_PROFILE</a:t>
+            </a:r>
+            <a:r>
+              <a:rPr lang="en-US" sz="1200" dirty="0" smtClean="0">
+                <a:latin typeface="Avenir Next" charset="0"/>
+                <a:ea typeface="Avenir Next" charset="0"/>
+                <a:cs typeface="Avenir Next" charset="0"/>
+              </a:rPr>
+              <a:t>=</a:t>
+            </a:r>
+            <a:r>
+              <a:rPr lang="en-US" sz="1200" dirty="0" err="1" smtClean="0">
+                <a:latin typeface="Avenir Next" charset="0"/>
+                <a:ea typeface="Avenir Next" charset="0"/>
+                <a:cs typeface="Avenir Next" charset="0"/>
+              </a:rPr>
+              <a:t>xebia</a:t>
+            </a:r>
+            <a:r>
+              <a:rPr lang="en-US" sz="1200" dirty="0" smtClean="0">
+                <a:latin typeface="Avenir Next" charset="0"/>
+                <a:ea typeface="Avenir Next" charset="0"/>
+                <a:cs typeface="Avenir Next" charset="0"/>
+              </a:rPr>
+              <a:t>-dev </a:t>
+            </a:r>
+            <a:r>
+              <a:rPr lang="en-US" sz="1200" dirty="0" err="1" smtClean="0">
+                <a:latin typeface="Avenir Next" charset="0"/>
+                <a:ea typeface="Avenir Next" charset="0"/>
+                <a:cs typeface="Avenir Next" charset="0"/>
+              </a:rPr>
+              <a:t>aws</a:t>
+            </a:r>
+            <a:r>
+              <a:rPr lang="en-US" sz="1200" dirty="0" smtClean="0">
+                <a:latin typeface="Avenir Next" charset="0"/>
+                <a:ea typeface="Avenir Next" charset="0"/>
+                <a:cs typeface="Avenir Next" charset="0"/>
+              </a:rPr>
+              <a:t> </a:t>
+            </a:r>
+            <a:r>
+              <a:rPr lang="en-US" sz="1200" dirty="0" err="1" smtClean="0">
+                <a:latin typeface="Avenir Next" charset="0"/>
+                <a:ea typeface="Avenir Next" charset="0"/>
+                <a:cs typeface="Avenir Next" charset="0"/>
+              </a:rPr>
+              <a:t>stepfunctions</a:t>
+            </a:r>
+            <a:r>
+              <a:rPr lang="en-US" sz="1200" dirty="0" smtClean="0">
+                <a:latin typeface="Avenir Next" charset="0"/>
+                <a:ea typeface="Avenir Next" charset="0"/>
+                <a:cs typeface="Avenir Next" charset="0"/>
+              </a:rPr>
+              <a:t> </a:t>
+            </a:r>
+            <a:r>
+              <a:rPr lang="en-US" dirty="0" smtClean="0"/>
+              <a:t>create-state-machine --name test --definition --role-</a:t>
+            </a:r>
+            <a:r>
+              <a:rPr lang="en-US" dirty="0" err="1" smtClean="0"/>
+              <a:t>arn</a:t>
+            </a:r>
+            <a:r>
+              <a:rPr lang="en-US" dirty="0" smtClean="0"/>
+              <a:t> </a:t>
+            </a:r>
+            <a:r>
+              <a:rPr lang="en-US" dirty="0" err="1" smtClean="0"/>
+              <a:t>arn:aws:iam</a:t>
+            </a:r>
+            <a:r>
+              <a:rPr lang="en-US" dirty="0" smtClean="0"/>
+              <a:t>::010154155802:role/service-role/StatesExecutionRole-eu-west-1</a:t>
+            </a:r>
+            <a:r>
+              <a:rPr lang="fr-FR" baseline="0" dirty="0" smtClean="0"/>
+              <a:t>  </a:t>
+            </a:r>
+            <a:r>
+              <a:rPr lang="en-US" dirty="0" smtClean="0"/>
+              <a:t>  </a:t>
+            </a:r>
+            <a:endParaRPr lang="en-US" b="1" dirty="0" smtClean="0"/>
+          </a:p>
+        </p:txBody>
+      </p:sp>
+      <p:sp>
+        <p:nvSpPr>
+          <p:cNvPr id="4" name="Slide Number Placeholder 3"/>
+          <p:cNvSpPr>
+            <a:spLocks noGrp="1"/>
+          </p:cNvSpPr>
+          <p:nvPr>
+            <p:ph type="sldNum" sz="quarter" idx="10"/>
+          </p:nvPr>
+        </p:nvSpPr>
+        <p:spPr/>
+        <p:txBody>
+          <a:bodyPr/>
+          <a:lstStyle/>
+          <a:p>
+            <a:fld id="{B782C702-11DB-4943-A2CE-4A29E394F037}" type="slidenum">
+              <a:rPr lang="fr-FR" smtClean="0"/>
+              <a:t>17</a:t>
+            </a:fld>
+            <a:endParaRPr lang="fr-FR"/>
+          </a:p>
+        </p:txBody>
+      </p:sp>
+    </p:spTree>
+    <p:extLst>
+      <p:ext uri="{BB962C8B-B14F-4D97-AF65-F5344CB8AC3E}">
+        <p14:creationId xmlns:p14="http://schemas.microsoft.com/office/powerpoint/2010/main" val="731922170"/>
+      </p:ext>
+    </p:extLst>
+  </p:cSld>
+  <p:clrMapOvr>
+    <a:masterClrMapping/>
+  </p:clrMapOvr>
+</p:notes>
+</file>
+
+<file path=ppt/notesSlides/notesSlide16.xml><?xml version="1.0" encoding="utf-8"?>
+<p:notes xmlns:a="http://schemas.openxmlformats.org/drawingml/2006/main" xmlns:r="http://schemas.openxmlformats.org/officeDocument/2006/relationships" xmlns:p="http://schemas.openxmlformats.org/presentationml/2006/main">
+  <p:cSld>
+    <p:spTree>
+      <p:nvGrpSpPr>
+        <p:cNvPr id="1" name=""/>
+        <p:cNvGrpSpPr/>
+        <p:nvPr/>
+      </p:nvGrpSpPr>
+      <p:grpSpPr>
+        <a:xfrm>
+          <a:off x="0" y="0"/>
+          <a:ext cx="0" cy="0"/>
+          <a:chOff x="0" y="0"/>
+          <a:chExt cx="0" cy="0"/>
+        </a:xfrm>
+      </p:grpSpPr>
+      <p:sp>
+        <p:nvSpPr>
+          <p:cNvPr id="2" name="Slide Image Placeholder 1"/>
+          <p:cNvSpPr>
+            <a:spLocks noGrp="1" noRot="1" noChangeAspect="1"/>
+          </p:cNvSpPr>
+          <p:nvPr>
+            <p:ph type="sldImg"/>
+          </p:nvPr>
+        </p:nvSpPr>
+        <p:spPr/>
+      </p:sp>
+      <p:sp>
+        <p:nvSpPr>
+          <p:cNvPr id="3" name="Notes Placeholder 2"/>
+          <p:cNvSpPr>
+            <a:spLocks noGrp="1"/>
+          </p:cNvSpPr>
+          <p:nvPr>
+            <p:ph type="body" idx="1"/>
+          </p:nvPr>
+        </p:nvSpPr>
+        <p:spPr/>
+        <p:txBody>
+          <a:bodyPr/>
+          <a:lstStyle/>
+          <a:p>
+            <a:r>
+              <a:rPr lang="en-US" dirty="0" smtClean="0"/>
+              <a:t>Un flux de travail </a:t>
+            </a:r>
+            <a:r>
+              <a:rPr lang="en-US" dirty="0" err="1" smtClean="0"/>
+              <a:t>d'application</a:t>
+            </a:r>
+            <a:r>
+              <a:rPr lang="en-US" dirty="0" smtClean="0"/>
+              <a:t> avec </a:t>
+            </a:r>
+            <a:r>
+              <a:rPr lang="en-US" dirty="0" err="1" smtClean="0"/>
+              <a:t>deux</a:t>
+            </a:r>
+            <a:r>
+              <a:rPr lang="en-US" dirty="0" smtClean="0"/>
+              <a:t> </a:t>
+            </a:r>
+            <a:r>
+              <a:rPr lang="en-US" dirty="0" err="1" smtClean="0"/>
+              <a:t>étapes</a:t>
+            </a:r>
+            <a:r>
+              <a:rPr lang="en-US" dirty="0" smtClean="0"/>
+              <a:t> </a:t>
+            </a:r>
+            <a:r>
+              <a:rPr lang="en-US" dirty="0" err="1" smtClean="0"/>
+              <a:t>requiert</a:t>
+            </a:r>
+            <a:r>
+              <a:rPr lang="en-US" dirty="0" smtClean="0"/>
+              <a:t> trois </a:t>
+            </a:r>
+            <a:r>
+              <a:rPr lang="en-US" dirty="0" err="1" smtClean="0"/>
+              <a:t>changements</a:t>
+            </a:r>
+            <a:r>
+              <a:rPr lang="en-US" dirty="0" smtClean="0"/>
+              <a:t> d'état, </a:t>
+            </a:r>
+            <a:r>
+              <a:rPr lang="en-US" dirty="0" err="1" smtClean="0"/>
+              <a:t>déterminés</a:t>
+            </a:r>
+            <a:r>
+              <a:rPr lang="en-US" dirty="0" smtClean="0"/>
+              <a:t> </a:t>
+            </a:r>
+            <a:r>
+              <a:rPr lang="en-US" dirty="0" err="1" smtClean="0"/>
+              <a:t>en</a:t>
+            </a:r>
+            <a:r>
+              <a:rPr lang="en-US" dirty="0" smtClean="0"/>
+              <a:t> </a:t>
+            </a:r>
+            <a:r>
+              <a:rPr lang="en-US" dirty="0" err="1" smtClean="0"/>
+              <a:t>comptant</a:t>
+            </a:r>
+            <a:r>
+              <a:rPr lang="en-US" dirty="0" smtClean="0"/>
+              <a:t> les </a:t>
+            </a:r>
+            <a:r>
+              <a:rPr lang="en-US" dirty="0" err="1" smtClean="0"/>
+              <a:t>flèches</a:t>
+            </a:r>
+            <a:r>
+              <a:rPr lang="en-US" dirty="0" smtClean="0"/>
+              <a:t> (</a:t>
+            </a:r>
+            <a:r>
+              <a:rPr lang="en-US" dirty="0" err="1" smtClean="0"/>
+              <a:t>ou</a:t>
+            </a:r>
+            <a:r>
+              <a:rPr lang="en-US" dirty="0" smtClean="0"/>
+              <a:t> les arcs) sur le </a:t>
+            </a:r>
+            <a:r>
+              <a:rPr lang="en-US" dirty="0" err="1" smtClean="0"/>
+              <a:t>graphique</a:t>
+            </a:r>
+            <a:r>
+              <a:rPr lang="en-US" dirty="0" smtClean="0"/>
+              <a:t> : </a:t>
+            </a:r>
+            <a:r>
+              <a:rPr lang="en-US" dirty="0" err="1" smtClean="0"/>
+              <a:t>une</a:t>
+            </a:r>
+            <a:r>
+              <a:rPr lang="en-US" dirty="0" smtClean="0"/>
+              <a:t> transition du </a:t>
+            </a:r>
+            <a:r>
+              <a:rPr lang="en-US" i="1" dirty="0" smtClean="0"/>
+              <a:t>début</a:t>
+            </a:r>
+            <a:r>
+              <a:rPr lang="en-US" dirty="0" smtClean="0"/>
+              <a:t> du flux de travail </a:t>
+            </a:r>
+            <a:r>
+              <a:rPr lang="en-US" dirty="0" err="1" smtClean="0"/>
+              <a:t>vers</a:t>
+            </a:r>
+            <a:r>
+              <a:rPr lang="en-US" dirty="0" smtClean="0"/>
+              <a:t> </a:t>
+            </a:r>
+            <a:r>
+              <a:rPr lang="en-US" dirty="0" err="1" smtClean="0"/>
+              <a:t>l'étape</a:t>
+            </a:r>
+            <a:r>
+              <a:rPr lang="en-US" dirty="0" smtClean="0"/>
+              <a:t> du </a:t>
+            </a:r>
+            <a:r>
+              <a:rPr lang="en-US" i="1" dirty="0" err="1" smtClean="0"/>
+              <a:t>téléchargement</a:t>
+            </a:r>
+            <a:r>
+              <a:rPr lang="en-US" i="1" dirty="0" smtClean="0"/>
+              <a:t> du </a:t>
+            </a:r>
+            <a:r>
+              <a:rPr lang="en-US" i="1" dirty="0" err="1" smtClean="0"/>
+              <a:t>fichier</a:t>
+            </a:r>
+            <a:r>
+              <a:rPr lang="en-US" i="1" dirty="0" smtClean="0"/>
+              <a:t> RAW</a:t>
+            </a:r>
+            <a:r>
+              <a:rPr lang="en-US" dirty="0" smtClean="0"/>
+              <a:t>, </a:t>
+            </a:r>
+            <a:r>
+              <a:rPr lang="en-US" dirty="0" err="1" smtClean="0"/>
+              <a:t>une</a:t>
+            </a:r>
+            <a:r>
+              <a:rPr lang="en-US" dirty="0" smtClean="0"/>
+              <a:t> de </a:t>
+            </a:r>
+            <a:r>
+              <a:rPr lang="en-US" dirty="0" err="1" smtClean="0"/>
+              <a:t>l'étape</a:t>
+            </a:r>
+            <a:r>
+              <a:rPr lang="en-US" dirty="0" smtClean="0"/>
+              <a:t> du </a:t>
+            </a:r>
+            <a:r>
+              <a:rPr lang="en-US" i="1" dirty="0" err="1" smtClean="0"/>
+              <a:t>téléchargement</a:t>
+            </a:r>
+            <a:r>
+              <a:rPr lang="en-US" i="1" dirty="0" smtClean="0"/>
+              <a:t> du </a:t>
+            </a:r>
+            <a:r>
+              <a:rPr lang="en-US" i="1" dirty="0" err="1" smtClean="0"/>
+              <a:t>fichier</a:t>
+            </a:r>
+            <a:r>
+              <a:rPr lang="en-US" i="1" dirty="0" smtClean="0"/>
+              <a:t> RAW</a:t>
+            </a:r>
+            <a:r>
+              <a:rPr lang="en-US" dirty="0" smtClean="0"/>
+              <a:t> </a:t>
+            </a:r>
+            <a:r>
+              <a:rPr lang="en-US" dirty="0" err="1" smtClean="0"/>
+              <a:t>à</a:t>
+            </a:r>
+            <a:r>
+              <a:rPr lang="en-US" dirty="0" smtClean="0"/>
+              <a:t> </a:t>
+            </a:r>
+            <a:r>
+              <a:rPr lang="en-US" dirty="0" err="1" smtClean="0"/>
+              <a:t>l'étape</a:t>
+            </a:r>
+            <a:r>
+              <a:rPr lang="en-US" dirty="0" smtClean="0"/>
+              <a:t> de </a:t>
+            </a:r>
+            <a:r>
+              <a:rPr lang="en-US" i="1" dirty="0" smtClean="0"/>
+              <a:t>suppression du </a:t>
+            </a:r>
+            <a:r>
+              <a:rPr lang="en-US" i="1" dirty="0" err="1" smtClean="0"/>
+              <a:t>fichier</a:t>
+            </a:r>
+            <a:r>
+              <a:rPr lang="en-US" i="1" dirty="0" smtClean="0"/>
+              <a:t> RAW</a:t>
+            </a:r>
+            <a:r>
+              <a:rPr lang="en-US" dirty="0" smtClean="0"/>
+              <a:t> et </a:t>
+            </a:r>
+            <a:r>
+              <a:rPr lang="en-US" dirty="0" err="1" smtClean="0"/>
+              <a:t>une</a:t>
+            </a:r>
+            <a:r>
+              <a:rPr lang="en-US" dirty="0" smtClean="0"/>
+              <a:t> </a:t>
+            </a:r>
+            <a:r>
+              <a:rPr lang="en-US" dirty="0" err="1" smtClean="0"/>
+              <a:t>dernière</a:t>
+            </a:r>
+            <a:r>
+              <a:rPr lang="en-US" dirty="0" smtClean="0"/>
+              <a:t> de </a:t>
+            </a:r>
+            <a:r>
+              <a:rPr lang="en-US" dirty="0" err="1" smtClean="0"/>
+              <a:t>l'étape</a:t>
+            </a:r>
+            <a:r>
+              <a:rPr lang="en-US" dirty="0" smtClean="0"/>
+              <a:t> de </a:t>
+            </a:r>
+            <a:r>
+              <a:rPr lang="en-US" i="1" dirty="0" smtClean="0"/>
+              <a:t>suppression de </a:t>
+            </a:r>
+            <a:r>
+              <a:rPr lang="en-US" i="1" dirty="0" err="1" smtClean="0"/>
+              <a:t>fichier</a:t>
+            </a:r>
+            <a:r>
+              <a:rPr lang="en-US" i="1" dirty="0" smtClean="0"/>
+              <a:t> RAW</a:t>
+            </a:r>
+            <a:r>
+              <a:rPr lang="en-US" dirty="0" smtClean="0"/>
+              <a:t> </a:t>
+            </a:r>
+            <a:r>
+              <a:rPr lang="en-US" dirty="0" err="1" smtClean="0"/>
+              <a:t>à</a:t>
+            </a:r>
+            <a:r>
+              <a:rPr lang="en-US" dirty="0" smtClean="0"/>
+              <a:t> la </a:t>
+            </a:r>
+            <a:r>
+              <a:rPr lang="en-US" i="1" dirty="0" smtClean="0"/>
+              <a:t>fin</a:t>
+            </a:r>
+            <a:r>
+              <a:rPr lang="en-US" dirty="0" smtClean="0"/>
+              <a:t> du flux de travail de </a:t>
+            </a:r>
+            <a:r>
+              <a:rPr lang="en-US" dirty="0" err="1" smtClean="0"/>
+              <a:t>votre</a:t>
+            </a:r>
+            <a:r>
+              <a:rPr lang="en-US" dirty="0" smtClean="0"/>
+              <a:t> application.</a:t>
+            </a:r>
+            <a:endParaRPr lang="fr-FR" dirty="0"/>
+          </a:p>
+        </p:txBody>
+      </p:sp>
+      <p:sp>
+        <p:nvSpPr>
+          <p:cNvPr id="4" name="Slide Number Placeholder 3"/>
+          <p:cNvSpPr>
+            <a:spLocks noGrp="1"/>
+          </p:cNvSpPr>
+          <p:nvPr>
+            <p:ph type="sldNum" sz="quarter" idx="10"/>
+          </p:nvPr>
+        </p:nvSpPr>
+        <p:spPr/>
+        <p:txBody>
+          <a:bodyPr/>
+          <a:lstStyle/>
+          <a:p>
+            <a:fld id="{B782C702-11DB-4943-A2CE-4A29E394F037}" type="slidenum">
+              <a:rPr lang="fr-FR" smtClean="0"/>
+              <a:t>18</a:t>
+            </a:fld>
+            <a:endParaRPr lang="fr-FR"/>
+          </a:p>
+        </p:txBody>
+      </p:sp>
+    </p:spTree>
+    <p:extLst>
+      <p:ext uri="{BB962C8B-B14F-4D97-AF65-F5344CB8AC3E}">
+        <p14:creationId xmlns:p14="http://schemas.microsoft.com/office/powerpoint/2010/main" val="194268354"/>
+      </p:ext>
+    </p:extLst>
+  </p:cSld>
+  <p:clrMapOvr>
+    <a:masterClrMapping/>
+  </p:clrMapOvr>
+</p:notes>
+</file>
+
+<file path=ppt/notesSlides/notesSlide17.xml><?xml version="1.0" encoding="utf-8"?>
+<p:notes xmlns:a="http://schemas.openxmlformats.org/drawingml/2006/main" xmlns:r="http://schemas.openxmlformats.org/officeDocument/2006/relationships" xmlns:p="http://schemas.openxmlformats.org/presentationml/2006/main">
+  <p:cSld>
+    <p:spTree>
+      <p:nvGrpSpPr>
+        <p:cNvPr id="1" name=""/>
+        <p:cNvGrpSpPr/>
+        <p:nvPr/>
+      </p:nvGrpSpPr>
+      <p:grpSpPr>
+        <a:xfrm>
+          <a:off x="0" y="0"/>
+          <a:ext cx="0" cy="0"/>
+          <a:chOff x="0" y="0"/>
+          <a:chExt cx="0" cy="0"/>
+        </a:xfrm>
+      </p:grpSpPr>
+      <p:sp>
+        <p:nvSpPr>
+          <p:cNvPr id="2" name="Slide Image Placeholder 1"/>
+          <p:cNvSpPr>
+            <a:spLocks noGrp="1" noRot="1" noChangeAspect="1"/>
+          </p:cNvSpPr>
+          <p:nvPr>
+            <p:ph type="sldImg"/>
+          </p:nvPr>
+        </p:nvSpPr>
+        <p:spPr/>
+      </p:sp>
+      <p:sp>
+        <p:nvSpPr>
+          <p:cNvPr id="3" name="Notes Placeholder 2"/>
+          <p:cNvSpPr>
+            <a:spLocks noGrp="1"/>
+          </p:cNvSpPr>
+          <p:nvPr>
+            <p:ph type="body" idx="1"/>
+          </p:nvPr>
+        </p:nvSpPr>
+        <p:spPr/>
+        <p:txBody>
+          <a:bodyPr/>
+          <a:lstStyle/>
+          <a:p>
+            <a:endParaRPr lang="fr-FR" dirty="0"/>
+          </a:p>
+        </p:txBody>
+      </p:sp>
+      <p:sp>
+        <p:nvSpPr>
+          <p:cNvPr id="4" name="Slide Number Placeholder 3"/>
+          <p:cNvSpPr>
+            <a:spLocks noGrp="1"/>
+          </p:cNvSpPr>
+          <p:nvPr>
+            <p:ph type="sldNum" sz="quarter" idx="10"/>
+          </p:nvPr>
+        </p:nvSpPr>
+        <p:spPr/>
+        <p:txBody>
+          <a:bodyPr/>
+          <a:lstStyle/>
+          <a:p>
+            <a:fld id="{B782C702-11DB-4943-A2CE-4A29E394F037}" type="slidenum">
+              <a:rPr lang="fr-FR" smtClean="0"/>
+              <a:t>19</a:t>
             </a:fld>
             <a:endParaRPr lang="fr-FR"/>
           </a:p>
@@ -1683,6 +2198,111 @@
           <a:bodyPr/>
           <a:lstStyle/>
           <a:p>
+            <a:r>
+              <a:rPr lang="en-US" sz="1200" dirty="0" err="1" smtClean="0"/>
+              <a:t>Basé</a:t>
+            </a:r>
+            <a:r>
+              <a:rPr lang="en-US" sz="1200" dirty="0" smtClean="0"/>
+              <a:t> sur les concepts de t</a:t>
+            </a:r>
+            <a:r>
+              <a:rPr lang="fr-FR" sz="1200" dirty="0" err="1" smtClean="0"/>
+              <a:t>âches</a:t>
+            </a:r>
+            <a:r>
+              <a:rPr lang="fr-FR" sz="1200" dirty="0" smtClean="0"/>
+              <a:t> et de state machines</a:t>
+            </a:r>
+          </a:p>
+          <a:p>
+            <a:endParaRPr lang="fr-FR" sz="1200" dirty="0" smtClean="0"/>
+          </a:p>
+          <a:p>
+            <a:r>
+              <a:rPr lang="en-US" sz="1200" dirty="0" err="1" smtClean="0"/>
+              <a:t>Une</a:t>
+            </a:r>
+            <a:r>
+              <a:rPr lang="en-US" sz="1200" dirty="0" smtClean="0"/>
+              <a:t> State machines </a:t>
+            </a:r>
+            <a:r>
+              <a:rPr lang="en-US" sz="1200" dirty="0" err="1" smtClean="0"/>
+              <a:t>est</a:t>
+            </a:r>
+            <a:r>
+              <a:rPr lang="en-US" sz="1200" dirty="0" smtClean="0"/>
+              <a:t> </a:t>
+            </a:r>
+            <a:r>
+              <a:rPr lang="en-US" sz="1200" dirty="0" err="1" smtClean="0"/>
+              <a:t>définie</a:t>
+            </a:r>
+            <a:r>
+              <a:rPr lang="en-US" sz="1200" dirty="0" smtClean="0"/>
+              <a:t> avec un </a:t>
+            </a:r>
+            <a:r>
+              <a:rPr lang="en-US" sz="1200" dirty="0" err="1" smtClean="0"/>
+              <a:t>langage</a:t>
+            </a:r>
+            <a:r>
+              <a:rPr lang="en-US" sz="1200" dirty="0" smtClean="0"/>
+              <a:t> </a:t>
+            </a:r>
+            <a:r>
+              <a:rPr lang="en-US" sz="1200" dirty="0" err="1" smtClean="0"/>
+              <a:t>basé</a:t>
+            </a:r>
+            <a:r>
+              <a:rPr lang="en-US" sz="1200" dirty="0" smtClean="0"/>
+              <a:t> sur du JSON</a:t>
+            </a:r>
+          </a:p>
+          <a:p>
+            <a:endParaRPr lang="en-US" sz="1200" dirty="0" smtClean="0"/>
+          </a:p>
+          <a:p>
+            <a:r>
+              <a:rPr lang="en-US" sz="1200" dirty="0" smtClean="0"/>
+              <a:t>La console AWS </a:t>
+            </a:r>
+            <a:r>
+              <a:rPr lang="en-US" sz="1200" dirty="0" err="1" smtClean="0"/>
+              <a:t>affiche</a:t>
+            </a:r>
+            <a:r>
+              <a:rPr lang="en-US" sz="1200" dirty="0" smtClean="0"/>
+              <a:t> </a:t>
+            </a:r>
+            <a:r>
+              <a:rPr lang="en-US" sz="1200" dirty="0" err="1" smtClean="0"/>
+              <a:t>une</a:t>
+            </a:r>
+            <a:r>
+              <a:rPr lang="en-US" sz="1200" dirty="0" smtClean="0"/>
+              <a:t> </a:t>
+            </a:r>
+            <a:r>
+              <a:rPr lang="en-US" sz="1200" dirty="0" err="1" smtClean="0"/>
+              <a:t>vue</a:t>
+            </a:r>
+            <a:r>
+              <a:rPr lang="en-US" sz="1200" dirty="0" smtClean="0"/>
+              <a:t> </a:t>
+            </a:r>
+            <a:r>
+              <a:rPr lang="en-US" sz="1200" dirty="0" err="1" smtClean="0"/>
+              <a:t>graphique</a:t>
+            </a:r>
+            <a:r>
+              <a:rPr lang="en-US" sz="1200" dirty="0" smtClean="0"/>
+              <a:t> des states machines</a:t>
+            </a:r>
+            <a:endParaRPr lang="fr-FR" sz="1200" dirty="0" smtClean="0"/>
+          </a:p>
+          <a:p>
             <a:pPr marL="0" indent="0">
               <a:buFontTx/>
               <a:buNone/>
@@ -1717,7 +2337,7 @@
     </p:spTree>
     <p:extLst>
       <p:ext uri="{BB962C8B-B14F-4D97-AF65-F5344CB8AC3E}">
-        <p14:creationId xmlns:p14="http://schemas.microsoft.com/office/powerpoint/2010/main" val="1485616212"/>
+        <p14:creationId xmlns:p14="http://schemas.microsoft.com/office/powerpoint/2010/main" val="1999540360"/>
       </p:ext>
     </p:extLst>
   </p:cSld>
@@ -1955,41 +2575,6 @@
           <a:bodyPr/>
           <a:lstStyle/>
           <a:p>
-            <a:r>
-              <a:rPr lang="fr-FR" dirty="0" smtClean="0"/>
-              <a:t>Schéma</a:t>
-            </a:r>
-          </a:p>
-          <a:p>
-            <a:pPr lvl="1"/>
-            <a:r>
-              <a:rPr lang="fr-FR" dirty="0" err="1" smtClean="0"/>
-              <a:t>Json</a:t>
-            </a:r>
-            <a:endParaRPr lang="fr-FR" dirty="0" smtClean="0"/>
-          </a:p>
-          <a:p>
-            <a:pPr lvl="1"/>
-            <a:r>
-              <a:rPr lang="fr-FR" dirty="0" smtClean="0"/>
-              <a:t>Création state machine via api</a:t>
-            </a:r>
-          </a:p>
-          <a:p>
-            <a:pPr lvl="1"/>
-            <a:r>
-              <a:rPr lang="fr-FR" dirty="0" smtClean="0"/>
-              <a:t>Start exécution</a:t>
-            </a:r>
-          </a:p>
-          <a:p>
-            <a:pPr lvl="1"/>
-            <a:r>
-              <a:rPr lang="fr-FR" dirty="0" smtClean="0"/>
-              <a:t>Historique</a:t>
-            </a:r>
-          </a:p>
-          <a:p>
             <a:pPr marL="0" indent="0">
               <a:buFontTx/>
               <a:buNone/>
@@ -2024,7 +2609,7 @@
     </p:spTree>
     <p:extLst>
       <p:ext uri="{BB962C8B-B14F-4D97-AF65-F5344CB8AC3E}">
-        <p14:creationId xmlns:p14="http://schemas.microsoft.com/office/powerpoint/2010/main" val="230265836"/>
+        <p14:creationId xmlns:p14="http://schemas.microsoft.com/office/powerpoint/2010/main" val="87039295"/>
       </p:ext>
     </p:extLst>
   </p:cSld>
@@ -2078,6 +2663,41 @@
           <a:bodyPr/>
           <a:lstStyle/>
           <a:p>
+            <a:r>
+              <a:rPr lang="fr-FR" dirty="0" smtClean="0"/>
+              <a:t>Schéma</a:t>
+            </a:r>
+          </a:p>
+          <a:p>
+            <a:pPr lvl="1"/>
+            <a:r>
+              <a:rPr lang="fr-FR" dirty="0" err="1" smtClean="0"/>
+              <a:t>Json</a:t>
+            </a:r>
+            <a:endParaRPr lang="fr-FR" dirty="0" smtClean="0"/>
+          </a:p>
+          <a:p>
+            <a:pPr lvl="1"/>
+            <a:r>
+              <a:rPr lang="fr-FR" dirty="0" smtClean="0"/>
+              <a:t>Création state machine via api</a:t>
+            </a:r>
+          </a:p>
+          <a:p>
+            <a:pPr lvl="1"/>
+            <a:r>
+              <a:rPr lang="fr-FR" dirty="0" smtClean="0"/>
+              <a:t>Start exécution</a:t>
+            </a:r>
+          </a:p>
+          <a:p>
+            <a:pPr lvl="1"/>
+            <a:r>
+              <a:rPr lang="fr-FR" dirty="0" smtClean="0"/>
+              <a:t>Historique</a:t>
+            </a:r>
+          </a:p>
+          <a:p>
             <a:pPr marL="0" indent="0">
               <a:buFontTx/>
               <a:buNone/>
@@ -2112,7 +2732,7 @@
     </p:spTree>
     <p:extLst>
       <p:ext uri="{BB962C8B-B14F-4D97-AF65-F5344CB8AC3E}">
-        <p14:creationId xmlns:p14="http://schemas.microsoft.com/office/powerpoint/2010/main" val="314333267"/>
+        <p14:creationId xmlns:p14="http://schemas.microsoft.com/office/powerpoint/2010/main" val="230265836"/>
       </p:ext>
     </p:extLst>
   </p:cSld>
@@ -2166,11 +2786,123 @@
           <a:bodyPr/>
           <a:lstStyle/>
           <a:p>
-            <a:pPr marL="0" indent="0">
-              <a:buFontTx/>
-              <a:buNone/>
-            </a:pPr>
-            <a:endParaRPr lang="fr-FR" dirty="0"/>
+            <a:r>
+              <a:rPr lang="en-US" sz="1200" kern="1200" dirty="0" smtClean="0">
+                <a:solidFill>
+                  <a:schemeClr val="tx1"/>
+                </a:solidFill>
+                <a:effectLst/>
+                <a:latin typeface="+mn-lt"/>
+                <a:ea typeface="+mn-ea"/>
+                <a:cs typeface="+mn-cs"/>
+              </a:rPr>
+              <a:t>An Activity, which can consist of any code in any language. Activities can be hosted on EC2, ECS,</a:t>
+            </a:r>
+            <a:r>
+              <a:rPr lang="en-US" sz="1200" kern="1200" baseline="0" dirty="0" smtClean="0">
+                <a:solidFill>
+                  <a:schemeClr val="tx1"/>
+                </a:solidFill>
+                <a:effectLst/>
+                <a:latin typeface="+mn-lt"/>
+                <a:ea typeface="+mn-ea"/>
+                <a:cs typeface="+mn-cs"/>
+              </a:rPr>
+              <a:t> </a:t>
+            </a:r>
+            <a:r>
+              <a:rPr lang="en-US" sz="1200" kern="1200" dirty="0" smtClean="0">
+                <a:solidFill>
+                  <a:schemeClr val="tx1"/>
+                </a:solidFill>
+                <a:effectLst/>
+                <a:latin typeface="+mn-lt"/>
+                <a:ea typeface="+mn-ea"/>
+                <a:cs typeface="+mn-cs"/>
+              </a:rPr>
+              <a:t>mobile devices—basically anywhere. Activities must poll AWS Step Functions using the </a:t>
+            </a:r>
+            <a:r>
+              <a:rPr lang="en-US" sz="1200" kern="1200" dirty="0" err="1" smtClean="0">
+                <a:solidFill>
+                  <a:schemeClr val="tx1"/>
+                </a:solidFill>
+                <a:effectLst/>
+                <a:latin typeface="+mn-lt"/>
+                <a:ea typeface="+mn-ea"/>
+                <a:cs typeface="+mn-cs"/>
+              </a:rPr>
+              <a:t>GetActivityTask</a:t>
+            </a:r>
+            <a:r>
+              <a:rPr lang="en-US" sz="1200" kern="1200" dirty="0" smtClean="0">
+                <a:solidFill>
+                  <a:schemeClr val="tx1"/>
+                </a:solidFill>
+                <a:effectLst/>
+                <a:latin typeface="+mn-lt"/>
+                <a:ea typeface="+mn-ea"/>
+                <a:cs typeface="+mn-cs"/>
+              </a:rPr>
+              <a:t> and </a:t>
+            </a:r>
+            <a:r>
+              <a:rPr lang="en-US" sz="1200" kern="1200" dirty="0" err="1" smtClean="0">
+                <a:solidFill>
+                  <a:schemeClr val="tx1"/>
+                </a:solidFill>
+                <a:effectLst/>
+                <a:latin typeface="+mn-lt"/>
+                <a:ea typeface="+mn-ea"/>
+                <a:cs typeface="+mn-cs"/>
+              </a:rPr>
+              <a:t>SendTask</a:t>
+            </a:r>
+            <a:r>
+              <a:rPr lang="en-US" sz="1200" kern="1200" dirty="0" smtClean="0">
+                <a:solidFill>
+                  <a:schemeClr val="tx1"/>
+                </a:solidFill>
+                <a:effectLst/>
+                <a:latin typeface="+mn-lt"/>
+                <a:ea typeface="+mn-ea"/>
+                <a:cs typeface="+mn-cs"/>
+              </a:rPr>
+              <a:t>* API calls. (Ultimately, an activity can even be a human task—a task</a:t>
+            </a:r>
+            <a:r>
+              <a:rPr lang="en-US" sz="1200" kern="1200" baseline="0" dirty="0" smtClean="0">
+                <a:solidFill>
+                  <a:schemeClr val="tx1"/>
+                </a:solidFill>
+                <a:effectLst/>
+                <a:latin typeface="+mn-lt"/>
+                <a:ea typeface="+mn-ea"/>
+                <a:cs typeface="+mn-cs"/>
+              </a:rPr>
+              <a:t> </a:t>
+            </a:r>
+            <a:r>
+              <a:rPr lang="en-US" sz="1200" kern="1200" dirty="0" smtClean="0">
+                <a:solidFill>
+                  <a:schemeClr val="tx1"/>
+                </a:solidFill>
+                <a:effectLst/>
+                <a:latin typeface="+mn-lt"/>
+                <a:ea typeface="+mn-ea"/>
+                <a:cs typeface="+mn-cs"/>
+              </a:rPr>
+              <a:t>that waits for a human to perform some action and then continues.)</a:t>
+            </a:r>
+            <a:endParaRPr lang="en-US" sz="1200" kern="1200" dirty="0">
+              <a:solidFill>
+                <a:schemeClr val="tx1"/>
+              </a:solidFill>
+              <a:effectLst/>
+              <a:latin typeface="+mn-lt"/>
+              <a:ea typeface="+mn-ea"/>
+              <a:cs typeface="+mn-cs"/>
+            </a:endParaRPr>
           </a:p>
         </p:txBody>
       </p:sp>
@@ -2200,7 +2932,7 @@
     </p:spTree>
     <p:extLst>
       <p:ext uri="{BB962C8B-B14F-4D97-AF65-F5344CB8AC3E}">
-        <p14:creationId xmlns:p14="http://schemas.microsoft.com/office/powerpoint/2010/main" val="1048300899"/>
+        <p14:creationId xmlns:p14="http://schemas.microsoft.com/office/powerpoint/2010/main" val="314333267"/>
       </p:ext>
     </p:extLst>
   </p:cSld>
@@ -2254,11 +2986,147 @@
           <a:bodyPr/>
           <a:lstStyle/>
           <a:p>
-            <a:pPr marL="0" indent="0">
+            <a:pPr marL="0" marR="0" indent="0" algn="l" defTabSz="914400" rtl="0" eaLnBrk="1" fontAlgn="auto" latinLnBrk="0" hangingPunct="1">
+              <a:lnSpc>
+                <a:spcPct val="100000"/>
+              </a:lnSpc>
+              <a:spcBef>
+                <a:spcPts val="0"/>
+              </a:spcBef>
+              <a:spcAft>
+                <a:spcPts val="0"/>
+              </a:spcAft>
+              <a:buClrTx/>
+              <a:buSzTx/>
               <a:buFontTx/>
               <a:buNone/>
+              <a:tabLst/>
+              <a:defRPr/>
             </a:pPr>
-            <a:endParaRPr lang="fr-FR" dirty="0"/>
+            <a:r>
+              <a:rPr lang="fr-FR" b="1" dirty="0" err="1" smtClean="0"/>
+              <a:t>sendTaskHeartbeat</a:t>
+            </a:r>
+            <a:r>
+              <a:rPr lang="fr-FR" b="1" baseline="0" dirty="0" smtClean="0"/>
+              <a:t> : </a:t>
+            </a:r>
+            <a:r>
+              <a:rPr lang="fr-FR" dirty="0" err="1" smtClean="0"/>
+              <a:t>Send</a:t>
+            </a:r>
+            <a:r>
+              <a:rPr lang="fr-FR" baseline="0" dirty="0" smtClean="0"/>
+              <a:t> </a:t>
+            </a:r>
+            <a:r>
+              <a:rPr lang="fr-FR" baseline="0" dirty="0" err="1" smtClean="0"/>
+              <a:t>hearbeat</a:t>
+            </a:r>
+            <a:r>
+              <a:rPr lang="fr-FR" baseline="0" dirty="0" smtClean="0"/>
+              <a:t> : </a:t>
+            </a:r>
+            <a:r>
+              <a:rPr lang="fr-FR" dirty="0" err="1" smtClean="0"/>
+              <a:t>HeartbeatRAZ</a:t>
+            </a:r>
+            <a:r>
+              <a:rPr lang="fr-FR" dirty="0" smtClean="0"/>
+              <a:t> de l’</a:t>
+            </a:r>
+            <a:r>
+              <a:rPr lang="fr-FR" dirty="0" err="1" smtClean="0"/>
+              <a:t>horlogue</a:t>
+            </a:r>
+            <a:r>
+              <a:rPr lang="fr-FR" dirty="0" smtClean="0"/>
+              <a:t> « </a:t>
+            </a:r>
+            <a:r>
+              <a:rPr lang="fr-FR" dirty="0" err="1" smtClean="0"/>
+              <a:t>Hearbeat</a:t>
+            </a:r>
+            <a:r>
+              <a:rPr lang="fr-FR" dirty="0" smtClean="0"/>
+              <a:t> ». Le seuil est spécifié dans la définition de la state machine</a:t>
+            </a:r>
+          </a:p>
+          <a:p>
+            <a:pPr marL="0" marR="0" indent="0" algn="l" defTabSz="914400" rtl="0" eaLnBrk="1" fontAlgn="auto" latinLnBrk="0" hangingPunct="1">
+              <a:lnSpc>
+                <a:spcPct val="100000"/>
+              </a:lnSpc>
+              <a:spcBef>
+                <a:spcPts val="0"/>
+              </a:spcBef>
+              <a:spcAft>
+                <a:spcPts val="0"/>
+              </a:spcAft>
+              <a:buClrTx/>
+              <a:buSzTx/>
+              <a:buFontTx/>
+              <a:buNone/>
+              <a:tabLst/>
+              <a:defRPr/>
+            </a:pPr>
+            <a:endParaRPr lang="fr-FR" sz="1200" kern="1200" dirty="0" smtClean="0">
+              <a:solidFill>
+                <a:schemeClr val="tx1"/>
+              </a:solidFill>
+              <a:effectLst/>
+              <a:latin typeface="+mn-lt"/>
+              <a:ea typeface="+mn-ea"/>
+              <a:cs typeface="+mn-cs"/>
+            </a:endParaRPr>
+          </a:p>
+          <a:p>
+            <a:pPr marL="0" marR="0" indent="0" algn="l" defTabSz="914400" rtl="0" eaLnBrk="1" fontAlgn="auto" latinLnBrk="0" hangingPunct="1">
+              <a:lnSpc>
+                <a:spcPct val="100000"/>
+              </a:lnSpc>
+              <a:spcBef>
+                <a:spcPts val="0"/>
+              </a:spcBef>
+              <a:spcAft>
+                <a:spcPts val="0"/>
+              </a:spcAft>
+              <a:buClrTx/>
+              <a:buSzTx/>
+              <a:buFontTx/>
+              <a:buNone/>
+              <a:tabLst/>
+              <a:defRPr/>
+            </a:pPr>
+            <a:r>
+              <a:rPr lang="en-US" sz="1200" b="1" dirty="0" err="1" smtClean="0"/>
+              <a:t>sdk.getActivityTask</a:t>
+            </a:r>
+            <a:r>
+              <a:rPr lang="en-US" sz="1200" b="1" dirty="0" smtClean="0"/>
+              <a:t> : </a:t>
+            </a:r>
+            <a:r>
+              <a:rPr lang="en-US" sz="1200" b="0" dirty="0" smtClean="0"/>
+              <a:t>long polling http de 60sec. </a:t>
+            </a:r>
+            <a:r>
+              <a:rPr lang="en-US" sz="1200" b="0" dirty="0" err="1" smtClean="0"/>
+              <a:t>Vérifier</a:t>
+            </a:r>
+            <a:r>
+              <a:rPr lang="en-US" sz="1200" b="0" dirty="0" smtClean="0"/>
+              <a:t> les timeout http</a:t>
+            </a:r>
+            <a:endParaRPr lang="en-US" sz="1200" kern="1200" dirty="0">
+              <a:solidFill>
+                <a:schemeClr val="tx1"/>
+              </a:solidFill>
+              <a:effectLst/>
+              <a:latin typeface="+mn-lt"/>
+              <a:ea typeface="+mn-ea"/>
+              <a:cs typeface="+mn-cs"/>
+            </a:endParaRPr>
           </a:p>
         </p:txBody>
       </p:sp>
@@ -2288,7 +3156,7 @@
     </p:spTree>
     <p:extLst>
       <p:ext uri="{BB962C8B-B14F-4D97-AF65-F5344CB8AC3E}">
-        <p14:creationId xmlns:p14="http://schemas.microsoft.com/office/powerpoint/2010/main" val="1058456988"/>
+        <p14:creationId xmlns:p14="http://schemas.microsoft.com/office/powerpoint/2010/main" val="1594596104"/>
       </p:ext>
     </p:extLst>
   </p:cSld>
@@ -2376,7 +3244,7 @@
     </p:spTree>
     <p:extLst>
       <p:ext uri="{BB962C8B-B14F-4D97-AF65-F5344CB8AC3E}">
-        <p14:creationId xmlns:p14="http://schemas.microsoft.com/office/powerpoint/2010/main" val="1784683595"/>
+        <p14:creationId xmlns:p14="http://schemas.microsoft.com/office/powerpoint/2010/main" val="1048300899"/>
       </p:ext>
     </p:extLst>
   </p:cSld>
@@ -2722,7 +3590,7 @@
             <a:fld id="{5923F103-BC34-4FE4-A40E-EDDEECFDA5D0}" type="datetimeFigureOut">
               <a:rPr lang="en-US" smtClean="0"/>
               <a:pPr/>
-              <a:t>3/12/17</a:t>
+              <a:t>3/18/17</a:t>
             </a:fld>
             <a:endParaRPr lang="en-US" dirty="0"/>
           </a:p>
@@ -3818,7 +4686,7 @@
           <a:p>
             <a:fld id="{2BE451C3-0FF4-47C4-B829-773ADF60F88C}" type="datetimeFigureOut">
               <a:rPr lang="en-US" smtClean="0"/>
-              <a:t>3/12/17</a:t>
+              <a:t>3/18/17</a:t>
             </a:fld>
             <a:endParaRPr lang="en-US" dirty="0"/>
           </a:p>
@@ -4807,7 +5675,7 @@
           <a:p>
             <a:fld id="{2BE451C3-0FF4-47C4-B829-773ADF60F88C}" type="datetimeFigureOut">
               <a:rPr lang="en-US" smtClean="0"/>
-              <a:t>3/12/17</a:t>
+              <a:t>3/18/17</a:t>
             </a:fld>
             <a:endParaRPr lang="en-US" dirty="0"/>
           </a:p>
@@ -5943,7 +6811,7 @@
           <a:p>
             <a:fld id="{2BE451C3-0FF4-47C4-B829-773ADF60F88C}" type="datetimeFigureOut">
               <a:rPr lang="en-US" smtClean="0"/>
-              <a:t>3/12/17</a:t>
+              <a:t>3/18/17</a:t>
             </a:fld>
             <a:endParaRPr lang="en-US" dirty="0"/>
           </a:p>
@@ -6978,7 +7846,7 @@
           <a:p>
             <a:fld id="{2BE451C3-0FF4-47C4-B829-773ADF60F88C}" type="datetimeFigureOut">
               <a:rPr lang="en-US" smtClean="0"/>
-              <a:t>3/12/17</a:t>
+              <a:t>3/18/17</a:t>
             </a:fld>
             <a:endParaRPr lang="en-US" dirty="0"/>
           </a:p>
@@ -7640,7 +8508,7 @@
           <a:p>
             <a:fld id="{2BE451C3-0FF4-47C4-B829-773ADF60F88C}" type="datetimeFigureOut">
               <a:rPr lang="en-US" smtClean="0"/>
-              <a:t>3/12/17</a:t>
+              <a:t>3/18/17</a:t>
             </a:fld>
             <a:endParaRPr lang="en-US" dirty="0"/>
           </a:p>
@@ -8503,7 +9371,7 @@
           <a:p>
             <a:fld id="{2BE451C3-0FF4-47C4-B829-773ADF60F88C}" type="datetimeFigureOut">
               <a:rPr lang="en-US" smtClean="0"/>
-              <a:t>3/12/17</a:t>
+              <a:t>3/18/17</a:t>
             </a:fld>
             <a:endParaRPr lang="en-US" dirty="0"/>
           </a:p>
@@ -8695,7 +9563,7 @@
           <a:p>
             <a:fld id="{53086D93-FCAC-47E0-A2EE-787E62CA814C}" type="datetimeFigureOut">
               <a:rPr lang="en-US" smtClean="0"/>
-              <a:t>3/12/17</a:t>
+              <a:t>3/18/17</a:t>
             </a:fld>
             <a:endParaRPr lang="en-US" dirty="0"/>
           </a:p>
@@ -9668,7 +10536,7 @@
           <a:p>
             <a:fld id="{CDA879A6-0FD0-4734-A311-86BFCA472E6E}" type="datetimeFigureOut">
               <a:rPr lang="en-US" smtClean="0"/>
-              <a:t>3/12/17</a:t>
+              <a:t>3/18/17</a:t>
             </a:fld>
             <a:endParaRPr lang="en-US" dirty="0"/>
           </a:p>
@@ -9880,7 +10748,7 @@
           <a:p>
             <a:fld id="{19C9CA7B-DFD4-44B5-8C60-D14B8CD1FB59}" type="datetimeFigureOut">
               <a:rPr lang="en-US" smtClean="0"/>
-              <a:t>3/12/17</a:t>
+              <a:t>3/18/17</a:t>
             </a:fld>
             <a:endParaRPr lang="en-US" dirty="0"/>
           </a:p>
@@ -10922,7 +11790,7 @@
           <a:p>
             <a:fld id="{F34E6425-0181-43F2-84FC-787E803FD2F8}" type="datetimeFigureOut">
               <a:rPr lang="en-US" smtClean="0"/>
-              <a:t>3/12/17</a:t>
+              <a:t>3/18/17</a:t>
             </a:fld>
             <a:endParaRPr lang="en-US" dirty="0"/>
           </a:p>
@@ -11202,7 +12070,7 @@
           <a:p>
             <a:fld id="{3BDB8791-F1B0-41E7-B7FD-A781E65C4266}" type="datetimeFigureOut">
               <a:rPr lang="en-US" smtClean="0"/>
-              <a:t>3/12/17</a:t>
+              <a:t>3/18/17</a:t>
             </a:fld>
             <a:endParaRPr lang="en-US" dirty="0"/>
           </a:p>
@@ -11620,7 +12488,7 @@
           <a:p>
             <a:fld id="{5FDD63B2-E120-4ED8-B27B-C685F510A5FE}" type="datetimeFigureOut">
               <a:rPr lang="en-US" smtClean="0"/>
-              <a:t>3/12/17</a:t>
+              <a:t>3/18/17</a:t>
             </a:fld>
             <a:endParaRPr lang="en-US" dirty="0"/>
           </a:p>
@@ -11748,7 +12616,7 @@
           <a:p>
             <a:fld id="{7AA18ACC-A947-437B-A130-35BD54FDF1E9}" type="datetimeFigureOut">
               <a:rPr lang="en-US" smtClean="0"/>
-              <a:t>3/12/17</a:t>
+              <a:t>3/18/17</a:t>
             </a:fld>
             <a:endParaRPr lang="en-US" dirty="0"/>
           </a:p>
@@ -11851,7 +12719,7 @@
           <a:p>
             <a:fld id="{7C8D7E02-BCB8-4D50-A234-369438C08659}" type="datetimeFigureOut">
               <a:rPr lang="en-US" smtClean="0"/>
-              <a:t>3/12/17</a:t>
+              <a:t>3/18/17</a:t>
             </a:fld>
             <a:endParaRPr lang="en-US" dirty="0"/>
           </a:p>
@@ -12933,7 +13801,7 @@
           <a:p>
             <a:fld id="{76E86A4C-8E40-4F87-A4F0-01A0687C5742}" type="datetimeFigureOut">
               <a:rPr lang="en-US" smtClean="0"/>
-              <a:t>3/12/17</a:t>
+              <a:t>3/18/17</a:t>
             </a:fld>
             <a:endParaRPr lang="en-US" dirty="0"/>
           </a:p>
@@ -14049,7 +14917,7 @@
           <a:p>
             <a:fld id="{35E72C73-2D91-4E12-BA25-F0AA0C03599B}" type="datetimeFigureOut">
               <a:rPr lang="en-US" smtClean="0"/>
-              <a:t>3/12/17</a:t>
+              <a:t>3/18/17</a:t>
             </a:fld>
             <a:endParaRPr lang="en-US" dirty="0"/>
           </a:p>
@@ -15047,7 +15915,7 @@
           <a:p>
             <a:fld id="{2BE451C3-0FF4-47C4-B829-773ADF60F88C}" type="datetimeFigureOut">
               <a:rPr lang="en-US" smtClean="0"/>
-              <a:t>3/12/17</a:t>
+              <a:t>3/18/17</a:t>
             </a:fld>
             <a:endParaRPr lang="en-US" dirty="0"/>
           </a:p>
@@ -15724,6 +16592,1931 @@
           <a:chExt cx="0" cy="0"/>
         </a:xfrm>
       </p:grpSpPr>
+      <p:pic>
+        <p:nvPicPr>
+          <p:cNvPr id="24" name="Picture 23"/>
+          <p:cNvPicPr>
+            <a:picLocks noChangeAspect="1"/>
+          </p:cNvPicPr>
+          <p:nvPr/>
+        </p:nvPicPr>
+        <p:blipFill>
+          <a:blip r:embed="rId3"/>
+          <a:stretch>
+            <a:fillRect/>
+          </a:stretch>
+        </p:blipFill>
+        <p:spPr>
+          <a:xfrm>
+            <a:off x="678249" y="1822070"/>
+            <a:ext cx="5815471" cy="1632413"/>
+          </a:xfrm>
+          <a:prstGeom prst="rect">
+            <a:avLst/>
+          </a:prstGeom>
+        </p:spPr>
+      </p:pic>
+      <p:sp>
+        <p:nvSpPr>
+          <p:cNvPr id="2" name="Title 1"/>
+          <p:cNvSpPr>
+            <a:spLocks noGrp="1"/>
+          </p:cNvSpPr>
+          <p:nvPr>
+            <p:ph type="title"/>
+          </p:nvPr>
+        </p:nvSpPr>
+        <p:spPr/>
+        <p:txBody>
+          <a:bodyPr/>
+          <a:lstStyle/>
+          <a:p>
+            <a:r>
+              <a:rPr lang="fr-FR" dirty="0" smtClean="0"/>
+              <a:t>Activité</a:t>
+            </a:r>
+            <a:endParaRPr lang="fr-FR" dirty="0"/>
+          </a:p>
+        </p:txBody>
+      </p:sp>
+      <p:sp>
+        <p:nvSpPr>
+          <p:cNvPr id="4" name="Text Placeholder 3"/>
+          <p:cNvSpPr>
+            <a:spLocks noGrp="1"/>
+          </p:cNvSpPr>
+          <p:nvPr>
+            <p:ph type="body" idx="1"/>
+          </p:nvPr>
+        </p:nvSpPr>
+        <p:spPr>
+          <a:xfrm>
+            <a:off x="656190" y="1130962"/>
+            <a:ext cx="2253266" cy="576262"/>
+          </a:xfrm>
+        </p:spPr>
+        <p:txBody>
+          <a:bodyPr/>
+          <a:lstStyle/>
+          <a:p>
+            <a:r>
+              <a:rPr lang="fr-FR" dirty="0" smtClean="0"/>
+              <a:t>Algorithme</a:t>
+            </a:r>
+            <a:endParaRPr lang="fr-FR" dirty="0"/>
+          </a:p>
+        </p:txBody>
+      </p:sp>
+      <p:sp>
+        <p:nvSpPr>
+          <p:cNvPr id="6" name="Content Placeholder 5"/>
+          <p:cNvSpPr>
+            <a:spLocks noGrp="1"/>
+          </p:cNvSpPr>
+          <p:nvPr>
+            <p:ph sz="quarter" idx="4"/>
+          </p:nvPr>
+        </p:nvSpPr>
+        <p:spPr>
+          <a:xfrm>
+            <a:off x="602868" y="3777491"/>
+            <a:ext cx="10797443" cy="486887"/>
+          </a:xfrm>
+        </p:spPr>
+        <p:txBody>
+          <a:bodyPr>
+            <a:normAutofit/>
+          </a:bodyPr>
+          <a:lstStyle/>
+          <a:p>
+            <a:r>
+              <a:rPr lang="fr-FR" b="1" dirty="0" err="1" smtClean="0"/>
+              <a:t>Longliving</a:t>
+            </a:r>
+            <a:r>
+              <a:rPr lang="fr-FR" b="1" dirty="0" smtClean="0"/>
+              <a:t> </a:t>
+            </a:r>
+            <a:r>
+              <a:rPr lang="fr-FR" b="1" dirty="0" err="1" smtClean="0"/>
+              <a:t>task</a:t>
+            </a:r>
+            <a:r>
+              <a:rPr lang="fr-FR" dirty="0" smtClean="0"/>
+              <a:t> : </a:t>
+            </a:r>
+            <a:r>
+              <a:rPr lang="fr-FR" dirty="0" err="1" smtClean="0"/>
+              <a:t>Heartbeat</a:t>
+            </a:r>
+            <a:r>
+              <a:rPr lang="fr-FR" dirty="0" smtClean="0"/>
+              <a:t> pour indiquer que la tâche est en cours d’exécution. </a:t>
+            </a:r>
+            <a:endParaRPr lang="fr-FR" dirty="0"/>
+          </a:p>
+        </p:txBody>
+      </p:sp>
+      <p:cxnSp>
+        <p:nvCxnSpPr>
+          <p:cNvPr id="10" name="Straight Arrow Connector 9"/>
+          <p:cNvCxnSpPr/>
+          <p:nvPr/>
+        </p:nvCxnSpPr>
+        <p:spPr>
+          <a:xfrm flipH="1">
+            <a:off x="4568263" y="1461904"/>
+            <a:ext cx="651060" cy="348135"/>
+          </a:xfrm>
+          <a:prstGeom prst="straightConnector1">
+            <a:avLst/>
+          </a:prstGeom>
+          <a:ln w="38100">
+            <a:tailEnd type="triangle"/>
+          </a:ln>
+        </p:spPr>
+        <p:style>
+          <a:lnRef idx="1">
+            <a:schemeClr val="accent1"/>
+          </a:lnRef>
+          <a:fillRef idx="0">
+            <a:schemeClr val="accent1"/>
+          </a:fillRef>
+          <a:effectRef idx="0">
+            <a:schemeClr val="accent1"/>
+          </a:effectRef>
+          <a:fontRef idx="minor">
+            <a:schemeClr val="tx1"/>
+          </a:fontRef>
+        </p:style>
+      </p:cxnSp>
+      <p:sp>
+        <p:nvSpPr>
+          <p:cNvPr id="12" name="TextBox 11"/>
+          <p:cNvSpPr txBox="1"/>
+          <p:nvPr/>
+        </p:nvSpPr>
+        <p:spPr>
+          <a:xfrm>
+            <a:off x="5219324" y="1179606"/>
+            <a:ext cx="1062724" cy="369332"/>
+          </a:xfrm>
+          <a:prstGeom prst="rect">
+            <a:avLst/>
+          </a:prstGeom>
+          <a:noFill/>
+        </p:spPr>
+        <p:txBody>
+          <a:bodyPr wrap="square" rtlCol="0">
+            <a:spAutoFit/>
+          </a:bodyPr>
+          <a:lstStyle/>
+          <a:p>
+            <a:r>
+              <a:rPr lang="fr-FR" dirty="0" smtClean="0"/>
+              <a:t>Polling</a:t>
+            </a:r>
+            <a:endParaRPr lang="fr-FR" dirty="0"/>
+          </a:p>
+        </p:txBody>
+      </p:sp>
+      <p:cxnSp>
+        <p:nvCxnSpPr>
+          <p:cNvPr id="13" name="Straight Arrow Connector 12"/>
+          <p:cNvCxnSpPr/>
+          <p:nvPr/>
+        </p:nvCxnSpPr>
+        <p:spPr>
+          <a:xfrm flipH="1">
+            <a:off x="5750686" y="2638276"/>
+            <a:ext cx="1439746" cy="0"/>
+          </a:xfrm>
+          <a:prstGeom prst="straightConnector1">
+            <a:avLst/>
+          </a:prstGeom>
+          <a:ln w="38100">
+            <a:tailEnd type="triangle"/>
+          </a:ln>
+        </p:spPr>
+        <p:style>
+          <a:lnRef idx="1">
+            <a:schemeClr val="accent1"/>
+          </a:lnRef>
+          <a:fillRef idx="0">
+            <a:schemeClr val="accent1"/>
+          </a:fillRef>
+          <a:effectRef idx="0">
+            <a:schemeClr val="accent1"/>
+          </a:effectRef>
+          <a:fontRef idx="minor">
+            <a:schemeClr val="tx1"/>
+          </a:fontRef>
+        </p:style>
+      </p:cxnSp>
+      <p:sp>
+        <p:nvSpPr>
+          <p:cNvPr id="15" name="TextBox 14"/>
+          <p:cNvSpPr txBox="1"/>
+          <p:nvPr/>
+        </p:nvSpPr>
+        <p:spPr>
+          <a:xfrm>
+            <a:off x="7298154" y="2454620"/>
+            <a:ext cx="4451052" cy="369332"/>
+          </a:xfrm>
+          <a:prstGeom prst="rect">
+            <a:avLst/>
+          </a:prstGeom>
+          <a:noFill/>
+        </p:spPr>
+        <p:txBody>
+          <a:bodyPr wrap="square" rtlCol="0">
+            <a:spAutoFit/>
+          </a:bodyPr>
+          <a:lstStyle/>
+          <a:p>
+            <a:r>
+              <a:rPr lang="fr-FR" smtClean="0"/>
+              <a:t>Traitement OK </a:t>
+            </a:r>
+            <a:r>
+              <a:rPr lang="fr-FR" dirty="0" smtClean="0"/>
+              <a:t>: informe le service AWS</a:t>
+            </a:r>
+            <a:endParaRPr lang="fr-FR" dirty="0"/>
+          </a:p>
+        </p:txBody>
+      </p:sp>
+      <p:cxnSp>
+        <p:nvCxnSpPr>
+          <p:cNvPr id="16" name="Straight Arrow Connector 15"/>
+          <p:cNvCxnSpPr/>
+          <p:nvPr/>
+        </p:nvCxnSpPr>
+        <p:spPr>
+          <a:xfrm flipH="1">
+            <a:off x="6456246" y="3091398"/>
+            <a:ext cx="769812" cy="0"/>
+          </a:xfrm>
+          <a:prstGeom prst="straightConnector1">
+            <a:avLst/>
+          </a:prstGeom>
+          <a:ln w="38100">
+            <a:tailEnd type="triangle"/>
+          </a:ln>
+        </p:spPr>
+        <p:style>
+          <a:lnRef idx="1">
+            <a:schemeClr val="accent1"/>
+          </a:lnRef>
+          <a:fillRef idx="0">
+            <a:schemeClr val="accent1"/>
+          </a:fillRef>
+          <a:effectRef idx="0">
+            <a:schemeClr val="accent1"/>
+          </a:effectRef>
+          <a:fontRef idx="minor">
+            <a:schemeClr val="tx1"/>
+          </a:fontRef>
+        </p:style>
+      </p:cxnSp>
+      <p:sp>
+        <p:nvSpPr>
+          <p:cNvPr id="17" name="TextBox 16"/>
+          <p:cNvSpPr txBox="1"/>
+          <p:nvPr/>
+        </p:nvSpPr>
+        <p:spPr>
+          <a:xfrm>
+            <a:off x="7298154" y="2887290"/>
+            <a:ext cx="4684051" cy="369332"/>
+          </a:xfrm>
+          <a:prstGeom prst="rect">
+            <a:avLst/>
+          </a:prstGeom>
+          <a:noFill/>
+        </p:spPr>
+        <p:txBody>
+          <a:bodyPr wrap="square" rtlCol="0">
+            <a:spAutoFit/>
+          </a:bodyPr>
+          <a:lstStyle/>
+          <a:p>
+            <a:r>
+              <a:rPr lang="fr-FR" dirty="0" smtClean="0"/>
+              <a:t>Traitement KO : informe le service AWS</a:t>
+            </a:r>
+            <a:endParaRPr lang="fr-FR" dirty="0"/>
+          </a:p>
+        </p:txBody>
+      </p:sp>
+      <p:sp>
+        <p:nvSpPr>
+          <p:cNvPr id="18" name="Rectangle 17"/>
+          <p:cNvSpPr/>
+          <p:nvPr/>
+        </p:nvSpPr>
+        <p:spPr>
+          <a:xfrm>
+            <a:off x="1246910" y="2188997"/>
+            <a:ext cx="3348841" cy="370759"/>
+          </a:xfrm>
+          <a:prstGeom prst="rect">
+            <a:avLst/>
+          </a:prstGeom>
+          <a:noFill/>
+          <a:ln w="38100"/>
+        </p:spPr>
+        <p:style>
+          <a:lnRef idx="2">
+            <a:schemeClr val="accent1">
+              <a:shade val="50000"/>
+            </a:schemeClr>
+          </a:lnRef>
+          <a:fillRef idx="1">
+            <a:schemeClr val="accent1"/>
+          </a:fillRef>
+          <a:effectRef idx="0">
+            <a:schemeClr val="accent1"/>
+          </a:effectRef>
+          <a:fontRef idx="minor">
+            <a:schemeClr val="lt1"/>
+          </a:fontRef>
+        </p:style>
+        <p:txBody>
+          <a:bodyPr rtlCol="0" anchor="ctr"/>
+          <a:lstStyle/>
+          <a:p>
+            <a:pPr algn="ctr"/>
+            <a:endParaRPr lang="fr-FR"/>
+          </a:p>
+        </p:txBody>
+      </p:sp>
+      <p:cxnSp>
+        <p:nvCxnSpPr>
+          <p:cNvPr id="19" name="Straight Arrow Connector 18"/>
+          <p:cNvCxnSpPr/>
+          <p:nvPr/>
+        </p:nvCxnSpPr>
+        <p:spPr>
+          <a:xfrm flipH="1">
+            <a:off x="4595751" y="1517452"/>
+            <a:ext cx="2921330" cy="823704"/>
+          </a:xfrm>
+          <a:prstGeom prst="straightConnector1">
+            <a:avLst/>
+          </a:prstGeom>
+          <a:ln w="38100">
+            <a:tailEnd type="triangle"/>
+          </a:ln>
+        </p:spPr>
+        <p:style>
+          <a:lnRef idx="1">
+            <a:schemeClr val="accent1"/>
+          </a:lnRef>
+          <a:fillRef idx="0">
+            <a:schemeClr val="accent1"/>
+          </a:fillRef>
+          <a:effectRef idx="0">
+            <a:schemeClr val="accent1"/>
+          </a:effectRef>
+          <a:fontRef idx="minor">
+            <a:schemeClr val="tx1"/>
+          </a:fontRef>
+        </p:style>
+      </p:cxnSp>
+      <p:sp>
+        <p:nvSpPr>
+          <p:cNvPr id="21" name="TextBox 20"/>
+          <p:cNvSpPr txBox="1"/>
+          <p:nvPr/>
+        </p:nvSpPr>
+        <p:spPr>
+          <a:xfrm>
+            <a:off x="7603235" y="1251641"/>
+            <a:ext cx="3044464" cy="369332"/>
+          </a:xfrm>
+          <a:prstGeom prst="rect">
+            <a:avLst/>
+          </a:prstGeom>
+          <a:noFill/>
+        </p:spPr>
+        <p:txBody>
+          <a:bodyPr wrap="square" rtlCol="0">
+            <a:spAutoFit/>
+          </a:bodyPr>
+          <a:lstStyle/>
+          <a:p>
+            <a:r>
+              <a:rPr lang="fr-FR" smtClean="0"/>
+              <a:t>Traitement métier</a:t>
+            </a:r>
+            <a:endParaRPr lang="fr-FR"/>
+          </a:p>
+        </p:txBody>
+      </p:sp>
+      <p:pic>
+        <p:nvPicPr>
+          <p:cNvPr id="28" name="Picture 27"/>
+          <p:cNvPicPr>
+            <a:picLocks noChangeAspect="1"/>
+          </p:cNvPicPr>
+          <p:nvPr/>
+        </p:nvPicPr>
+        <p:blipFill>
+          <a:blip r:embed="rId4"/>
+          <a:stretch>
+            <a:fillRect/>
+          </a:stretch>
+        </p:blipFill>
+        <p:spPr>
+          <a:xfrm>
+            <a:off x="191361" y="4324897"/>
+            <a:ext cx="3060208" cy="1692881"/>
+          </a:xfrm>
+          <a:prstGeom prst="rect">
+            <a:avLst/>
+          </a:prstGeom>
+        </p:spPr>
+      </p:pic>
+      <p:pic>
+        <p:nvPicPr>
+          <p:cNvPr id="29" name="Picture 28"/>
+          <p:cNvPicPr>
+            <a:picLocks noChangeAspect="1"/>
+          </p:cNvPicPr>
+          <p:nvPr/>
+        </p:nvPicPr>
+        <p:blipFill>
+          <a:blip r:embed="rId5"/>
+          <a:stretch>
+            <a:fillRect/>
+          </a:stretch>
+        </p:blipFill>
+        <p:spPr>
+          <a:xfrm>
+            <a:off x="4988233" y="4794645"/>
+            <a:ext cx="856893" cy="1740991"/>
+          </a:xfrm>
+          <a:prstGeom prst="rect">
+            <a:avLst/>
+          </a:prstGeom>
+        </p:spPr>
+      </p:pic>
+      <p:pic>
+        <p:nvPicPr>
+          <p:cNvPr id="30" name="Picture 29"/>
+          <p:cNvPicPr>
+            <a:picLocks noChangeAspect="1"/>
+          </p:cNvPicPr>
+          <p:nvPr/>
+        </p:nvPicPr>
+        <p:blipFill>
+          <a:blip r:embed="rId6">
+            <a:extLst>
+              <a:ext uri="{28A0092B-C50C-407E-A947-70E740481C1C}">
+                <a14:useLocalDpi xmlns:a14="http://schemas.microsoft.com/office/drawing/2010/main" val="0"/>
+              </a:ext>
+            </a:extLst>
+          </a:blip>
+          <a:stretch>
+            <a:fillRect/>
+          </a:stretch>
+        </p:blipFill>
+        <p:spPr>
+          <a:xfrm>
+            <a:off x="9119919" y="4736943"/>
+            <a:ext cx="1856396" cy="1856396"/>
+          </a:xfrm>
+          <a:prstGeom prst="rect">
+            <a:avLst/>
+          </a:prstGeom>
+        </p:spPr>
+      </p:pic>
+      <p:pic>
+        <p:nvPicPr>
+          <p:cNvPr id="31" name="Picture 30"/>
+          <p:cNvPicPr>
+            <a:picLocks noChangeAspect="1"/>
+          </p:cNvPicPr>
+          <p:nvPr/>
+        </p:nvPicPr>
+        <p:blipFill>
+          <a:blip r:embed="rId7">
+            <a:extLst>
+              <a:ext uri="{28A0092B-C50C-407E-A947-70E740481C1C}">
+                <a14:useLocalDpi xmlns:a14="http://schemas.microsoft.com/office/drawing/2010/main" val="0"/>
+              </a:ext>
+            </a:extLst>
+          </a:blip>
+          <a:stretch>
+            <a:fillRect/>
+          </a:stretch>
+        </p:blipFill>
+        <p:spPr>
+          <a:xfrm>
+            <a:off x="11112258" y="4586877"/>
+            <a:ext cx="544781" cy="653738"/>
+          </a:xfrm>
+          <a:prstGeom prst="rect">
+            <a:avLst/>
+          </a:prstGeom>
+        </p:spPr>
+      </p:pic>
+      <p:sp>
+        <p:nvSpPr>
+          <p:cNvPr id="32" name="TextBox 31"/>
+          <p:cNvSpPr txBox="1"/>
+          <p:nvPr/>
+        </p:nvSpPr>
+        <p:spPr>
+          <a:xfrm>
+            <a:off x="11125144" y="5166739"/>
+            <a:ext cx="550334" cy="307777"/>
+          </a:xfrm>
+          <a:prstGeom prst="rect">
+            <a:avLst/>
+          </a:prstGeom>
+          <a:noFill/>
+        </p:spPr>
+        <p:txBody>
+          <a:bodyPr wrap="square" rtlCol="0">
+            <a:spAutoFit/>
+          </a:bodyPr>
+          <a:lstStyle/>
+          <a:p>
+            <a:r>
+              <a:rPr lang="fr-FR" sz="1400" dirty="0" smtClean="0"/>
+              <a:t>EC2</a:t>
+            </a:r>
+            <a:endParaRPr lang="fr-FR" sz="1400" dirty="0"/>
+          </a:p>
+        </p:txBody>
+      </p:sp>
+      <p:cxnSp>
+        <p:nvCxnSpPr>
+          <p:cNvPr id="33" name="Straight Arrow Connector 32"/>
+          <p:cNvCxnSpPr/>
+          <p:nvPr/>
+        </p:nvCxnSpPr>
+        <p:spPr>
+          <a:xfrm flipH="1">
+            <a:off x="6456246" y="5442193"/>
+            <a:ext cx="2913384" cy="0"/>
+          </a:xfrm>
+          <a:prstGeom prst="straightConnector1">
+            <a:avLst/>
+          </a:prstGeom>
+          <a:ln w="12700">
+            <a:prstDash val="sysDot"/>
+            <a:tailEnd type="triangle"/>
+          </a:ln>
+        </p:spPr>
+        <p:style>
+          <a:lnRef idx="1">
+            <a:schemeClr val="accent1"/>
+          </a:lnRef>
+          <a:fillRef idx="0">
+            <a:schemeClr val="accent1"/>
+          </a:fillRef>
+          <a:effectRef idx="0">
+            <a:schemeClr val="accent1"/>
+          </a:effectRef>
+          <a:fontRef idx="minor">
+            <a:schemeClr val="tx1"/>
+          </a:fontRef>
+        </p:style>
+      </p:cxnSp>
+      <p:sp>
+        <p:nvSpPr>
+          <p:cNvPr id="35" name="Rectangle 34"/>
+          <p:cNvSpPr/>
+          <p:nvPr/>
+        </p:nvSpPr>
+        <p:spPr>
+          <a:xfrm>
+            <a:off x="7071273" y="5464625"/>
+            <a:ext cx="1912703" cy="276999"/>
+          </a:xfrm>
+          <a:prstGeom prst="rect">
+            <a:avLst/>
+          </a:prstGeom>
+        </p:spPr>
+        <p:txBody>
+          <a:bodyPr wrap="none">
+            <a:spAutoFit/>
+          </a:bodyPr>
+          <a:lstStyle/>
+          <a:p>
+            <a:r>
+              <a:rPr lang="en-US" sz="1200" b="1" dirty="0" err="1" smtClean="0"/>
+              <a:t>sdk.sendTaskHeartbeat</a:t>
+            </a:r>
+            <a:endParaRPr lang="en-US" b="1" dirty="0"/>
+          </a:p>
+        </p:txBody>
+      </p:sp>
+      <p:cxnSp>
+        <p:nvCxnSpPr>
+          <p:cNvPr id="37" name="Straight Arrow Connector 36"/>
+          <p:cNvCxnSpPr/>
+          <p:nvPr/>
+        </p:nvCxnSpPr>
+        <p:spPr>
+          <a:xfrm flipH="1">
+            <a:off x="6027345" y="5085451"/>
+            <a:ext cx="3313215" cy="4117"/>
+          </a:xfrm>
+          <a:prstGeom prst="straightConnector1">
+            <a:avLst/>
+          </a:prstGeom>
+          <a:ln w="12700">
+            <a:prstDash val="solid"/>
+            <a:tailEnd type="triangle"/>
+          </a:ln>
+        </p:spPr>
+        <p:style>
+          <a:lnRef idx="1">
+            <a:schemeClr val="accent1"/>
+          </a:lnRef>
+          <a:fillRef idx="0">
+            <a:schemeClr val="accent1"/>
+          </a:fillRef>
+          <a:effectRef idx="0">
+            <a:schemeClr val="accent1"/>
+          </a:effectRef>
+          <a:fontRef idx="minor">
+            <a:schemeClr val="tx1"/>
+          </a:fontRef>
+        </p:style>
+      </p:cxnSp>
+      <p:cxnSp>
+        <p:nvCxnSpPr>
+          <p:cNvPr id="40" name="Straight Arrow Connector 39"/>
+          <p:cNvCxnSpPr/>
+          <p:nvPr/>
+        </p:nvCxnSpPr>
+        <p:spPr>
+          <a:xfrm flipH="1">
+            <a:off x="6493720" y="5741624"/>
+            <a:ext cx="2913384" cy="0"/>
+          </a:xfrm>
+          <a:prstGeom prst="straightConnector1">
+            <a:avLst/>
+          </a:prstGeom>
+          <a:ln w="12700">
+            <a:prstDash val="sysDot"/>
+            <a:tailEnd type="triangle"/>
+          </a:ln>
+        </p:spPr>
+        <p:style>
+          <a:lnRef idx="1">
+            <a:schemeClr val="accent1"/>
+          </a:lnRef>
+          <a:fillRef idx="0">
+            <a:schemeClr val="accent1"/>
+          </a:fillRef>
+          <a:effectRef idx="0">
+            <a:schemeClr val="accent1"/>
+          </a:effectRef>
+          <a:fontRef idx="minor">
+            <a:schemeClr val="tx1"/>
+          </a:fontRef>
+        </p:style>
+      </p:cxnSp>
+      <p:sp>
+        <p:nvSpPr>
+          <p:cNvPr id="41" name="Rectangle 40"/>
+          <p:cNvSpPr/>
+          <p:nvPr/>
+        </p:nvSpPr>
+        <p:spPr>
+          <a:xfrm>
+            <a:off x="6984016" y="4823785"/>
+            <a:ext cx="1608133" cy="276999"/>
+          </a:xfrm>
+          <a:prstGeom prst="rect">
+            <a:avLst/>
+          </a:prstGeom>
+        </p:spPr>
+        <p:txBody>
+          <a:bodyPr wrap="none">
+            <a:spAutoFit/>
+          </a:bodyPr>
+          <a:lstStyle/>
+          <a:p>
+            <a:r>
+              <a:rPr lang="en-US" sz="1200" b="1" dirty="0" err="1" smtClean="0"/>
+              <a:t>sdk.getActivityTask</a:t>
+            </a:r>
+            <a:endParaRPr lang="en-US" b="1" dirty="0"/>
+          </a:p>
+        </p:txBody>
+      </p:sp>
+      <p:sp>
+        <p:nvSpPr>
+          <p:cNvPr id="42" name="TextBox 41"/>
+          <p:cNvSpPr txBox="1"/>
+          <p:nvPr/>
+        </p:nvSpPr>
+        <p:spPr>
+          <a:xfrm>
+            <a:off x="9268996" y="4259890"/>
+            <a:ext cx="1294741" cy="523220"/>
+          </a:xfrm>
+          <a:prstGeom prst="rect">
+            <a:avLst/>
+          </a:prstGeom>
+          <a:noFill/>
+        </p:spPr>
+        <p:txBody>
+          <a:bodyPr wrap="square" rtlCol="0">
+            <a:spAutoFit/>
+          </a:bodyPr>
+          <a:lstStyle/>
+          <a:p>
+            <a:pPr algn="ctr"/>
+            <a:r>
+              <a:rPr lang="fr-FR" sz="1400" dirty="0" smtClean="0"/>
+              <a:t>Custom </a:t>
+            </a:r>
+            <a:r>
+              <a:rPr lang="fr-FR" sz="1400" dirty="0" err="1" smtClean="0"/>
+              <a:t>activity</a:t>
+            </a:r>
+            <a:endParaRPr lang="fr-FR" sz="1400" dirty="0"/>
+          </a:p>
+        </p:txBody>
+      </p:sp>
+      <p:sp>
+        <p:nvSpPr>
+          <p:cNvPr id="43" name="TextBox 42"/>
+          <p:cNvSpPr txBox="1"/>
+          <p:nvPr/>
+        </p:nvSpPr>
+        <p:spPr>
+          <a:xfrm>
+            <a:off x="4619575" y="4324897"/>
+            <a:ext cx="1662473" cy="523220"/>
+          </a:xfrm>
+          <a:prstGeom prst="rect">
+            <a:avLst/>
+          </a:prstGeom>
+          <a:noFill/>
+        </p:spPr>
+        <p:txBody>
+          <a:bodyPr wrap="square" rtlCol="0">
+            <a:spAutoFit/>
+          </a:bodyPr>
+          <a:lstStyle/>
+          <a:p>
+            <a:pPr algn="ctr"/>
+            <a:r>
+              <a:rPr lang="fr-FR" sz="1400" dirty="0" smtClean="0"/>
+              <a:t>Service </a:t>
+            </a:r>
+            <a:br>
+              <a:rPr lang="fr-FR" sz="1400" dirty="0" smtClean="0"/>
+            </a:br>
+            <a:r>
+              <a:rPr lang="fr-FR" sz="1400" dirty="0" err="1" smtClean="0"/>
+              <a:t>Step</a:t>
+            </a:r>
+            <a:r>
+              <a:rPr lang="fr-FR" sz="1400" dirty="0" smtClean="0"/>
+              <a:t> </a:t>
+            </a:r>
+            <a:r>
+              <a:rPr lang="fr-FR" sz="1400" dirty="0" err="1" smtClean="0"/>
+              <a:t>Functions</a:t>
+            </a:r>
+            <a:endParaRPr lang="fr-FR" sz="1400" dirty="0"/>
+          </a:p>
+        </p:txBody>
+      </p:sp>
+      <p:cxnSp>
+        <p:nvCxnSpPr>
+          <p:cNvPr id="44" name="Straight Arrow Connector 43"/>
+          <p:cNvCxnSpPr/>
+          <p:nvPr/>
+        </p:nvCxnSpPr>
+        <p:spPr>
+          <a:xfrm flipH="1">
+            <a:off x="6044376" y="6236673"/>
+            <a:ext cx="3313215" cy="4117"/>
+          </a:xfrm>
+          <a:prstGeom prst="straightConnector1">
+            <a:avLst/>
+          </a:prstGeom>
+          <a:ln w="12700">
+            <a:prstDash val="solid"/>
+            <a:tailEnd type="triangle"/>
+          </a:ln>
+        </p:spPr>
+        <p:style>
+          <a:lnRef idx="1">
+            <a:schemeClr val="accent1"/>
+          </a:lnRef>
+          <a:fillRef idx="0">
+            <a:schemeClr val="accent1"/>
+          </a:fillRef>
+          <a:effectRef idx="0">
+            <a:schemeClr val="accent1"/>
+          </a:effectRef>
+          <a:fontRef idx="minor">
+            <a:schemeClr val="tx1"/>
+          </a:fontRef>
+        </p:style>
+      </p:cxnSp>
+      <p:sp>
+        <p:nvSpPr>
+          <p:cNvPr id="47" name="Rectangle 46"/>
+          <p:cNvSpPr/>
+          <p:nvPr/>
+        </p:nvSpPr>
+        <p:spPr>
+          <a:xfrm>
+            <a:off x="7007081" y="5962777"/>
+            <a:ext cx="1811714" cy="276999"/>
+          </a:xfrm>
+          <a:prstGeom prst="rect">
+            <a:avLst/>
+          </a:prstGeom>
+        </p:spPr>
+        <p:txBody>
+          <a:bodyPr wrap="none">
+            <a:spAutoFit/>
+          </a:bodyPr>
+          <a:lstStyle/>
+          <a:p>
+            <a:r>
+              <a:rPr lang="en-US" sz="1200" b="1" dirty="0" err="1" smtClean="0"/>
+              <a:t>sdk.sendTaskSuccess</a:t>
+            </a:r>
+            <a:endParaRPr lang="en-US" sz="1200" b="1" dirty="0"/>
+          </a:p>
+        </p:txBody>
+      </p:sp>
+    </p:spTree>
+    <p:extLst>
+      <p:ext uri="{BB962C8B-B14F-4D97-AF65-F5344CB8AC3E}">
+        <p14:creationId xmlns:p14="http://schemas.microsoft.com/office/powerpoint/2010/main" val="550669461"/>
+      </p:ext>
+    </p:extLst>
+  </p:cSld>
+  <p:clrMapOvr>
+    <a:masterClrMapping/>
+  </p:clrMapOvr>
+  <p:timing>
+    <p:tnLst>
+      <p:par>
+        <p:cTn id="1" dur="indefinite" restart="never" nodeType="tmRoot">
+          <p:childTnLst>
+            <p:seq concurrent="1" nextAc="seek">
+              <p:cTn id="2" dur="indefinite" nodeType="mainSeq">
+                <p:childTnLst>
+                  <p:par>
+                    <p:cTn id="3" fill="hold">
+                      <p:stCondLst>
+                        <p:cond delay="indefinite"/>
+                      </p:stCondLst>
+                      <p:childTnLst>
+                        <p:par>
+                          <p:cTn id="4" fill="hold">
+                            <p:stCondLst>
+                              <p:cond delay="0"/>
+                            </p:stCondLst>
+                            <p:childTnLst>
+                              <p:par>
+                                <p:cTn id="5" presetID="1" presetClass="entr" presetSubtype="0" fill="hold" grpId="0" nodeType="clickEffect">
+                                  <p:stCondLst>
+                                    <p:cond delay="0"/>
+                                  </p:stCondLst>
+                                  <p:childTnLst>
+                                    <p:set>
+                                      <p:cBhvr>
+                                        <p:cTn id="6" dur="1" fill="hold">
+                                          <p:stCondLst>
+                                            <p:cond delay="0"/>
+                                          </p:stCondLst>
+                                        </p:cTn>
+                                        <p:tgtEl>
+                                          <p:spTgt spid="6">
+                                            <p:txEl>
+                                              <p:pRg st="0" end="0"/>
+                                            </p:txEl>
+                                          </p:spTgt>
+                                        </p:tgtEl>
+                                        <p:attrNameLst>
+                                          <p:attrName>style.visibility</p:attrName>
+                                        </p:attrNameLst>
+                                      </p:cBhvr>
+                                      <p:to>
+                                        <p:strVal val="visible"/>
+                                      </p:to>
+                                    </p:set>
+                                  </p:childTnLst>
+                                </p:cTn>
+                              </p:par>
+                              <p:par>
+                                <p:cTn id="7" presetID="1" presetClass="entr" presetSubtype="0" fill="hold" nodeType="withEffect">
+                                  <p:stCondLst>
+                                    <p:cond delay="0"/>
+                                  </p:stCondLst>
+                                  <p:childTnLst>
+                                    <p:set>
+                                      <p:cBhvr>
+                                        <p:cTn id="8" dur="1" fill="hold">
+                                          <p:stCondLst>
+                                            <p:cond delay="0"/>
+                                          </p:stCondLst>
+                                        </p:cTn>
+                                        <p:tgtEl>
+                                          <p:spTgt spid="28"/>
+                                        </p:tgtEl>
+                                        <p:attrNameLst>
+                                          <p:attrName>style.visibility</p:attrName>
+                                        </p:attrNameLst>
+                                      </p:cBhvr>
+                                      <p:to>
+                                        <p:strVal val="visible"/>
+                                      </p:to>
+                                    </p:set>
+                                  </p:childTnLst>
+                                </p:cTn>
+                              </p:par>
+                              <p:par>
+                                <p:cTn id="9" presetID="1" presetClass="entr" presetSubtype="0" fill="hold" nodeType="withEffect">
+                                  <p:stCondLst>
+                                    <p:cond delay="0"/>
+                                  </p:stCondLst>
+                                  <p:childTnLst>
+                                    <p:set>
+                                      <p:cBhvr>
+                                        <p:cTn id="10" dur="1" fill="hold">
+                                          <p:stCondLst>
+                                            <p:cond delay="0"/>
+                                          </p:stCondLst>
+                                        </p:cTn>
+                                        <p:tgtEl>
+                                          <p:spTgt spid="29"/>
+                                        </p:tgtEl>
+                                        <p:attrNameLst>
+                                          <p:attrName>style.visibility</p:attrName>
+                                        </p:attrNameLst>
+                                      </p:cBhvr>
+                                      <p:to>
+                                        <p:strVal val="visible"/>
+                                      </p:to>
+                                    </p:set>
+                                  </p:childTnLst>
+                                </p:cTn>
+                              </p:par>
+                              <p:par>
+                                <p:cTn id="11" presetID="1" presetClass="entr" presetSubtype="0" fill="hold" nodeType="withEffect">
+                                  <p:stCondLst>
+                                    <p:cond delay="0"/>
+                                  </p:stCondLst>
+                                  <p:childTnLst>
+                                    <p:set>
+                                      <p:cBhvr>
+                                        <p:cTn id="12" dur="1" fill="hold">
+                                          <p:stCondLst>
+                                            <p:cond delay="0"/>
+                                          </p:stCondLst>
+                                        </p:cTn>
+                                        <p:tgtEl>
+                                          <p:spTgt spid="30"/>
+                                        </p:tgtEl>
+                                        <p:attrNameLst>
+                                          <p:attrName>style.visibility</p:attrName>
+                                        </p:attrNameLst>
+                                      </p:cBhvr>
+                                      <p:to>
+                                        <p:strVal val="visible"/>
+                                      </p:to>
+                                    </p:set>
+                                  </p:childTnLst>
+                                </p:cTn>
+                              </p:par>
+                              <p:par>
+                                <p:cTn id="13" presetID="1" presetClass="entr" presetSubtype="0" fill="hold" nodeType="withEffect">
+                                  <p:stCondLst>
+                                    <p:cond delay="0"/>
+                                  </p:stCondLst>
+                                  <p:childTnLst>
+                                    <p:set>
+                                      <p:cBhvr>
+                                        <p:cTn id="14" dur="1" fill="hold">
+                                          <p:stCondLst>
+                                            <p:cond delay="0"/>
+                                          </p:stCondLst>
+                                        </p:cTn>
+                                        <p:tgtEl>
+                                          <p:spTgt spid="31"/>
+                                        </p:tgtEl>
+                                        <p:attrNameLst>
+                                          <p:attrName>style.visibility</p:attrName>
+                                        </p:attrNameLst>
+                                      </p:cBhvr>
+                                      <p:to>
+                                        <p:strVal val="visible"/>
+                                      </p:to>
+                                    </p:set>
+                                  </p:childTnLst>
+                                </p:cTn>
+                              </p:par>
+                              <p:par>
+                                <p:cTn id="15" presetID="1" presetClass="entr" presetSubtype="0" fill="hold" grpId="0" nodeType="withEffect">
+                                  <p:stCondLst>
+                                    <p:cond delay="0"/>
+                                  </p:stCondLst>
+                                  <p:childTnLst>
+                                    <p:set>
+                                      <p:cBhvr>
+                                        <p:cTn id="16" dur="1" fill="hold">
+                                          <p:stCondLst>
+                                            <p:cond delay="0"/>
+                                          </p:stCondLst>
+                                        </p:cTn>
+                                        <p:tgtEl>
+                                          <p:spTgt spid="32"/>
+                                        </p:tgtEl>
+                                        <p:attrNameLst>
+                                          <p:attrName>style.visibility</p:attrName>
+                                        </p:attrNameLst>
+                                      </p:cBhvr>
+                                      <p:to>
+                                        <p:strVal val="visible"/>
+                                      </p:to>
+                                    </p:set>
+                                  </p:childTnLst>
+                                </p:cTn>
+                              </p:par>
+                              <p:par>
+                                <p:cTn id="17" presetID="1" presetClass="entr" presetSubtype="0" fill="hold" nodeType="withEffect">
+                                  <p:stCondLst>
+                                    <p:cond delay="0"/>
+                                  </p:stCondLst>
+                                  <p:childTnLst>
+                                    <p:set>
+                                      <p:cBhvr>
+                                        <p:cTn id="18" dur="1" fill="hold">
+                                          <p:stCondLst>
+                                            <p:cond delay="0"/>
+                                          </p:stCondLst>
+                                        </p:cTn>
+                                        <p:tgtEl>
+                                          <p:spTgt spid="33"/>
+                                        </p:tgtEl>
+                                        <p:attrNameLst>
+                                          <p:attrName>style.visibility</p:attrName>
+                                        </p:attrNameLst>
+                                      </p:cBhvr>
+                                      <p:to>
+                                        <p:strVal val="visible"/>
+                                      </p:to>
+                                    </p:set>
+                                  </p:childTnLst>
+                                </p:cTn>
+                              </p:par>
+                              <p:par>
+                                <p:cTn id="19" presetID="1" presetClass="entr" presetSubtype="0" fill="hold" grpId="0" nodeType="withEffect">
+                                  <p:stCondLst>
+                                    <p:cond delay="0"/>
+                                  </p:stCondLst>
+                                  <p:childTnLst>
+                                    <p:set>
+                                      <p:cBhvr>
+                                        <p:cTn id="20" dur="1" fill="hold">
+                                          <p:stCondLst>
+                                            <p:cond delay="0"/>
+                                          </p:stCondLst>
+                                        </p:cTn>
+                                        <p:tgtEl>
+                                          <p:spTgt spid="35"/>
+                                        </p:tgtEl>
+                                        <p:attrNameLst>
+                                          <p:attrName>style.visibility</p:attrName>
+                                        </p:attrNameLst>
+                                      </p:cBhvr>
+                                      <p:to>
+                                        <p:strVal val="visible"/>
+                                      </p:to>
+                                    </p:set>
+                                  </p:childTnLst>
+                                </p:cTn>
+                              </p:par>
+                              <p:par>
+                                <p:cTn id="21" presetID="1" presetClass="entr" presetSubtype="0" fill="hold" nodeType="withEffect">
+                                  <p:stCondLst>
+                                    <p:cond delay="0"/>
+                                  </p:stCondLst>
+                                  <p:childTnLst>
+                                    <p:set>
+                                      <p:cBhvr>
+                                        <p:cTn id="22" dur="1" fill="hold">
+                                          <p:stCondLst>
+                                            <p:cond delay="0"/>
+                                          </p:stCondLst>
+                                        </p:cTn>
+                                        <p:tgtEl>
+                                          <p:spTgt spid="37"/>
+                                        </p:tgtEl>
+                                        <p:attrNameLst>
+                                          <p:attrName>style.visibility</p:attrName>
+                                        </p:attrNameLst>
+                                      </p:cBhvr>
+                                      <p:to>
+                                        <p:strVal val="visible"/>
+                                      </p:to>
+                                    </p:set>
+                                  </p:childTnLst>
+                                </p:cTn>
+                              </p:par>
+                              <p:par>
+                                <p:cTn id="23" presetID="1" presetClass="entr" presetSubtype="0" fill="hold" nodeType="withEffect">
+                                  <p:stCondLst>
+                                    <p:cond delay="0"/>
+                                  </p:stCondLst>
+                                  <p:childTnLst>
+                                    <p:set>
+                                      <p:cBhvr>
+                                        <p:cTn id="24" dur="1" fill="hold">
+                                          <p:stCondLst>
+                                            <p:cond delay="0"/>
+                                          </p:stCondLst>
+                                        </p:cTn>
+                                        <p:tgtEl>
+                                          <p:spTgt spid="40"/>
+                                        </p:tgtEl>
+                                        <p:attrNameLst>
+                                          <p:attrName>style.visibility</p:attrName>
+                                        </p:attrNameLst>
+                                      </p:cBhvr>
+                                      <p:to>
+                                        <p:strVal val="visible"/>
+                                      </p:to>
+                                    </p:set>
+                                  </p:childTnLst>
+                                </p:cTn>
+                              </p:par>
+                              <p:par>
+                                <p:cTn id="25" presetID="1" presetClass="entr" presetSubtype="0" fill="hold" grpId="0" nodeType="withEffect">
+                                  <p:stCondLst>
+                                    <p:cond delay="0"/>
+                                  </p:stCondLst>
+                                  <p:childTnLst>
+                                    <p:set>
+                                      <p:cBhvr>
+                                        <p:cTn id="26" dur="1" fill="hold">
+                                          <p:stCondLst>
+                                            <p:cond delay="0"/>
+                                          </p:stCondLst>
+                                        </p:cTn>
+                                        <p:tgtEl>
+                                          <p:spTgt spid="41"/>
+                                        </p:tgtEl>
+                                        <p:attrNameLst>
+                                          <p:attrName>style.visibility</p:attrName>
+                                        </p:attrNameLst>
+                                      </p:cBhvr>
+                                      <p:to>
+                                        <p:strVal val="visible"/>
+                                      </p:to>
+                                    </p:set>
+                                  </p:childTnLst>
+                                </p:cTn>
+                              </p:par>
+                              <p:par>
+                                <p:cTn id="27" presetID="1" presetClass="entr" presetSubtype="0" fill="hold" grpId="0" nodeType="withEffect">
+                                  <p:stCondLst>
+                                    <p:cond delay="0"/>
+                                  </p:stCondLst>
+                                  <p:childTnLst>
+                                    <p:set>
+                                      <p:cBhvr>
+                                        <p:cTn id="28" dur="1" fill="hold">
+                                          <p:stCondLst>
+                                            <p:cond delay="0"/>
+                                          </p:stCondLst>
+                                        </p:cTn>
+                                        <p:tgtEl>
+                                          <p:spTgt spid="42"/>
+                                        </p:tgtEl>
+                                        <p:attrNameLst>
+                                          <p:attrName>style.visibility</p:attrName>
+                                        </p:attrNameLst>
+                                      </p:cBhvr>
+                                      <p:to>
+                                        <p:strVal val="visible"/>
+                                      </p:to>
+                                    </p:set>
+                                  </p:childTnLst>
+                                </p:cTn>
+                              </p:par>
+                              <p:par>
+                                <p:cTn id="29" presetID="1" presetClass="entr" presetSubtype="0" fill="hold" grpId="0" nodeType="withEffect">
+                                  <p:stCondLst>
+                                    <p:cond delay="0"/>
+                                  </p:stCondLst>
+                                  <p:childTnLst>
+                                    <p:set>
+                                      <p:cBhvr>
+                                        <p:cTn id="30" dur="1" fill="hold">
+                                          <p:stCondLst>
+                                            <p:cond delay="0"/>
+                                          </p:stCondLst>
+                                        </p:cTn>
+                                        <p:tgtEl>
+                                          <p:spTgt spid="43"/>
+                                        </p:tgtEl>
+                                        <p:attrNameLst>
+                                          <p:attrName>style.visibility</p:attrName>
+                                        </p:attrNameLst>
+                                      </p:cBhvr>
+                                      <p:to>
+                                        <p:strVal val="visible"/>
+                                      </p:to>
+                                    </p:set>
+                                  </p:childTnLst>
+                                </p:cTn>
+                              </p:par>
+                              <p:par>
+                                <p:cTn id="31" presetID="1" presetClass="entr" presetSubtype="0" fill="hold" nodeType="withEffect">
+                                  <p:stCondLst>
+                                    <p:cond delay="0"/>
+                                  </p:stCondLst>
+                                  <p:childTnLst>
+                                    <p:set>
+                                      <p:cBhvr>
+                                        <p:cTn id="32" dur="1" fill="hold">
+                                          <p:stCondLst>
+                                            <p:cond delay="0"/>
+                                          </p:stCondLst>
+                                        </p:cTn>
+                                        <p:tgtEl>
+                                          <p:spTgt spid="44"/>
+                                        </p:tgtEl>
+                                        <p:attrNameLst>
+                                          <p:attrName>style.visibility</p:attrName>
+                                        </p:attrNameLst>
+                                      </p:cBhvr>
+                                      <p:to>
+                                        <p:strVal val="visible"/>
+                                      </p:to>
+                                    </p:set>
+                                  </p:childTnLst>
+                                </p:cTn>
+                              </p:par>
+                              <p:par>
+                                <p:cTn id="33" presetID="1" presetClass="entr" presetSubtype="0" fill="hold" grpId="0" nodeType="withEffect">
+                                  <p:stCondLst>
+                                    <p:cond delay="0"/>
+                                  </p:stCondLst>
+                                  <p:childTnLst>
+                                    <p:set>
+                                      <p:cBhvr>
+                                        <p:cTn id="34" dur="1" fill="hold">
+                                          <p:stCondLst>
+                                            <p:cond delay="0"/>
+                                          </p:stCondLst>
+                                        </p:cTn>
+                                        <p:tgtEl>
+                                          <p:spTgt spid="47"/>
+                                        </p:tgtEl>
+                                        <p:attrNameLst>
+                                          <p:attrName>style.visibility</p:attrName>
+                                        </p:attrNameLst>
+                                      </p:cBhvr>
+                                      <p:to>
+                                        <p:strVal val="visible"/>
+                                      </p:to>
+                                    </p:set>
+                                  </p:childTnLst>
+                                </p:cTn>
+                              </p:par>
+                            </p:childTnLst>
+                          </p:cTn>
+                        </p:par>
+                      </p:childTnLst>
+                    </p:cTn>
+                  </p:par>
+                </p:childTnLst>
+              </p:cTn>
+              <p:prevCondLst>
+                <p:cond evt="onPrev" delay="0">
+                  <p:tgtEl>
+                    <p:sldTgt/>
+                  </p:tgtEl>
+                </p:cond>
+              </p:prevCondLst>
+              <p:nextCondLst>
+                <p:cond evt="onNext" delay="0">
+                  <p:tgtEl>
+                    <p:sldTgt/>
+                  </p:tgtEl>
+                </p:cond>
+              </p:nextCondLst>
+            </p:seq>
+          </p:childTnLst>
+        </p:cTn>
+      </p:par>
+    </p:tnLst>
+    <p:bldLst>
+      <p:bldP spid="6" grpId="0" build="p"/>
+      <p:bldP spid="32" grpId="0"/>
+      <p:bldP spid="35" grpId="0"/>
+      <p:bldP spid="41" grpId="0"/>
+      <p:bldP spid="42" grpId="0"/>
+      <p:bldP spid="43" grpId="0"/>
+      <p:bldP spid="47" grpId="0"/>
+    </p:bldLst>
+  </p:timing>
+</p:sld>
+</file>
+
+<file path=ppt/slides/slide11.xml><?xml version="1.0" encoding="utf-8"?>
+<p:sld xmlns:a="http://schemas.openxmlformats.org/drawingml/2006/main" xmlns:r="http://schemas.openxmlformats.org/officeDocument/2006/relationships" xmlns:p="http://schemas.openxmlformats.org/presentationml/2006/main">
+  <p:cSld>
+    <p:spTree>
+      <p:nvGrpSpPr>
+        <p:cNvPr id="1" name=""/>
+        <p:cNvGrpSpPr/>
+        <p:nvPr/>
+      </p:nvGrpSpPr>
+      <p:grpSpPr>
+        <a:xfrm>
+          <a:off x="0" y="0"/>
+          <a:ext cx="0" cy="0"/>
+          <a:chOff x="0" y="0"/>
+          <a:chExt cx="0" cy="0"/>
+        </a:xfrm>
+      </p:grpSpPr>
+      <p:sp>
+        <p:nvSpPr>
+          <p:cNvPr id="2" name="Title 1"/>
+          <p:cNvSpPr>
+            <a:spLocks noGrp="1"/>
+          </p:cNvSpPr>
+          <p:nvPr>
+            <p:ph type="title"/>
+          </p:nvPr>
+        </p:nvSpPr>
+        <p:spPr/>
+        <p:txBody>
+          <a:bodyPr/>
+          <a:lstStyle/>
+          <a:p>
+            <a:r>
+              <a:rPr lang="en-US" smtClean="0"/>
+              <a:t>Amazon </a:t>
+            </a:r>
+            <a:r>
+              <a:rPr lang="en-US"/>
+              <a:t>States </a:t>
+            </a:r>
+            <a:r>
+              <a:rPr lang="en-US" smtClean="0"/>
+              <a:t>Language </a:t>
+            </a:r>
+            <a:r>
+              <a:rPr lang="fr-FR" smtClean="0"/>
+              <a:t>: </a:t>
+            </a:r>
+            <a:r>
+              <a:rPr lang="fr-FR" dirty="0" err="1" smtClean="0"/>
+              <a:t>retry</a:t>
+            </a:r>
+            <a:endParaRPr lang="fr-FR" dirty="0"/>
+          </a:p>
+        </p:txBody>
+      </p:sp>
+      <p:sp>
+        <p:nvSpPr>
+          <p:cNvPr id="3" name="Content Placeholder 2"/>
+          <p:cNvSpPr>
+            <a:spLocks noGrp="1"/>
+          </p:cNvSpPr>
+          <p:nvPr>
+            <p:ph idx="1"/>
+          </p:nvPr>
+        </p:nvSpPr>
+        <p:spPr/>
+        <p:txBody>
+          <a:bodyPr/>
+          <a:lstStyle/>
+          <a:p>
+            <a:endParaRPr lang="fr-FR" dirty="0"/>
+          </a:p>
+        </p:txBody>
+      </p:sp>
+    </p:spTree>
+    <p:extLst>
+      <p:ext uri="{BB962C8B-B14F-4D97-AF65-F5344CB8AC3E}">
+        <p14:creationId xmlns:p14="http://schemas.microsoft.com/office/powerpoint/2010/main" val="1251089468"/>
+      </p:ext>
+    </p:extLst>
+  </p:cSld>
+  <p:clrMapOvr>
+    <a:masterClrMapping/>
+  </p:clrMapOvr>
+  <p:timing>
+    <p:tnLst>
+      <p:par>
+        <p:cTn id="1" dur="indefinite" restart="never" nodeType="tmRoot"/>
+      </p:par>
+    </p:tnLst>
+  </p:timing>
+</p:sld>
+</file>
+
+<file path=ppt/slides/slide12.xml><?xml version="1.0" encoding="utf-8"?>
+<p:sld xmlns:a="http://schemas.openxmlformats.org/drawingml/2006/main" xmlns:r="http://schemas.openxmlformats.org/officeDocument/2006/relationships" xmlns:p="http://schemas.openxmlformats.org/presentationml/2006/main">
+  <p:cSld>
+    <p:spTree>
+      <p:nvGrpSpPr>
+        <p:cNvPr id="1" name=""/>
+        <p:cNvGrpSpPr/>
+        <p:nvPr/>
+      </p:nvGrpSpPr>
+      <p:grpSpPr>
+        <a:xfrm>
+          <a:off x="0" y="0"/>
+          <a:ext cx="0" cy="0"/>
+          <a:chOff x="0" y="0"/>
+          <a:chExt cx="0" cy="0"/>
+        </a:xfrm>
+      </p:grpSpPr>
+      <p:sp>
+        <p:nvSpPr>
+          <p:cNvPr id="2" name="Title 1"/>
+          <p:cNvSpPr>
+            <a:spLocks noGrp="1"/>
+          </p:cNvSpPr>
+          <p:nvPr>
+            <p:ph type="title"/>
+          </p:nvPr>
+        </p:nvSpPr>
+        <p:spPr/>
+        <p:txBody>
+          <a:bodyPr/>
+          <a:lstStyle/>
+          <a:p>
+            <a:r>
+              <a:rPr lang="en-US" dirty="0" smtClean="0"/>
+              <a:t>Amazon </a:t>
+            </a:r>
+            <a:r>
+              <a:rPr lang="en-US" dirty="0"/>
+              <a:t>States </a:t>
+            </a:r>
+            <a:r>
+              <a:rPr lang="en-US" dirty="0" smtClean="0"/>
+              <a:t>Language </a:t>
+            </a:r>
+            <a:r>
+              <a:rPr lang="fr-FR" dirty="0" smtClean="0"/>
+              <a:t>: </a:t>
+            </a:r>
+            <a:r>
+              <a:rPr lang="fr-FR" dirty="0" err="1" smtClean="0"/>
+              <a:t>wait</a:t>
+            </a:r>
+            <a:endParaRPr lang="fr-FR" dirty="0"/>
+          </a:p>
+        </p:txBody>
+      </p:sp>
+      <p:pic>
+        <p:nvPicPr>
+          <p:cNvPr id="6" name="Picture 5"/>
+          <p:cNvPicPr>
+            <a:picLocks noChangeAspect="1"/>
+          </p:cNvPicPr>
+          <p:nvPr/>
+        </p:nvPicPr>
+        <p:blipFill>
+          <a:blip r:embed="rId3"/>
+          <a:stretch>
+            <a:fillRect/>
+          </a:stretch>
+        </p:blipFill>
+        <p:spPr>
+          <a:xfrm>
+            <a:off x="1154954" y="1389473"/>
+            <a:ext cx="1882048" cy="4411683"/>
+          </a:xfrm>
+          <a:prstGeom prst="rect">
+            <a:avLst/>
+          </a:prstGeom>
+        </p:spPr>
+      </p:pic>
+      <p:sp>
+        <p:nvSpPr>
+          <p:cNvPr id="8" name="Left-Right Arrow 7"/>
+          <p:cNvSpPr/>
+          <p:nvPr/>
+        </p:nvSpPr>
+        <p:spPr>
+          <a:xfrm>
+            <a:off x="3408219" y="3287303"/>
+            <a:ext cx="1056904" cy="567045"/>
+          </a:xfrm>
+          <a:prstGeom prst="leftRightArrow">
+            <a:avLst/>
+          </a:prstGeom>
+        </p:spPr>
+        <p:style>
+          <a:lnRef idx="2">
+            <a:schemeClr val="accent1">
+              <a:shade val="50000"/>
+            </a:schemeClr>
+          </a:lnRef>
+          <a:fillRef idx="1">
+            <a:schemeClr val="accent1"/>
+          </a:fillRef>
+          <a:effectRef idx="0">
+            <a:schemeClr val="accent1"/>
+          </a:effectRef>
+          <a:fontRef idx="minor">
+            <a:schemeClr val="lt1"/>
+          </a:fontRef>
+        </p:style>
+        <p:txBody>
+          <a:bodyPr rtlCol="0" anchor="ctr"/>
+          <a:lstStyle/>
+          <a:p>
+            <a:pPr algn="ctr"/>
+            <a:endParaRPr lang="fr-FR"/>
+          </a:p>
+        </p:txBody>
+      </p:sp>
+      <p:pic>
+        <p:nvPicPr>
+          <p:cNvPr id="13" name="Picture 12"/>
+          <p:cNvPicPr>
+            <a:picLocks noChangeAspect="1"/>
+          </p:cNvPicPr>
+          <p:nvPr/>
+        </p:nvPicPr>
+        <p:blipFill>
+          <a:blip r:embed="rId4"/>
+          <a:stretch>
+            <a:fillRect/>
+          </a:stretch>
+        </p:blipFill>
+        <p:spPr>
+          <a:xfrm>
+            <a:off x="4918694" y="3879748"/>
+            <a:ext cx="3225800" cy="965200"/>
+          </a:xfrm>
+          <a:prstGeom prst="rect">
+            <a:avLst/>
+          </a:prstGeom>
+        </p:spPr>
+      </p:pic>
+      <p:pic>
+        <p:nvPicPr>
+          <p:cNvPr id="14" name="Picture 13"/>
+          <p:cNvPicPr>
+            <a:picLocks noChangeAspect="1"/>
+          </p:cNvPicPr>
+          <p:nvPr/>
+        </p:nvPicPr>
+        <p:blipFill>
+          <a:blip r:embed="rId5"/>
+          <a:stretch>
+            <a:fillRect/>
+          </a:stretch>
+        </p:blipFill>
+        <p:spPr>
+          <a:xfrm>
+            <a:off x="8614947" y="3854348"/>
+            <a:ext cx="3225800" cy="990600"/>
+          </a:xfrm>
+          <a:prstGeom prst="rect">
+            <a:avLst/>
+          </a:prstGeom>
+        </p:spPr>
+      </p:pic>
+      <p:pic>
+        <p:nvPicPr>
+          <p:cNvPr id="16" name="Picture 15"/>
+          <p:cNvPicPr>
+            <a:picLocks noChangeAspect="1"/>
+          </p:cNvPicPr>
+          <p:nvPr/>
+        </p:nvPicPr>
+        <p:blipFill>
+          <a:blip r:embed="rId6"/>
+          <a:stretch>
+            <a:fillRect/>
+          </a:stretch>
+        </p:blipFill>
+        <p:spPr>
+          <a:xfrm>
+            <a:off x="8348247" y="1646171"/>
+            <a:ext cx="3492500" cy="977900"/>
+          </a:xfrm>
+          <a:prstGeom prst="rect">
+            <a:avLst/>
+          </a:prstGeom>
+        </p:spPr>
+      </p:pic>
+      <p:pic>
+        <p:nvPicPr>
+          <p:cNvPr id="17" name="Picture 16"/>
+          <p:cNvPicPr>
+            <a:picLocks noChangeAspect="1"/>
+          </p:cNvPicPr>
+          <p:nvPr/>
+        </p:nvPicPr>
+        <p:blipFill>
+          <a:blip r:embed="rId7"/>
+          <a:stretch>
+            <a:fillRect/>
+          </a:stretch>
+        </p:blipFill>
+        <p:spPr>
+          <a:xfrm>
+            <a:off x="4918694" y="1727654"/>
+            <a:ext cx="2933700" cy="952500"/>
+          </a:xfrm>
+          <a:prstGeom prst="rect">
+            <a:avLst/>
+          </a:prstGeom>
+        </p:spPr>
+      </p:pic>
+    </p:spTree>
+    <p:extLst>
+      <p:ext uri="{BB962C8B-B14F-4D97-AF65-F5344CB8AC3E}">
+        <p14:creationId xmlns:p14="http://schemas.microsoft.com/office/powerpoint/2010/main" val="543465484"/>
+      </p:ext>
+    </p:extLst>
+  </p:cSld>
+  <p:clrMapOvr>
+    <a:masterClrMapping/>
+  </p:clrMapOvr>
+  <p:timing>
+    <p:tnLst>
+      <p:par>
+        <p:cTn id="1" dur="indefinite" restart="never" nodeType="tmRoot">
+          <p:childTnLst>
+            <p:seq concurrent="1" nextAc="seek">
+              <p:cTn id="2" dur="indefinite" nodeType="mainSeq">
+                <p:childTnLst>
+                  <p:par>
+                    <p:cTn id="3" fill="hold">
+                      <p:stCondLst>
+                        <p:cond delay="indefinite"/>
+                      </p:stCondLst>
+                      <p:childTnLst>
+                        <p:par>
+                          <p:cTn id="4" fill="hold">
+                            <p:stCondLst>
+                              <p:cond delay="0"/>
+                            </p:stCondLst>
+                            <p:childTnLst>
+                              <p:par>
+                                <p:cTn id="5" presetID="1" presetClass="entr" presetSubtype="0" fill="hold" grpId="0" nodeType="clickEffect">
+                                  <p:stCondLst>
+                                    <p:cond delay="0"/>
+                                  </p:stCondLst>
+                                  <p:childTnLst>
+                                    <p:set>
+                                      <p:cBhvr>
+                                        <p:cTn id="6" dur="1" fill="hold">
+                                          <p:stCondLst>
+                                            <p:cond delay="0"/>
+                                          </p:stCondLst>
+                                        </p:cTn>
+                                        <p:tgtEl>
+                                          <p:spTgt spid="8"/>
+                                        </p:tgtEl>
+                                        <p:attrNameLst>
+                                          <p:attrName>style.visibility</p:attrName>
+                                        </p:attrNameLst>
+                                      </p:cBhvr>
+                                      <p:to>
+                                        <p:strVal val="visible"/>
+                                      </p:to>
+                                    </p:set>
+                                  </p:childTnLst>
+                                </p:cTn>
+                              </p:par>
+                              <p:par>
+                                <p:cTn id="7" presetID="1" presetClass="entr" presetSubtype="0" fill="hold" nodeType="withEffect">
+                                  <p:stCondLst>
+                                    <p:cond delay="0"/>
+                                  </p:stCondLst>
+                                  <p:childTnLst>
+                                    <p:set>
+                                      <p:cBhvr>
+                                        <p:cTn id="8" dur="1" fill="hold">
+                                          <p:stCondLst>
+                                            <p:cond delay="0"/>
+                                          </p:stCondLst>
+                                        </p:cTn>
+                                        <p:tgtEl>
+                                          <p:spTgt spid="17"/>
+                                        </p:tgtEl>
+                                        <p:attrNameLst>
+                                          <p:attrName>style.visibility</p:attrName>
+                                        </p:attrNameLst>
+                                      </p:cBhvr>
+                                      <p:to>
+                                        <p:strVal val="visible"/>
+                                      </p:to>
+                                    </p:set>
+                                  </p:childTnLst>
+                                </p:cTn>
+                              </p:par>
+                            </p:childTnLst>
+                          </p:cTn>
+                        </p:par>
+                      </p:childTnLst>
+                    </p:cTn>
+                  </p:par>
+                  <p:par>
+                    <p:cTn id="9" fill="hold">
+                      <p:stCondLst>
+                        <p:cond delay="indefinite"/>
+                      </p:stCondLst>
+                      <p:childTnLst>
+                        <p:par>
+                          <p:cTn id="10" fill="hold">
+                            <p:stCondLst>
+                              <p:cond delay="0"/>
+                            </p:stCondLst>
+                            <p:childTnLst>
+                              <p:par>
+                                <p:cTn id="11" presetID="1" presetClass="entr" presetSubtype="0" fill="hold" nodeType="clickEffect">
+                                  <p:stCondLst>
+                                    <p:cond delay="0"/>
+                                  </p:stCondLst>
+                                  <p:childTnLst>
+                                    <p:set>
+                                      <p:cBhvr>
+                                        <p:cTn id="12" dur="1" fill="hold">
+                                          <p:stCondLst>
+                                            <p:cond delay="0"/>
+                                          </p:stCondLst>
+                                        </p:cTn>
+                                        <p:tgtEl>
+                                          <p:spTgt spid="16"/>
+                                        </p:tgtEl>
+                                        <p:attrNameLst>
+                                          <p:attrName>style.visibility</p:attrName>
+                                        </p:attrNameLst>
+                                      </p:cBhvr>
+                                      <p:to>
+                                        <p:strVal val="visible"/>
+                                      </p:to>
+                                    </p:set>
+                                  </p:childTnLst>
+                                </p:cTn>
+                              </p:par>
+                            </p:childTnLst>
+                          </p:cTn>
+                        </p:par>
+                      </p:childTnLst>
+                    </p:cTn>
+                  </p:par>
+                  <p:par>
+                    <p:cTn id="13" fill="hold">
+                      <p:stCondLst>
+                        <p:cond delay="indefinite"/>
+                      </p:stCondLst>
+                      <p:childTnLst>
+                        <p:par>
+                          <p:cTn id="14" fill="hold">
+                            <p:stCondLst>
+                              <p:cond delay="0"/>
+                            </p:stCondLst>
+                            <p:childTnLst>
+                              <p:par>
+                                <p:cTn id="15" presetID="1" presetClass="entr" presetSubtype="0" fill="hold" nodeType="clickEffect">
+                                  <p:stCondLst>
+                                    <p:cond delay="0"/>
+                                  </p:stCondLst>
+                                  <p:childTnLst>
+                                    <p:set>
+                                      <p:cBhvr>
+                                        <p:cTn id="16" dur="1" fill="hold">
+                                          <p:stCondLst>
+                                            <p:cond delay="0"/>
+                                          </p:stCondLst>
+                                        </p:cTn>
+                                        <p:tgtEl>
+                                          <p:spTgt spid="13"/>
+                                        </p:tgtEl>
+                                        <p:attrNameLst>
+                                          <p:attrName>style.visibility</p:attrName>
+                                        </p:attrNameLst>
+                                      </p:cBhvr>
+                                      <p:to>
+                                        <p:strVal val="visible"/>
+                                      </p:to>
+                                    </p:set>
+                                  </p:childTnLst>
+                                </p:cTn>
+                              </p:par>
+                            </p:childTnLst>
+                          </p:cTn>
+                        </p:par>
+                      </p:childTnLst>
+                    </p:cTn>
+                  </p:par>
+                  <p:par>
+                    <p:cTn id="17" fill="hold">
+                      <p:stCondLst>
+                        <p:cond delay="indefinite"/>
+                      </p:stCondLst>
+                      <p:childTnLst>
+                        <p:par>
+                          <p:cTn id="18" fill="hold">
+                            <p:stCondLst>
+                              <p:cond delay="0"/>
+                            </p:stCondLst>
+                            <p:childTnLst>
+                              <p:par>
+                                <p:cTn id="19" presetID="1" presetClass="entr" presetSubtype="0" fill="hold" nodeType="clickEffect">
+                                  <p:stCondLst>
+                                    <p:cond delay="0"/>
+                                  </p:stCondLst>
+                                  <p:childTnLst>
+                                    <p:set>
+                                      <p:cBhvr>
+                                        <p:cTn id="20" dur="1" fill="hold">
+                                          <p:stCondLst>
+                                            <p:cond delay="0"/>
+                                          </p:stCondLst>
+                                        </p:cTn>
+                                        <p:tgtEl>
+                                          <p:spTgt spid="14"/>
+                                        </p:tgtEl>
+                                        <p:attrNameLst>
+                                          <p:attrName>style.visibility</p:attrName>
+                                        </p:attrNameLst>
+                                      </p:cBhvr>
+                                      <p:to>
+                                        <p:strVal val="visible"/>
+                                      </p:to>
+                                    </p:set>
+                                  </p:childTnLst>
+                                </p:cTn>
+                              </p:par>
+                            </p:childTnLst>
+                          </p:cTn>
+                        </p:par>
+                      </p:childTnLst>
+                    </p:cTn>
+                  </p:par>
+                </p:childTnLst>
+              </p:cTn>
+              <p:prevCondLst>
+                <p:cond evt="onPrev" delay="0">
+                  <p:tgtEl>
+                    <p:sldTgt/>
+                  </p:tgtEl>
+                </p:cond>
+              </p:prevCondLst>
+              <p:nextCondLst>
+                <p:cond evt="onNext" delay="0">
+                  <p:tgtEl>
+                    <p:sldTgt/>
+                  </p:tgtEl>
+                </p:cond>
+              </p:nextCondLst>
+            </p:seq>
+          </p:childTnLst>
+        </p:cTn>
+      </p:par>
+    </p:tnLst>
+    <p:bldLst>
+      <p:bldP spid="8" grpId="0" animBg="1"/>
+    </p:bldLst>
+  </p:timing>
+</p:sld>
+</file>
+
+<file path=ppt/slides/slide13.xml><?xml version="1.0" encoding="utf-8"?>
+<p:sld xmlns:a="http://schemas.openxmlformats.org/drawingml/2006/main" xmlns:r="http://schemas.openxmlformats.org/officeDocument/2006/relationships" xmlns:p="http://schemas.openxmlformats.org/presentationml/2006/main">
+  <p:cSld>
+    <p:spTree>
+      <p:nvGrpSpPr>
+        <p:cNvPr id="1" name=""/>
+        <p:cNvGrpSpPr/>
+        <p:nvPr/>
+      </p:nvGrpSpPr>
+      <p:grpSpPr>
+        <a:xfrm>
+          <a:off x="0" y="0"/>
+          <a:ext cx="0" cy="0"/>
+          <a:chOff x="0" y="0"/>
+          <a:chExt cx="0" cy="0"/>
+        </a:xfrm>
+      </p:grpSpPr>
       <p:sp>
         <p:nvSpPr>
           <p:cNvPr id="2" name="Title 1"/>
@@ -15824,7 +18617,7 @@
 </p:sld>
 </file>
 
-<file path=ppt/slides/slide11.xml><?xml version="1.0" encoding="utf-8"?>
+<file path=ppt/slides/slide14.xml><?xml version="1.0" encoding="utf-8"?>
 <p:sld xmlns:a="http://schemas.openxmlformats.org/drawingml/2006/main" xmlns:r="http://schemas.openxmlformats.org/officeDocument/2006/relationships" xmlns:p="http://schemas.openxmlformats.org/presentationml/2006/main">
   <p:cSld>
     <p:spTree>
@@ -16586,7 +19379,7 @@
 </p:sld>
 </file>
 
-<file path=ppt/slides/slide12.xml><?xml version="1.0" encoding="utf-8"?>
+<file path=ppt/slides/slide15.xml><?xml version="1.0" encoding="utf-8"?>
 <p:sld xmlns:a="http://schemas.openxmlformats.org/drawingml/2006/main" xmlns:r="http://schemas.openxmlformats.org/officeDocument/2006/relationships" xmlns:p="http://schemas.openxmlformats.org/presentationml/2006/main">
   <p:cSld>
     <p:spTree>
@@ -17918,7 +20711,7 @@
 </p:sld>
 </file>
 
-<file path=ppt/slides/slide13.xml><?xml version="1.0" encoding="utf-8"?>
+<file path=ppt/slides/slide16.xml><?xml version="1.0" encoding="utf-8"?>
 <p:sld xmlns:a="http://schemas.openxmlformats.org/drawingml/2006/main" xmlns:r="http://schemas.openxmlformats.org/officeDocument/2006/relationships" xmlns:p="http://schemas.openxmlformats.org/presentationml/2006/main">
   <p:cSld>
     <p:spTree>
@@ -19865,7 +22658,7 @@
 </p:sld>
 </file>
 
-<file path=ppt/slides/slide14.xml><?xml version="1.0" encoding="utf-8"?>
+<file path=ppt/slides/slide17.xml><?xml version="1.0" encoding="utf-8"?>
 <p:sld xmlns:a="http://schemas.openxmlformats.org/drawingml/2006/main" xmlns:r="http://schemas.openxmlformats.org/officeDocument/2006/relationships" xmlns:p="http://schemas.openxmlformats.org/presentationml/2006/main">
   <p:cSld>
     <p:spTree>
@@ -21086,7 +23879,7 @@
 </p:sld>
 </file>
 
-<file path=ppt/slides/slide15.xml><?xml version="1.0" encoding="utf-8"?>
+<file path=ppt/slides/slide18.xml><?xml version="1.0" encoding="utf-8"?>
 <p:sld xmlns:a="http://schemas.openxmlformats.org/drawingml/2006/main" xmlns:r="http://schemas.openxmlformats.org/officeDocument/2006/relationships" xmlns:p="http://schemas.openxmlformats.org/presentationml/2006/main">
   <p:cSld>
     <p:spTree>
@@ -21368,7 +24161,7 @@
 </p:sld>
 </file>
 
-<file path=ppt/slides/slide16.xml><?xml version="1.0" encoding="utf-8"?>
+<file path=ppt/slides/slide19.xml><?xml version="1.0" encoding="utf-8"?>
 <p:sld xmlns:a="http://schemas.openxmlformats.org/drawingml/2006/main" xmlns:r="http://schemas.openxmlformats.org/officeDocument/2006/relationships" xmlns:p="http://schemas.openxmlformats.org/presentationml/2006/main">
   <p:cSld>
     <p:spTree>
@@ -21700,142 +24493,192 @@
           </a:p>
         </p:txBody>
       </p:sp>
-      <p:sp>
-        <p:nvSpPr>
-          <p:cNvPr id="3" name="Content Placeholder 2"/>
-          <p:cNvSpPr>
-            <a:spLocks noGrp="1"/>
-          </p:cNvSpPr>
-          <p:nvPr>
-            <p:ph idx="1"/>
-          </p:nvPr>
+      <p:pic>
+        <p:nvPicPr>
+          <p:cNvPr id="5" name="Picture 6" descr="ttps://d0.awsstatic.com/product-marketing/Graphene/OrderFullScreen.jpg"/>
+          <p:cNvPicPr>
+            <a:picLocks noChangeAspect="1" noChangeArrowheads="1"/>
+          </p:cNvPicPr>
+          <p:nvPr/>
+        </p:nvPicPr>
+        <p:blipFill>
+          <a:blip r:embed="rId3">
+            <a:extLst>
+              <a:ext uri="{28A0092B-C50C-407E-A947-70E740481C1C}">
+                <a14:useLocalDpi xmlns:a14="http://schemas.microsoft.com/office/drawing/2010/main" val="0"/>
+              </a:ext>
+            </a:extLst>
+          </a:blip>
+          <a:srcRect/>
+          <a:stretch>
+            <a:fillRect/>
+          </a:stretch>
+        </p:blipFill>
+        <p:spPr bwMode="auto">
+          <a:xfrm>
+            <a:off x="8391574" y="3721673"/>
+            <a:ext cx="3800426" cy="1820404"/>
+          </a:xfrm>
+          <a:prstGeom prst="rect">
+            <a:avLst/>
+          </a:prstGeom>
+          <a:noFill/>
+          <a:extLst>
+            <a:ext uri="{909E8E84-426E-40DD-AFC4-6F175D3DCCD1}">
+              <a14:hiddenFill xmlns:a14="http://schemas.microsoft.com/office/drawing/2010/main">
+                <a:solidFill>
+                  <a:srgbClr val="FFFFFF"/>
+                </a:solidFill>
+              </a14:hiddenFill>
+            </a:ext>
+          </a:extLst>
+        </p:spPr>
+      </p:pic>
+      <p:sp>
+        <p:nvSpPr>
+          <p:cNvPr id="6" name="TextBox 5"/>
+          <p:cNvSpPr txBox="1"/>
+          <p:nvPr/>
         </p:nvSpPr>
         <p:spPr>
           <a:xfrm>
-            <a:off x="1154954" y="1859796"/>
-            <a:ext cx="10515270" cy="4175502"/>
-          </a:xfrm>
+            <a:off x="8391574" y="2851274"/>
+            <a:ext cx="3764966" cy="830997"/>
+          </a:xfrm>
+          <a:prstGeom prst="rect">
+            <a:avLst/>
+          </a:prstGeom>
+          <a:noFill/>
         </p:spPr>
         <p:txBody>
-          <a:bodyPr>
-            <a:normAutofit/>
+          <a:bodyPr wrap="square" rtlCol="0">
+            <a:spAutoFit/>
           </a:bodyPr>
           <a:lstStyle/>
           <a:p>
-            <a:r>
-              <a:rPr lang="en-US" sz="2800" dirty="0" err="1" smtClean="0"/>
-              <a:t>Basé</a:t>
-            </a:r>
-            <a:r>
-              <a:rPr lang="en-US" sz="2800" dirty="0" smtClean="0"/>
-              <a:t> sur les concepts de t</a:t>
-            </a:r>
-            <a:r>
-              <a:rPr lang="fr-FR" sz="2800" dirty="0" err="1" smtClean="0"/>
-              <a:t>âches</a:t>
-            </a:r>
-            <a:r>
-              <a:rPr lang="fr-FR" sz="2800" dirty="0" smtClean="0"/>
-              <a:t> et de state machines</a:t>
-            </a:r>
-          </a:p>
-          <a:p>
-            <a:endParaRPr lang="fr-FR" sz="2800" dirty="0" smtClean="0"/>
-          </a:p>
-          <a:p>
-            <a:r>
-              <a:rPr lang="en-US" sz="2800" dirty="0" err="1" smtClean="0"/>
-              <a:t>Une</a:t>
-            </a:r>
-            <a:r>
-              <a:rPr lang="en-US" sz="2800" dirty="0" smtClean="0"/>
-              <a:t> State </a:t>
-            </a:r>
-            <a:r>
-              <a:rPr lang="en-US" sz="2800" dirty="0"/>
-              <a:t>machines </a:t>
-            </a:r>
-            <a:r>
-              <a:rPr lang="en-US" sz="2800" dirty="0" err="1" smtClean="0"/>
-              <a:t>est</a:t>
-            </a:r>
-            <a:r>
-              <a:rPr lang="en-US" sz="2800" dirty="0" smtClean="0"/>
-              <a:t> </a:t>
-            </a:r>
-            <a:r>
-              <a:rPr lang="en-US" sz="2800" dirty="0" err="1" smtClean="0"/>
-              <a:t>définie</a:t>
-            </a:r>
-            <a:r>
-              <a:rPr lang="en-US" sz="2800" dirty="0" smtClean="0"/>
-              <a:t> avec un </a:t>
-            </a:r>
-            <a:r>
-              <a:rPr lang="en-US" sz="2800" dirty="0" err="1" smtClean="0"/>
-              <a:t>langage</a:t>
-            </a:r>
-            <a:r>
-              <a:rPr lang="en-US" sz="2800" dirty="0" smtClean="0"/>
-              <a:t> </a:t>
-            </a:r>
-            <a:r>
-              <a:rPr lang="en-US" sz="2800" dirty="0" err="1" smtClean="0"/>
-              <a:t>basé</a:t>
-            </a:r>
-            <a:r>
-              <a:rPr lang="en-US" sz="2800" dirty="0" smtClean="0"/>
-              <a:t> sur du JSON</a:t>
-            </a:r>
-          </a:p>
-          <a:p>
-            <a:endParaRPr lang="en-US" sz="2800" dirty="0"/>
-          </a:p>
-          <a:p>
-            <a:r>
-              <a:rPr lang="en-US" sz="2800" dirty="0" smtClean="0"/>
-              <a:t>La console AWS </a:t>
-            </a:r>
-            <a:r>
-              <a:rPr lang="en-US" sz="2800" dirty="0" err="1" smtClean="0"/>
-              <a:t>affiche</a:t>
-            </a:r>
-            <a:r>
-              <a:rPr lang="en-US" sz="2800" dirty="0" smtClean="0"/>
-              <a:t> </a:t>
-            </a:r>
-            <a:r>
-              <a:rPr lang="en-US" sz="2800" dirty="0" err="1" smtClean="0"/>
-              <a:t>une</a:t>
-            </a:r>
-            <a:r>
-              <a:rPr lang="en-US" sz="2800" dirty="0" smtClean="0"/>
-              <a:t> </a:t>
-            </a:r>
-            <a:r>
-              <a:rPr lang="en-US" sz="2800" dirty="0" err="1" smtClean="0"/>
-              <a:t>vue</a:t>
-            </a:r>
-            <a:r>
-              <a:rPr lang="en-US" sz="2800" dirty="0" smtClean="0"/>
-              <a:t> </a:t>
-            </a:r>
-            <a:r>
-              <a:rPr lang="en-US" sz="2800" dirty="0" err="1" smtClean="0"/>
-              <a:t>graphique</a:t>
-            </a:r>
-            <a:r>
-              <a:rPr lang="en-US" sz="2800" dirty="0" smtClean="0"/>
-              <a:t> des states machines</a:t>
-            </a:r>
-            <a:endParaRPr lang="fr-FR" sz="2800" dirty="0"/>
+            <a:pPr algn="ctr"/>
+            <a:r>
+              <a:rPr lang="fr-FR" sz="2400" b="1" dirty="0" smtClean="0"/>
+              <a:t>Monitoring des exécutions</a:t>
+            </a:r>
+            <a:endParaRPr lang="fr-FR" sz="2400" b="1" dirty="0"/>
+          </a:p>
+        </p:txBody>
+      </p:sp>
+      <p:pic>
+        <p:nvPicPr>
+          <p:cNvPr id="7" name="Picture 6"/>
+          <p:cNvPicPr>
+            <a:picLocks noChangeAspect="1"/>
+          </p:cNvPicPr>
+          <p:nvPr/>
+        </p:nvPicPr>
+        <p:blipFill>
+          <a:blip r:embed="rId4"/>
+          <a:stretch>
+            <a:fillRect/>
+          </a:stretch>
+        </p:blipFill>
+        <p:spPr>
+          <a:xfrm>
+            <a:off x="53533" y="3721673"/>
+            <a:ext cx="3399447" cy="1609766"/>
+          </a:xfrm>
+          <a:prstGeom prst="rect">
+            <a:avLst/>
+          </a:prstGeom>
+        </p:spPr>
+      </p:pic>
+      <p:sp>
+        <p:nvSpPr>
+          <p:cNvPr id="8" name="TextBox 7"/>
+          <p:cNvSpPr txBox="1"/>
+          <p:nvPr/>
+        </p:nvSpPr>
+        <p:spPr>
+          <a:xfrm>
+            <a:off x="53533" y="2832863"/>
+            <a:ext cx="3722820" cy="461665"/>
+          </a:xfrm>
+          <a:prstGeom prst="rect">
+            <a:avLst/>
+          </a:prstGeom>
+          <a:noFill/>
+        </p:spPr>
+        <p:txBody>
+          <a:bodyPr wrap="square" rtlCol="0">
+            <a:spAutoFit/>
+          </a:bodyPr>
+          <a:lstStyle/>
+          <a:p>
+            <a:pPr algn="ctr"/>
+            <a:r>
+              <a:rPr lang="fr-FR" sz="2400" b="1" dirty="0" smtClean="0"/>
+              <a:t>Description en JSON</a:t>
+            </a:r>
+            <a:endParaRPr lang="fr-FR" sz="2400" b="1" dirty="0"/>
+          </a:p>
+        </p:txBody>
+      </p:sp>
+      <p:pic>
+        <p:nvPicPr>
+          <p:cNvPr id="9" name="Picture 8"/>
+          <p:cNvPicPr>
+            <a:picLocks noChangeAspect="1"/>
+          </p:cNvPicPr>
+          <p:nvPr/>
+        </p:nvPicPr>
+        <p:blipFill>
+          <a:blip r:embed="rId5"/>
+          <a:stretch>
+            <a:fillRect/>
+          </a:stretch>
+        </p:blipFill>
+        <p:spPr>
+          <a:xfrm>
+            <a:off x="4430357" y="3721673"/>
+            <a:ext cx="2983840" cy="2471968"/>
+          </a:xfrm>
+          <a:prstGeom prst="rect">
+            <a:avLst/>
+          </a:prstGeom>
+        </p:spPr>
+      </p:pic>
+      <p:sp>
+        <p:nvSpPr>
+          <p:cNvPr id="10" name="TextBox 9"/>
+          <p:cNvSpPr txBox="1"/>
+          <p:nvPr/>
+        </p:nvSpPr>
+        <p:spPr>
+          <a:xfrm>
+            <a:off x="4096986" y="2832863"/>
+            <a:ext cx="3722820" cy="830997"/>
+          </a:xfrm>
+          <a:prstGeom prst="rect">
+            <a:avLst/>
+          </a:prstGeom>
+          <a:noFill/>
+        </p:spPr>
+        <p:txBody>
+          <a:bodyPr wrap="square" rtlCol="0">
+            <a:spAutoFit/>
+          </a:bodyPr>
+          <a:lstStyle/>
+          <a:p>
+            <a:pPr algn="ctr"/>
+            <a:r>
+              <a:rPr lang="fr-FR" sz="2400" b="1" dirty="0" smtClean="0"/>
+              <a:t>Visualisation dans la console</a:t>
+            </a:r>
+            <a:endParaRPr lang="fr-FR" sz="2400" b="1" dirty="0"/>
           </a:p>
         </p:txBody>
       </p:sp>
     </p:spTree>
     <p:extLst>
       <p:ext uri="{BB962C8B-B14F-4D97-AF65-F5344CB8AC3E}">
-        <p14:creationId xmlns:p14="http://schemas.microsoft.com/office/powerpoint/2010/main" val="1035434379"/>
+        <p14:creationId xmlns:p14="http://schemas.microsoft.com/office/powerpoint/2010/main" val="307030122"/>
       </p:ext>
     </p:extLst>
   </p:cSld>
@@ -22005,8 +24848,12 @@
               <a:t>Le service state machine doit pourvoir invoquer des </a:t>
             </a:r>
             <a:r>
+              <a:rPr lang="fr-FR" sz="2400" dirty="0" err="1"/>
+              <a:t>L</a:t>
+            </a:r>
+            <a:r>
               <a:rPr lang="fr-FR" sz="2400" dirty="0" err="1" smtClean="0"/>
-              <a:t>lambdas</a:t>
+              <a:t>ambdas</a:t>
             </a:r>
             <a:endParaRPr lang="fr-FR" sz="2400" dirty="0"/>
           </a:p>
@@ -22075,6 +24922,199 @@
       </p:grpSpPr>
       <p:sp>
         <p:nvSpPr>
+          <p:cNvPr id="2" name="Title 1"/>
+          <p:cNvSpPr>
+            <a:spLocks noGrp="1"/>
+          </p:cNvSpPr>
+          <p:nvPr>
+            <p:ph type="title"/>
+          </p:nvPr>
+        </p:nvSpPr>
+        <p:spPr/>
+        <p:txBody>
+          <a:bodyPr/>
+          <a:lstStyle/>
+          <a:p>
+            <a:r>
+              <a:rPr lang="fr-FR" dirty="0" smtClean="0"/>
+              <a:t>Quand utiliser </a:t>
+            </a:r>
+            <a:r>
+              <a:rPr lang="fr-FR" dirty="0" err="1" smtClean="0"/>
+              <a:t>Step</a:t>
+            </a:r>
+            <a:r>
+              <a:rPr lang="fr-FR" dirty="0" smtClean="0"/>
+              <a:t> </a:t>
+            </a:r>
+            <a:r>
+              <a:rPr lang="fr-FR" dirty="0" err="1" smtClean="0"/>
+              <a:t>Functions</a:t>
+            </a:r>
+            <a:r>
+              <a:rPr lang="fr-FR" dirty="0" smtClean="0"/>
+              <a:t>?</a:t>
+            </a:r>
+            <a:endParaRPr lang="fr-FR" dirty="0"/>
+          </a:p>
+        </p:txBody>
+      </p:sp>
+      <p:sp>
+        <p:nvSpPr>
+          <p:cNvPr id="5" name="Content Placeholder 4"/>
+          <p:cNvSpPr>
+            <a:spLocks noGrp="1"/>
+          </p:cNvSpPr>
+          <p:nvPr>
+            <p:ph sz="half" idx="1"/>
+          </p:nvPr>
+        </p:nvSpPr>
+        <p:spPr>
+          <a:xfrm>
+            <a:off x="596218" y="1847096"/>
+            <a:ext cx="10839719" cy="3900560"/>
+          </a:xfrm>
+        </p:spPr>
+        <p:txBody>
+          <a:bodyPr>
+            <a:noAutofit/>
+          </a:bodyPr>
+          <a:lstStyle/>
+          <a:p>
+            <a:pPr marL="0" indent="0" algn="ctr">
+              <a:lnSpc>
+                <a:spcPct val="150000"/>
+              </a:lnSpc>
+              <a:buNone/>
+            </a:pPr>
+            <a:r>
+              <a:rPr lang="fr-FR" sz="2400" dirty="0"/>
+              <a:t>Je veux séquencer un traitement en plusieurs fonctions</a:t>
+            </a:r>
+          </a:p>
+          <a:p>
+            <a:pPr marL="0" indent="0" algn="ctr">
+              <a:lnSpc>
+                <a:spcPct val="150000"/>
+              </a:lnSpc>
+              <a:buNone/>
+            </a:pPr>
+            <a:r>
+              <a:rPr lang="fr-FR" sz="2400" dirty="0" smtClean="0"/>
+              <a:t>Je veux lancer des fonctions en parallèle</a:t>
+            </a:r>
+          </a:p>
+          <a:p>
+            <a:pPr marL="0" indent="0" algn="ctr">
+              <a:lnSpc>
+                <a:spcPct val="150000"/>
+              </a:lnSpc>
+              <a:buNone/>
+            </a:pPr>
+            <a:r>
+              <a:rPr lang="fr-FR" sz="2400" dirty="0" smtClean="0"/>
+              <a:t>Je veux </a:t>
+            </a:r>
+            <a:r>
+              <a:rPr lang="fr-FR" sz="2400" dirty="0" err="1" smtClean="0"/>
+              <a:t>retry</a:t>
+            </a:r>
+            <a:r>
+              <a:rPr lang="fr-FR" sz="2400" dirty="0" smtClean="0"/>
+              <a:t> des fonctions</a:t>
+            </a:r>
+          </a:p>
+          <a:p>
+            <a:pPr marL="0" indent="0" algn="ctr">
+              <a:lnSpc>
+                <a:spcPct val="150000"/>
+              </a:lnSpc>
+              <a:buNone/>
+            </a:pPr>
+            <a:r>
+              <a:rPr lang="fr-FR" sz="2400" dirty="0" smtClean="0"/>
+              <a:t>Je veux </a:t>
+            </a:r>
+            <a:r>
+              <a:rPr lang="fr-FR" sz="2400" dirty="0" err="1" smtClean="0"/>
+              <a:t>try</a:t>
+            </a:r>
+            <a:r>
+              <a:rPr lang="fr-FR" sz="2400" dirty="0" smtClean="0"/>
+              <a:t>/catch/</a:t>
+            </a:r>
+            <a:r>
+              <a:rPr lang="fr-FR" sz="2400" dirty="0" err="1" smtClean="0"/>
+              <a:t>finally</a:t>
+            </a:r>
+            <a:endParaRPr lang="fr-FR" sz="2400" dirty="0" smtClean="0"/>
+          </a:p>
+          <a:p>
+            <a:pPr marL="0" indent="0" algn="ctr">
+              <a:lnSpc>
+                <a:spcPct val="150000"/>
+              </a:lnSpc>
+              <a:buNone/>
+            </a:pPr>
+            <a:r>
+              <a:rPr lang="fr-FR" sz="2400" dirty="0" smtClean="0"/>
+              <a:t>J’ai du code qui peut durer des heures</a:t>
+            </a:r>
+          </a:p>
+          <a:p>
+            <a:pPr marL="0" indent="0" algn="ctr">
+              <a:lnSpc>
+                <a:spcPct val="150000"/>
+              </a:lnSpc>
+              <a:buNone/>
+            </a:pPr>
+            <a:r>
+              <a:rPr lang="fr-FR" sz="2400" dirty="0" smtClean="0"/>
+              <a:t>Je veux sélectionner la fonction à exécuter en fonction des données</a:t>
+            </a:r>
+            <a:endParaRPr lang="fr-FR" sz="2400" dirty="0"/>
+          </a:p>
+        </p:txBody>
+      </p:sp>
+    </p:spTree>
+    <p:extLst>
+      <p:ext uri="{BB962C8B-B14F-4D97-AF65-F5344CB8AC3E}">
+        <p14:creationId xmlns:p14="http://schemas.microsoft.com/office/powerpoint/2010/main" val="919460901"/>
+      </p:ext>
+    </p:extLst>
+  </p:cSld>
+  <p:clrMapOvr>
+    <a:masterClrMapping/>
+  </p:clrMapOvr>
+  <p:timing>
+    <p:tnLst>
+      <p:par>
+        <p:cTn id="1" dur="indefinite" restart="never" nodeType="tmRoot"/>
+      </p:par>
+    </p:tnLst>
+  </p:timing>
+</p:sld>
+</file>
+
+<file path=ppt/slides/slide8.xml><?xml version="1.0" encoding="utf-8"?>
+<p:sld xmlns:a="http://schemas.openxmlformats.org/drawingml/2006/main" xmlns:r="http://schemas.openxmlformats.org/officeDocument/2006/relationships" xmlns:p="http://schemas.openxmlformats.org/presentationml/2006/main">
+  <p:cSld>
+    <p:spTree>
+      <p:nvGrpSpPr>
+        <p:cNvPr id="1" name=""/>
+        <p:cNvGrpSpPr/>
+        <p:nvPr/>
+      </p:nvGrpSpPr>
+      <p:grpSpPr>
+        <a:xfrm>
+          <a:off x="0" y="0"/>
+          <a:ext cx="0" cy="0"/>
+          <a:chOff x="0" y="0"/>
+          <a:chExt cx="0" cy="0"/>
+        </a:xfrm>
+      </p:grpSpPr>
+      <p:sp>
+        <p:nvSpPr>
           <p:cNvPr id="53" name="Rectangle 52"/>
           <p:cNvSpPr/>
           <p:nvPr/>
@@ -22939,191 +25979,6 @@
 </p:sld>
 </file>
 
-<file path=ppt/slides/slide8.xml><?xml version="1.0" encoding="utf-8"?>
-<p:sld xmlns:a="http://schemas.openxmlformats.org/drawingml/2006/main" xmlns:r="http://schemas.openxmlformats.org/officeDocument/2006/relationships" xmlns:p="http://schemas.openxmlformats.org/presentationml/2006/main">
-  <p:cSld>
-    <p:spTree>
-      <p:nvGrpSpPr>
-        <p:cNvPr id="1" name=""/>
-        <p:cNvGrpSpPr/>
-        <p:nvPr/>
-      </p:nvGrpSpPr>
-      <p:grpSpPr>
-        <a:xfrm>
-          <a:off x="0" y="0"/>
-          <a:ext cx="0" cy="0"/>
-          <a:chOff x="0" y="0"/>
-          <a:chExt cx="0" cy="0"/>
-        </a:xfrm>
-      </p:grpSpPr>
-      <p:sp>
-        <p:nvSpPr>
-          <p:cNvPr id="2" name="Title 1"/>
-          <p:cNvSpPr>
-            <a:spLocks noGrp="1"/>
-          </p:cNvSpPr>
-          <p:nvPr>
-            <p:ph type="title"/>
-          </p:nvPr>
-        </p:nvSpPr>
-        <p:spPr/>
-        <p:txBody>
-          <a:bodyPr/>
-          <a:lstStyle/>
-          <a:p>
-            <a:r>
-              <a:rPr lang="fr-FR" dirty="0" err="1" smtClean="0"/>
-              <a:t>Task</a:t>
-            </a:r>
-            <a:endParaRPr lang="fr-FR" dirty="0"/>
-          </a:p>
-        </p:txBody>
-      </p:sp>
-      <p:sp>
-        <p:nvSpPr>
-          <p:cNvPr id="4" name="Text Placeholder 3"/>
-          <p:cNvSpPr>
-            <a:spLocks noGrp="1"/>
-          </p:cNvSpPr>
-          <p:nvPr>
-            <p:ph type="body" idx="1"/>
-          </p:nvPr>
-        </p:nvSpPr>
-        <p:spPr/>
-        <p:txBody>
-          <a:bodyPr/>
-          <a:lstStyle/>
-          <a:p>
-            <a:r>
-              <a:rPr lang="fr-FR" dirty="0" smtClean="0"/>
-              <a:t>Lambda</a:t>
-            </a:r>
-            <a:endParaRPr lang="fr-FR" dirty="0"/>
-          </a:p>
-        </p:txBody>
-      </p:sp>
-      <p:sp>
-        <p:nvSpPr>
-          <p:cNvPr id="3" name="Content Placeholder 2"/>
-          <p:cNvSpPr>
-            <a:spLocks noGrp="1"/>
-          </p:cNvSpPr>
-          <p:nvPr>
-            <p:ph sz="half" idx="2"/>
-          </p:nvPr>
-        </p:nvSpPr>
-        <p:spPr/>
-        <p:txBody>
-          <a:bodyPr/>
-          <a:lstStyle/>
-          <a:p>
-            <a:r>
-              <a:rPr lang="fr-FR" dirty="0"/>
-              <a:t>Pas d’infra à </a:t>
-            </a:r>
-            <a:r>
-              <a:rPr lang="fr-FR" dirty="0" smtClean="0"/>
-              <a:t>gérer</a:t>
-            </a:r>
-          </a:p>
-          <a:p>
-            <a:r>
-              <a:rPr lang="fr-FR" dirty="0" smtClean="0"/>
-              <a:t>Focus sur le code métier</a:t>
-            </a:r>
-          </a:p>
-          <a:p>
-            <a:r>
-              <a:rPr lang="fr-FR" dirty="0" smtClean="0"/>
-              <a:t>Composer avec les limitations du services</a:t>
-            </a:r>
-          </a:p>
-          <a:p>
-            <a:pPr lvl="1"/>
-            <a:r>
-              <a:rPr lang="fr-FR" dirty="0" smtClean="0"/>
-              <a:t>5 minutes d’exécution</a:t>
-            </a:r>
-          </a:p>
-          <a:p>
-            <a:pPr lvl="1"/>
-            <a:r>
-              <a:rPr lang="fr-FR" dirty="0" smtClean="0"/>
-              <a:t>Pas de système de fichier (512 mo dans /</a:t>
-            </a:r>
-            <a:r>
-              <a:rPr lang="fr-FR" dirty="0" err="1" smtClean="0"/>
-              <a:t>tmp</a:t>
-            </a:r>
-            <a:r>
-              <a:rPr lang="fr-FR" dirty="0" smtClean="0"/>
-              <a:t>)</a:t>
-            </a:r>
-          </a:p>
-        </p:txBody>
-      </p:sp>
-      <p:sp>
-        <p:nvSpPr>
-          <p:cNvPr id="5" name="Text Placeholder 4"/>
-          <p:cNvSpPr>
-            <a:spLocks noGrp="1"/>
-          </p:cNvSpPr>
-          <p:nvPr>
-            <p:ph type="body" sz="quarter" idx="3"/>
-          </p:nvPr>
-        </p:nvSpPr>
-        <p:spPr/>
-        <p:txBody>
-          <a:bodyPr/>
-          <a:lstStyle/>
-          <a:p>
-            <a:r>
-              <a:rPr lang="fr-FR" dirty="0" smtClean="0"/>
-              <a:t>Activité</a:t>
-            </a:r>
-            <a:endParaRPr lang="fr-FR" dirty="0"/>
-          </a:p>
-        </p:txBody>
-      </p:sp>
-      <p:sp>
-        <p:nvSpPr>
-          <p:cNvPr id="6" name="Content Placeholder 5"/>
-          <p:cNvSpPr>
-            <a:spLocks noGrp="1"/>
-          </p:cNvSpPr>
-          <p:nvPr>
-            <p:ph sz="quarter" idx="4"/>
-          </p:nvPr>
-        </p:nvSpPr>
-        <p:spPr/>
-        <p:txBody>
-          <a:bodyPr/>
-          <a:lstStyle/>
-          <a:p>
-            <a:endParaRPr lang="fr-FR"/>
-          </a:p>
-        </p:txBody>
-      </p:sp>
-    </p:spTree>
-    <p:extLst>
-      <p:ext uri="{BB962C8B-B14F-4D97-AF65-F5344CB8AC3E}">
-        <p14:creationId xmlns:p14="http://schemas.microsoft.com/office/powerpoint/2010/main" val="1283116863"/>
-      </p:ext>
-    </p:extLst>
-  </p:cSld>
-  <p:clrMapOvr>
-    <a:masterClrMapping/>
-  </p:clrMapOvr>
-  <p:timing>
-    <p:tnLst>
-      <p:par>
-        <p:cTn id="1" dur="indefinite" restart="never" nodeType="tmRoot"/>
-      </p:par>
-    </p:tnLst>
-  </p:timing>
-</p:sld>
-</file>
-
 <file path=ppt/slides/slide9.xml><?xml version="1.0" encoding="utf-8"?>
 <p:sld xmlns:a="http://schemas.openxmlformats.org/drawingml/2006/main" xmlns:r="http://schemas.openxmlformats.org/officeDocument/2006/relationships" xmlns:p="http://schemas.openxmlformats.org/presentationml/2006/main">
   <p:cSld>
@@ -23157,24 +26012,36 @@
           <a:lstStyle/>
           <a:p>
             <a:r>
-              <a:rPr lang="en-US" smtClean="0"/>
-              <a:t>Amazon </a:t>
-            </a:r>
-            <a:r>
-              <a:rPr lang="en-US"/>
-              <a:t>States </a:t>
-            </a:r>
-            <a:r>
-              <a:rPr lang="en-US" smtClean="0"/>
-              <a:t>Language </a:t>
-            </a:r>
-            <a:r>
-              <a:rPr lang="fr-FR" smtClean="0"/>
-              <a:t>: </a:t>
-            </a:r>
-            <a:r>
               <a:rPr lang="fr-FR" dirty="0" err="1" smtClean="0"/>
-              <a:t>retry</a:t>
+              <a:t>Task</a:t>
+            </a:r>
+            <a:endParaRPr lang="fr-FR" dirty="0"/>
+          </a:p>
+        </p:txBody>
+      </p:sp>
+      <p:sp>
+        <p:nvSpPr>
+          <p:cNvPr id="4" name="Text Placeholder 3"/>
+          <p:cNvSpPr>
+            <a:spLocks noGrp="1"/>
+          </p:cNvSpPr>
+          <p:nvPr>
+            <p:ph type="body" idx="1"/>
+          </p:nvPr>
+        </p:nvSpPr>
+        <p:spPr>
+          <a:xfrm>
+            <a:off x="1154954" y="1997858"/>
+            <a:ext cx="4825157" cy="576262"/>
+          </a:xfrm>
+        </p:spPr>
+        <p:txBody>
+          <a:bodyPr/>
+          <a:lstStyle/>
+          <a:p>
+            <a:r>
+              <a:rPr lang="fr-FR" dirty="0" smtClean="0"/>
+              <a:t>Lambda</a:t>
             </a:r>
             <a:endParaRPr lang="fr-FR" dirty="0"/>
           </a:p>
@@ -23187,14 +26054,143 @@
             <a:spLocks noGrp="1"/>
           </p:cNvSpPr>
           <p:nvPr>
-            <p:ph idx="1"/>
+            <p:ph sz="half" idx="2"/>
           </p:nvPr>
         </p:nvSpPr>
-        <p:spPr/>
+        <p:spPr>
+          <a:xfrm>
+            <a:off x="1154954" y="2574120"/>
+            <a:ext cx="4825158" cy="2840039"/>
+          </a:xfrm>
+        </p:spPr>
         <p:txBody>
           <a:bodyPr/>
           <a:lstStyle/>
           <a:p>
+            <a:r>
+              <a:rPr lang="fr-FR" dirty="0"/>
+              <a:t>Pas d’infra à </a:t>
+            </a:r>
+            <a:r>
+              <a:rPr lang="fr-FR" dirty="0" smtClean="0"/>
+              <a:t>gérer</a:t>
+            </a:r>
+          </a:p>
+          <a:p>
+            <a:r>
+              <a:rPr lang="fr-FR" dirty="0" smtClean="0"/>
+              <a:t>Focus sur le code métier</a:t>
+            </a:r>
+          </a:p>
+          <a:p>
+            <a:r>
+              <a:rPr lang="fr-FR" dirty="0" smtClean="0"/>
+              <a:t>Composer avec les limitations du services</a:t>
+            </a:r>
+          </a:p>
+          <a:p>
+            <a:pPr lvl="1"/>
+            <a:r>
+              <a:rPr lang="fr-FR" dirty="0" smtClean="0"/>
+              <a:t>5 minutes d’exécution</a:t>
+            </a:r>
+          </a:p>
+          <a:p>
+            <a:pPr lvl="1"/>
+            <a:r>
+              <a:rPr lang="fr-FR" dirty="0" smtClean="0"/>
+              <a:t>Pas de système de fichier (512 mo dans /</a:t>
+            </a:r>
+            <a:r>
+              <a:rPr lang="fr-FR" dirty="0" err="1" smtClean="0"/>
+              <a:t>tmp</a:t>
+            </a:r>
+            <a:r>
+              <a:rPr lang="fr-FR" dirty="0" smtClean="0"/>
+              <a:t>)</a:t>
+            </a:r>
+          </a:p>
+        </p:txBody>
+      </p:sp>
+      <p:sp>
+        <p:nvSpPr>
+          <p:cNvPr id="5" name="Text Placeholder 4"/>
+          <p:cNvSpPr>
+            <a:spLocks noGrp="1"/>
+          </p:cNvSpPr>
+          <p:nvPr>
+            <p:ph type="body" sz="quarter" idx="3"/>
+          </p:nvPr>
+        </p:nvSpPr>
+        <p:spPr>
+          <a:xfrm>
+            <a:off x="6208712" y="1997858"/>
+            <a:ext cx="4825159" cy="576262"/>
+          </a:xfrm>
+        </p:spPr>
+        <p:txBody>
+          <a:bodyPr/>
+          <a:lstStyle/>
+          <a:p>
+            <a:r>
+              <a:rPr lang="fr-FR" dirty="0" smtClean="0"/>
+              <a:t>Activité</a:t>
+            </a:r>
+            <a:endParaRPr lang="fr-FR" dirty="0"/>
+          </a:p>
+        </p:txBody>
+      </p:sp>
+      <p:sp>
+        <p:nvSpPr>
+          <p:cNvPr id="6" name="Content Placeholder 5"/>
+          <p:cNvSpPr>
+            <a:spLocks noGrp="1"/>
+          </p:cNvSpPr>
+          <p:nvPr>
+            <p:ph sz="quarter" idx="4"/>
+          </p:nvPr>
+        </p:nvSpPr>
+        <p:spPr>
+          <a:xfrm>
+            <a:off x="6208712" y="2574120"/>
+            <a:ext cx="5440982" cy="2840039"/>
+          </a:xfrm>
+        </p:spPr>
+        <p:txBody>
+          <a:bodyPr/>
+          <a:lstStyle/>
+          <a:p>
+            <a:r>
+              <a:rPr lang="fr-FR" dirty="0" smtClean="0"/>
+              <a:t>N’importe quel code dans n’importe quel langage</a:t>
+            </a:r>
+          </a:p>
+          <a:p>
+            <a:r>
+              <a:rPr lang="fr-FR" dirty="0" smtClean="0"/>
+              <a:t>Dans le cloud ou on </a:t>
+            </a:r>
+            <a:r>
+              <a:rPr lang="fr-FR" dirty="0" err="1" smtClean="0"/>
+              <a:t>premise</a:t>
+            </a:r>
+            <a:endParaRPr lang="fr-FR" dirty="0" smtClean="0"/>
+          </a:p>
+          <a:p>
+            <a:r>
+              <a:rPr lang="fr-FR" dirty="0" smtClean="0"/>
+              <a:t>Même une activité humaine</a:t>
+            </a:r>
+          </a:p>
+          <a:p>
+            <a:r>
+              <a:rPr lang="fr-FR" dirty="0" smtClean="0"/>
+              <a:t>Polling de l’API </a:t>
+            </a:r>
+            <a:r>
+              <a:rPr lang="fr-FR" dirty="0" err="1" smtClean="0"/>
+              <a:t>StepFunctions</a:t>
+            </a:r>
             <a:endParaRPr lang="fr-FR" dirty="0"/>
           </a:p>
         </p:txBody>
@@ -23202,7 +26198,7 @@
     </p:spTree>
     <p:extLst>
       <p:ext uri="{BB962C8B-B14F-4D97-AF65-F5344CB8AC3E}">
-        <p14:creationId xmlns:p14="http://schemas.microsoft.com/office/powerpoint/2010/main" val="1251089468"/>
+        <p14:creationId xmlns:p14="http://schemas.microsoft.com/office/powerpoint/2010/main" val="1283116863"/>
       </p:ext>
     </p:extLst>
   </p:cSld>

--- a/xke-stepfunctions.pptx
+++ b/xke-stepfunctions.pptx
@@ -2874,280 +2874,22 @@
           <a:lstStyle/>
           <a:p>
             <a:r>
-              <a:rPr lang="en-US" dirty="0" smtClean="0"/>
-              <a:t>Un flux de travail </a:t>
-            </a:r>
-            <a:r>
-              <a:rPr lang="en-US" dirty="0" err="1" smtClean="0"/>
-              <a:t>d'application</a:t>
-            </a:r>
-            <a:r>
-              <a:rPr lang="en-US" dirty="0" smtClean="0"/>
-              <a:t> avec </a:t>
-            </a:r>
-            <a:r>
-              <a:rPr lang="en-US" dirty="0" err="1" smtClean="0"/>
-              <a:t>deux</a:t>
-            </a:r>
-            <a:r>
-              <a:rPr lang="en-US" dirty="0" smtClean="0"/>
-              <a:t> </a:t>
-            </a:r>
-            <a:r>
-              <a:rPr lang="en-US" dirty="0" err="1" smtClean="0"/>
-              <a:t>étapes</a:t>
-            </a:r>
-            <a:r>
-              <a:rPr lang="en-US" dirty="0" smtClean="0"/>
-              <a:t> </a:t>
-            </a:r>
-            <a:r>
-              <a:rPr lang="en-US" dirty="0" err="1" smtClean="0"/>
-              <a:t>requiert</a:t>
-            </a:r>
-            <a:r>
-              <a:rPr lang="en-US" dirty="0" smtClean="0"/>
-              <a:t> trois </a:t>
-            </a:r>
-            <a:r>
-              <a:rPr lang="en-US" dirty="0" err="1" smtClean="0"/>
-              <a:t>changements</a:t>
-            </a:r>
-            <a:r>
-              <a:rPr lang="en-US" dirty="0" smtClean="0"/>
-              <a:t> d'état, </a:t>
-            </a:r>
-            <a:r>
-              <a:rPr lang="en-US" dirty="0" err="1" smtClean="0"/>
-              <a:t>déterminés</a:t>
-            </a:r>
-            <a:r>
-              <a:rPr lang="en-US" dirty="0" smtClean="0"/>
-              <a:t> </a:t>
-            </a:r>
-            <a:r>
-              <a:rPr lang="en-US" dirty="0" err="1" smtClean="0"/>
-              <a:t>en</a:t>
-            </a:r>
-            <a:r>
-              <a:rPr lang="en-US" dirty="0" smtClean="0"/>
-              <a:t> </a:t>
-            </a:r>
-            <a:r>
-              <a:rPr lang="en-US" dirty="0" err="1" smtClean="0"/>
-              <a:t>comptant</a:t>
-            </a:r>
-            <a:r>
-              <a:rPr lang="en-US" dirty="0" smtClean="0"/>
-              <a:t> les </a:t>
-            </a:r>
-            <a:r>
-              <a:rPr lang="en-US" dirty="0" err="1" smtClean="0"/>
-              <a:t>flèches</a:t>
-            </a:r>
-            <a:r>
-              <a:rPr lang="en-US" dirty="0" smtClean="0"/>
-              <a:t> (</a:t>
-            </a:r>
-            <a:r>
-              <a:rPr lang="en-US" dirty="0" err="1" smtClean="0"/>
-              <a:t>ou</a:t>
-            </a:r>
-            <a:r>
-              <a:rPr lang="en-US" dirty="0" smtClean="0"/>
-              <a:t> les arcs) sur le </a:t>
-            </a:r>
-            <a:r>
-              <a:rPr lang="en-US" dirty="0" err="1" smtClean="0"/>
-              <a:t>graphique</a:t>
-            </a:r>
-            <a:r>
-              <a:rPr lang="en-US" dirty="0" smtClean="0"/>
-              <a:t> : </a:t>
-            </a:r>
-            <a:r>
-              <a:rPr lang="en-US" dirty="0" err="1" smtClean="0"/>
-              <a:t>une</a:t>
-            </a:r>
-            <a:r>
-              <a:rPr lang="en-US" dirty="0" smtClean="0"/>
-              <a:t> transition du </a:t>
-            </a:r>
-            <a:r>
-              <a:rPr lang="en-US" i="1" dirty="0" smtClean="0"/>
-              <a:t>début</a:t>
-            </a:r>
-            <a:r>
-              <a:rPr lang="en-US" dirty="0" smtClean="0"/>
-              <a:t> du flux de travail </a:t>
-            </a:r>
-            <a:r>
-              <a:rPr lang="en-US" dirty="0" err="1" smtClean="0"/>
-              <a:t>vers</a:t>
-            </a:r>
-            <a:r>
-              <a:rPr lang="en-US" dirty="0" smtClean="0"/>
-              <a:t> </a:t>
-            </a:r>
-            <a:r>
-              <a:rPr lang="en-US" dirty="0" err="1" smtClean="0"/>
-              <a:t>l'étape</a:t>
-            </a:r>
-            <a:r>
-              <a:rPr lang="en-US" dirty="0" smtClean="0"/>
-              <a:t> du </a:t>
-            </a:r>
-            <a:r>
-              <a:rPr lang="en-US" i="1" dirty="0" err="1" smtClean="0"/>
-              <a:t>téléchargement</a:t>
-            </a:r>
-            <a:r>
-              <a:rPr lang="en-US" i="1" dirty="0" smtClean="0"/>
-              <a:t> du </a:t>
-            </a:r>
-            <a:r>
-              <a:rPr lang="en-US" i="1" dirty="0" err="1" smtClean="0"/>
-              <a:t>fichier</a:t>
-            </a:r>
-            <a:r>
-              <a:rPr lang="en-US" i="1" dirty="0" smtClean="0"/>
-              <a:t> RAW</a:t>
-            </a:r>
-            <a:r>
-              <a:rPr lang="en-US" dirty="0" smtClean="0"/>
-              <a:t>, </a:t>
-            </a:r>
-            <a:r>
-              <a:rPr lang="en-US" dirty="0" err="1" smtClean="0"/>
-              <a:t>une</a:t>
-            </a:r>
-            <a:r>
-              <a:rPr lang="en-US" dirty="0" smtClean="0"/>
-              <a:t> de </a:t>
-            </a:r>
-            <a:r>
-              <a:rPr lang="en-US" dirty="0" err="1" smtClean="0"/>
-              <a:t>l'étape</a:t>
-            </a:r>
-            <a:r>
-              <a:rPr lang="en-US" dirty="0" smtClean="0"/>
-              <a:t> du </a:t>
-            </a:r>
-            <a:r>
-              <a:rPr lang="en-US" i="1" dirty="0" err="1" smtClean="0"/>
-              <a:t>téléchargement</a:t>
-            </a:r>
-            <a:r>
-              <a:rPr lang="en-US" i="1" dirty="0" smtClean="0"/>
-              <a:t> du </a:t>
-            </a:r>
-            <a:r>
-              <a:rPr lang="en-US" i="1" dirty="0" err="1" smtClean="0"/>
-              <a:t>fichier</a:t>
-            </a:r>
-            <a:r>
-              <a:rPr lang="en-US" i="1" dirty="0" smtClean="0"/>
-              <a:t> RAW</a:t>
-            </a:r>
-            <a:r>
-              <a:rPr lang="en-US" dirty="0" smtClean="0"/>
-              <a:t> </a:t>
-            </a:r>
-            <a:r>
-              <a:rPr lang="en-US" dirty="0" err="1" smtClean="0"/>
-              <a:t>à</a:t>
-            </a:r>
-            <a:r>
-              <a:rPr lang="en-US" dirty="0" smtClean="0"/>
-              <a:t> </a:t>
-            </a:r>
-            <a:r>
-              <a:rPr lang="en-US" dirty="0" err="1" smtClean="0"/>
-              <a:t>l'étape</a:t>
-            </a:r>
-            <a:r>
-              <a:rPr lang="en-US" dirty="0" smtClean="0"/>
-              <a:t> de </a:t>
-            </a:r>
-            <a:r>
-              <a:rPr lang="en-US" i="1" dirty="0" smtClean="0"/>
-              <a:t>suppression du </a:t>
-            </a:r>
-            <a:r>
-              <a:rPr lang="en-US" i="1" dirty="0" err="1" smtClean="0"/>
-              <a:t>fichier</a:t>
-            </a:r>
-            <a:r>
-              <a:rPr lang="en-US" i="1" dirty="0" smtClean="0"/>
-              <a:t> RAW</a:t>
-            </a:r>
-            <a:r>
-              <a:rPr lang="en-US" dirty="0" smtClean="0"/>
-              <a:t> et </a:t>
-            </a:r>
-            <a:r>
-              <a:rPr lang="en-US" dirty="0" err="1" smtClean="0"/>
-              <a:t>une</a:t>
-            </a:r>
-            <a:r>
-              <a:rPr lang="en-US" dirty="0" smtClean="0"/>
-              <a:t> </a:t>
-            </a:r>
-            <a:r>
-              <a:rPr lang="en-US" dirty="0" err="1" smtClean="0"/>
-              <a:t>dernière</a:t>
-            </a:r>
-            <a:r>
-              <a:rPr lang="en-US" dirty="0" smtClean="0"/>
-              <a:t> de </a:t>
-            </a:r>
-            <a:r>
-              <a:rPr lang="en-US" dirty="0" err="1" smtClean="0"/>
-              <a:t>l'étape</a:t>
-            </a:r>
-            <a:r>
-              <a:rPr lang="en-US" dirty="0" smtClean="0"/>
-              <a:t> de </a:t>
-            </a:r>
-            <a:r>
-              <a:rPr lang="en-US" i="1" dirty="0" smtClean="0"/>
-              <a:t>suppression de </a:t>
-            </a:r>
-            <a:r>
-              <a:rPr lang="en-US" i="1" dirty="0" err="1" smtClean="0"/>
-              <a:t>fichier</a:t>
-            </a:r>
-            <a:r>
-              <a:rPr lang="en-US" i="1" dirty="0" smtClean="0"/>
-              <a:t> RAW</a:t>
-            </a:r>
-            <a:r>
-              <a:rPr lang="en-US" dirty="0" smtClean="0"/>
-              <a:t> </a:t>
-            </a:r>
-            <a:r>
-              <a:rPr lang="en-US" dirty="0" err="1" smtClean="0"/>
-              <a:t>à</a:t>
-            </a:r>
-            <a:r>
-              <a:rPr lang="en-US" dirty="0" smtClean="0"/>
-              <a:t> la </a:t>
-            </a:r>
-            <a:r>
-              <a:rPr lang="en-US" i="1" dirty="0" smtClean="0"/>
-              <a:t>fin</a:t>
-            </a:r>
-            <a:r>
-              <a:rPr lang="en-US" dirty="0" smtClean="0"/>
-              <a:t> du flux de travail de </a:t>
-            </a:r>
-            <a:r>
-              <a:rPr lang="en-US" dirty="0" err="1" smtClean="0"/>
-              <a:t>votre</a:t>
-            </a:r>
-            <a:r>
-              <a:rPr lang="en-US" dirty="0" smtClean="0"/>
-              <a:t> application.</a:t>
+              <a:rPr lang="fr-FR" dirty="0" smtClean="0"/>
+              <a:t>200 000 conversions * 4 changements</a:t>
+            </a:r>
+            <a:r>
+              <a:rPr lang="fr-FR" baseline="0" dirty="0" smtClean="0"/>
+              <a:t> d’états = 800 000 transitions</a:t>
+            </a:r>
+          </a:p>
+          <a:p>
+            <a:r>
+              <a:rPr lang="fr-FR" baseline="0" dirty="0" smtClean="0"/>
+              <a:t>800 000 * </a:t>
+            </a:r>
+            <a:r>
+              <a:rPr lang="en-US" baseline="0" dirty="0" smtClean="0"/>
+              <a:t>0,000025 = 20$</a:t>
             </a:r>
             <a:endParaRPr lang="fr-FR" dirty="0"/>
           </a:p>
@@ -24271,11 +24013,7 @@
           <a:p>
             <a:r>
               <a:rPr lang="fr-FR" dirty="0" smtClean="0"/>
-              <a:t>DEMO : Activité</a:t>
-            </a:r>
-            <a:r>
-              <a:rPr lang="fr-FR" smtClean="0"/>
-              <a:t>, Lambda, Catch</a:t>
+              <a:t>DEMO : Activité, Lambda, Catch</a:t>
             </a:r>
             <a:endParaRPr lang="fr-FR" dirty="0"/>
           </a:p>
@@ -30559,8 +30297,8 @@
           <a:lstStyle/>
           <a:p>
             <a:r>
-              <a:rPr lang="fr-FR" dirty="0" err="1" smtClean="0"/>
-              <a:t>Princing</a:t>
+              <a:rPr lang="fr-FR" dirty="0" smtClean="0"/>
+              <a:t>Pricing</a:t>
             </a:r>
             <a:endParaRPr lang="fr-FR" dirty="0"/>
           </a:p>
@@ -30578,7 +30316,7 @@
         </p:nvSpPr>
         <p:spPr>
           <a:xfrm>
-            <a:off x="1154953" y="2603500"/>
+            <a:off x="135466" y="1861999"/>
             <a:ext cx="5602307" cy="3416301"/>
           </a:xfrm>
         </p:spPr>
@@ -30702,7 +30440,7 @@
       </p:sp>
       <p:pic>
         <p:nvPicPr>
-          <p:cNvPr id="7170" name="Picture 2" descr="ttps://d0.awsstatic.com/product-marketing/Graphene/sequential_steps_revised65.jpg"/>
+          <p:cNvPr id="2050" name="Picture 2" descr="pplication_avec_plusieurs_chemins"/>
           <p:cNvPicPr>
             <a:picLocks noChangeAspect="1" noChangeArrowheads="1"/>
           </p:cNvPicPr>
@@ -30723,8 +30461,8 @@
         </p:blipFill>
         <p:spPr bwMode="auto">
           <a:xfrm>
-            <a:off x="7726432" y="2588002"/>
-            <a:ext cx="2105025" cy="3086100"/>
+            <a:off x="5666626" y="1191098"/>
+            <a:ext cx="6525374" cy="3747444"/>
           </a:xfrm>
           <a:prstGeom prst="rect">
             <a:avLst/>
@@ -30743,14 +30481,2216 @@
       </p:pic>
       <p:sp>
         <p:nvSpPr>
-          <p:cNvPr id="6" name="TextBox 5"/>
+          <p:cNvPr id="10" name="Freeform 9"/>
+          <p:cNvSpPr/>
+          <p:nvPr/>
+        </p:nvSpPr>
+        <p:spPr>
+          <a:xfrm>
+            <a:off x="6388768" y="2519057"/>
+            <a:ext cx="926432" cy="276727"/>
+          </a:xfrm>
+          <a:custGeom>
+            <a:avLst/>
+            <a:gdLst>
+              <a:gd name="connsiteX0" fmla="*/ 926432 w 926432"/>
+              <a:gd name="connsiteY0" fmla="*/ 0 h 276727"/>
+              <a:gd name="connsiteX1" fmla="*/ 312821 w 926432"/>
+              <a:gd name="connsiteY1" fmla="*/ 132348 h 276727"/>
+              <a:gd name="connsiteX2" fmla="*/ 108285 w 926432"/>
+              <a:gd name="connsiteY2" fmla="*/ 204537 h 276727"/>
+              <a:gd name="connsiteX3" fmla="*/ 0 w 926432"/>
+              <a:gd name="connsiteY3" fmla="*/ 276727 h 276727"/>
+            </a:gdLst>
+            <a:ahLst/>
+            <a:cxnLst>
+              <a:cxn ang="0">
+                <a:pos x="connsiteX0" y="connsiteY0"/>
+              </a:cxn>
+              <a:cxn ang="0">
+                <a:pos x="connsiteX1" y="connsiteY1"/>
+              </a:cxn>
+              <a:cxn ang="0">
+                <a:pos x="connsiteX2" y="connsiteY2"/>
+              </a:cxn>
+              <a:cxn ang="0">
+                <a:pos x="connsiteX3" y="connsiteY3"/>
+              </a:cxn>
+            </a:cxnLst>
+            <a:rect l="l" t="t" r="r" b="b"/>
+            <a:pathLst>
+              <a:path w="926432" h="276727">
+                <a:moveTo>
+                  <a:pt x="926432" y="0"/>
+                </a:moveTo>
+                <a:lnTo>
+                  <a:pt x="312821" y="132348"/>
+                </a:lnTo>
+                <a:cubicBezTo>
+                  <a:pt x="176463" y="166437"/>
+                  <a:pt x="160422" y="180474"/>
+                  <a:pt x="108285" y="204537"/>
+                </a:cubicBezTo>
+                <a:cubicBezTo>
+                  <a:pt x="56148" y="228600"/>
+                  <a:pt x="0" y="276727"/>
+                  <a:pt x="0" y="276727"/>
+                </a:cubicBezTo>
+              </a:path>
+            </a:pathLst>
+          </a:custGeom>
+          <a:noFill/>
+          <a:ln w="38100">
+            <a:solidFill>
+              <a:srgbClr val="00B050"/>
+            </a:solidFill>
+          </a:ln>
+        </p:spPr>
+        <p:style>
+          <a:lnRef idx="2">
+            <a:schemeClr val="accent1">
+              <a:shade val="50000"/>
+            </a:schemeClr>
+          </a:lnRef>
+          <a:fillRef idx="1">
+            <a:schemeClr val="accent1"/>
+          </a:fillRef>
+          <a:effectRef idx="0">
+            <a:schemeClr val="accent1"/>
+          </a:effectRef>
+          <a:fontRef idx="minor">
+            <a:schemeClr val="lt1"/>
+          </a:fontRef>
+        </p:style>
+        <p:txBody>
+          <a:bodyPr rtlCol="0" anchor="ctr"/>
+          <a:lstStyle/>
+          <a:p>
+            <a:pPr algn="ctr"/>
+            <a:endParaRPr lang="fr-FR"/>
+          </a:p>
+        </p:txBody>
+      </p:sp>
+      <p:sp>
+        <p:nvSpPr>
+          <p:cNvPr id="11" name="Freeform 10"/>
+          <p:cNvSpPr/>
+          <p:nvPr/>
+        </p:nvSpPr>
+        <p:spPr>
+          <a:xfrm>
+            <a:off x="9372600" y="2470931"/>
+            <a:ext cx="1605629" cy="1084320"/>
+          </a:xfrm>
+          <a:custGeom>
+            <a:avLst/>
+            <a:gdLst>
+              <a:gd name="connsiteX0" fmla="*/ 0 w 1605629"/>
+              <a:gd name="connsiteY0" fmla="*/ 0 h 1084320"/>
+              <a:gd name="connsiteX1" fmla="*/ 1106905 w 1605629"/>
+              <a:gd name="connsiteY1" fmla="*/ 192505 h 1084320"/>
+              <a:gd name="connsiteX2" fmla="*/ 1491916 w 1605629"/>
+              <a:gd name="connsiteY2" fmla="*/ 348916 h 1084320"/>
+              <a:gd name="connsiteX3" fmla="*/ 1600200 w 1605629"/>
+              <a:gd name="connsiteY3" fmla="*/ 493295 h 1084320"/>
+              <a:gd name="connsiteX4" fmla="*/ 1600200 w 1605629"/>
+              <a:gd name="connsiteY4" fmla="*/ 1082842 h 1084320"/>
+            </a:gdLst>
+            <a:ahLst/>
+            <a:cxnLst>
+              <a:cxn ang="0">
+                <a:pos x="connsiteX0" y="connsiteY0"/>
+              </a:cxn>
+              <a:cxn ang="0">
+                <a:pos x="connsiteX1" y="connsiteY1"/>
+              </a:cxn>
+              <a:cxn ang="0">
+                <a:pos x="connsiteX2" y="connsiteY2"/>
+              </a:cxn>
+              <a:cxn ang="0">
+                <a:pos x="connsiteX3" y="connsiteY3"/>
+              </a:cxn>
+              <a:cxn ang="0">
+                <a:pos x="connsiteX4" y="connsiteY4"/>
+              </a:cxn>
+            </a:cxnLst>
+            <a:rect l="l" t="t" r="r" b="b"/>
+            <a:pathLst>
+              <a:path w="1605629" h="1084320">
+                <a:moveTo>
+                  <a:pt x="0" y="0"/>
+                </a:moveTo>
+                <a:cubicBezTo>
+                  <a:pt x="429126" y="67176"/>
+                  <a:pt x="858252" y="134352"/>
+                  <a:pt x="1106905" y="192505"/>
+                </a:cubicBezTo>
+                <a:cubicBezTo>
+                  <a:pt x="1355558" y="250658"/>
+                  <a:pt x="1409700" y="298784"/>
+                  <a:pt x="1491916" y="348916"/>
+                </a:cubicBezTo>
+                <a:cubicBezTo>
+                  <a:pt x="1574132" y="399048"/>
+                  <a:pt x="1582153" y="370974"/>
+                  <a:pt x="1600200" y="493295"/>
+                </a:cubicBezTo>
+                <a:cubicBezTo>
+                  <a:pt x="1618247" y="615616"/>
+                  <a:pt x="1584158" y="1114926"/>
+                  <a:pt x="1600200" y="1082842"/>
+                </a:cubicBezTo>
+              </a:path>
+            </a:pathLst>
+          </a:custGeom>
+          <a:noFill/>
+          <a:ln w="38100">
+            <a:solidFill>
+              <a:srgbClr val="00B050"/>
+            </a:solidFill>
+          </a:ln>
+        </p:spPr>
+        <p:style>
+          <a:lnRef idx="2">
+            <a:schemeClr val="accent1">
+              <a:shade val="50000"/>
+            </a:schemeClr>
+          </a:lnRef>
+          <a:fillRef idx="1">
+            <a:schemeClr val="accent1"/>
+          </a:fillRef>
+          <a:effectRef idx="0">
+            <a:schemeClr val="accent1"/>
+          </a:effectRef>
+          <a:fontRef idx="minor">
+            <a:schemeClr val="lt1"/>
+          </a:fontRef>
+        </p:style>
+        <p:txBody>
+          <a:bodyPr rtlCol="0" anchor="ctr"/>
+          <a:lstStyle/>
+          <a:p>
+            <a:pPr algn="ctr"/>
+            <a:endParaRPr lang="fr-FR"/>
+          </a:p>
+        </p:txBody>
+      </p:sp>
+      <p:sp>
+        <p:nvSpPr>
+          <p:cNvPr id="12" name="Freeform 11"/>
+          <p:cNvSpPr/>
+          <p:nvPr/>
+        </p:nvSpPr>
+        <p:spPr>
+          <a:xfrm>
+            <a:off x="6377481" y="3307235"/>
+            <a:ext cx="846279" cy="349135"/>
+          </a:xfrm>
+          <a:custGeom>
+            <a:avLst/>
+            <a:gdLst>
+              <a:gd name="connsiteX0" fmla="*/ 6694 w 846279"/>
+              <a:gd name="connsiteY0" fmla="*/ 0 h 349135"/>
+              <a:gd name="connsiteX1" fmla="*/ 23319 w 846279"/>
+              <a:gd name="connsiteY1" fmla="*/ 108066 h 349135"/>
+              <a:gd name="connsiteX2" fmla="*/ 197886 w 846279"/>
+              <a:gd name="connsiteY2" fmla="*/ 182880 h 349135"/>
+              <a:gd name="connsiteX3" fmla="*/ 505457 w 846279"/>
+              <a:gd name="connsiteY3" fmla="*/ 257695 h 349135"/>
+              <a:gd name="connsiteX4" fmla="*/ 846279 w 846279"/>
+              <a:gd name="connsiteY4" fmla="*/ 349135 h 349135"/>
+            </a:gdLst>
+            <a:ahLst/>
+            <a:cxnLst>
+              <a:cxn ang="0">
+                <a:pos x="connsiteX0" y="connsiteY0"/>
+              </a:cxn>
+              <a:cxn ang="0">
+                <a:pos x="connsiteX1" y="connsiteY1"/>
+              </a:cxn>
+              <a:cxn ang="0">
+                <a:pos x="connsiteX2" y="connsiteY2"/>
+              </a:cxn>
+              <a:cxn ang="0">
+                <a:pos x="connsiteX3" y="connsiteY3"/>
+              </a:cxn>
+              <a:cxn ang="0">
+                <a:pos x="connsiteX4" y="connsiteY4"/>
+              </a:cxn>
+            </a:cxnLst>
+            <a:rect l="l" t="t" r="r" b="b"/>
+            <a:pathLst>
+              <a:path w="846279" h="349135">
+                <a:moveTo>
+                  <a:pt x="6694" y="0"/>
+                </a:moveTo>
+                <a:cubicBezTo>
+                  <a:pt x="-926" y="38793"/>
+                  <a:pt x="-8546" y="77586"/>
+                  <a:pt x="23319" y="108066"/>
+                </a:cubicBezTo>
+                <a:cubicBezTo>
+                  <a:pt x="55184" y="138546"/>
+                  <a:pt x="117530" y="157942"/>
+                  <a:pt x="197886" y="182880"/>
+                </a:cubicBezTo>
+                <a:cubicBezTo>
+                  <a:pt x="278242" y="207818"/>
+                  <a:pt x="397392" y="229986"/>
+                  <a:pt x="505457" y="257695"/>
+                </a:cubicBezTo>
+                <a:cubicBezTo>
+                  <a:pt x="613522" y="285404"/>
+                  <a:pt x="846279" y="349135"/>
+                  <a:pt x="846279" y="349135"/>
+                </a:cubicBezTo>
+              </a:path>
+            </a:pathLst>
+          </a:custGeom>
+          <a:noFill/>
+          <a:ln w="38100">
+            <a:solidFill>
+              <a:srgbClr val="00B050"/>
+            </a:solidFill>
+          </a:ln>
+        </p:spPr>
+        <p:style>
+          <a:lnRef idx="2">
+            <a:schemeClr val="accent1">
+              <a:shade val="50000"/>
+            </a:schemeClr>
+          </a:lnRef>
+          <a:fillRef idx="1">
+            <a:schemeClr val="accent1"/>
+          </a:fillRef>
+          <a:effectRef idx="0">
+            <a:schemeClr val="accent1"/>
+          </a:effectRef>
+          <a:fontRef idx="minor">
+            <a:schemeClr val="lt1"/>
+          </a:fontRef>
+        </p:style>
+        <p:txBody>
+          <a:bodyPr rtlCol="0" anchor="ctr"/>
+          <a:lstStyle/>
+          <a:p>
+            <a:pPr algn="ctr"/>
+            <a:endParaRPr lang="fr-FR"/>
+          </a:p>
+        </p:txBody>
+      </p:sp>
+      <p:sp>
+        <p:nvSpPr>
+          <p:cNvPr id="13" name="Freeform 12"/>
+          <p:cNvSpPr/>
+          <p:nvPr/>
+        </p:nvSpPr>
+        <p:spPr>
+          <a:xfrm>
+            <a:off x="8111144" y="2550777"/>
+            <a:ext cx="101831" cy="249382"/>
+          </a:xfrm>
+          <a:custGeom>
+            <a:avLst/>
+            <a:gdLst>
+              <a:gd name="connsiteX0" fmla="*/ 101831 w 101831"/>
+              <a:gd name="connsiteY0" fmla="*/ 0 h 249382"/>
+              <a:gd name="connsiteX1" fmla="*/ 10391 w 101831"/>
+              <a:gd name="connsiteY1" fmla="*/ 133004 h 249382"/>
+              <a:gd name="connsiteX2" fmla="*/ 2078 w 101831"/>
+              <a:gd name="connsiteY2" fmla="*/ 249382 h 249382"/>
+            </a:gdLst>
+            <a:ahLst/>
+            <a:cxnLst>
+              <a:cxn ang="0">
+                <a:pos x="connsiteX0" y="connsiteY0"/>
+              </a:cxn>
+              <a:cxn ang="0">
+                <a:pos x="connsiteX1" y="connsiteY1"/>
+              </a:cxn>
+              <a:cxn ang="0">
+                <a:pos x="connsiteX2" y="connsiteY2"/>
+              </a:cxn>
+            </a:cxnLst>
+            <a:rect l="l" t="t" r="r" b="b"/>
+            <a:pathLst>
+              <a:path w="101831" h="249382">
+                <a:moveTo>
+                  <a:pt x="101831" y="0"/>
+                </a:moveTo>
+                <a:cubicBezTo>
+                  <a:pt x="64424" y="45720"/>
+                  <a:pt x="27017" y="91440"/>
+                  <a:pt x="10391" y="133004"/>
+                </a:cubicBezTo>
+                <a:cubicBezTo>
+                  <a:pt x="-6235" y="174568"/>
+                  <a:pt x="2078" y="229986"/>
+                  <a:pt x="2078" y="249382"/>
+                </a:cubicBezTo>
+              </a:path>
+            </a:pathLst>
+          </a:custGeom>
+          <a:noFill/>
+          <a:ln w="38100">
+            <a:solidFill>
+              <a:srgbClr val="00B050"/>
+            </a:solidFill>
+          </a:ln>
+        </p:spPr>
+        <p:style>
+          <a:lnRef idx="2">
+            <a:schemeClr val="accent1">
+              <a:shade val="50000"/>
+            </a:schemeClr>
+          </a:lnRef>
+          <a:fillRef idx="1">
+            <a:schemeClr val="accent1"/>
+          </a:fillRef>
+          <a:effectRef idx="0">
+            <a:schemeClr val="accent1"/>
+          </a:effectRef>
+          <a:fontRef idx="minor">
+            <a:schemeClr val="lt1"/>
+          </a:fontRef>
+        </p:style>
+        <p:txBody>
+          <a:bodyPr rtlCol="0" anchor="ctr"/>
+          <a:lstStyle/>
+          <a:p>
+            <a:pPr algn="ctr"/>
+            <a:endParaRPr lang="fr-FR"/>
+          </a:p>
+        </p:txBody>
+      </p:sp>
+      <p:sp>
+        <p:nvSpPr>
+          <p:cNvPr id="14" name="Freeform 13"/>
+          <p:cNvSpPr/>
+          <p:nvPr/>
+        </p:nvSpPr>
+        <p:spPr>
+          <a:xfrm>
+            <a:off x="9285316" y="2542464"/>
+            <a:ext cx="615142" cy="249382"/>
+          </a:xfrm>
+          <a:custGeom>
+            <a:avLst/>
+            <a:gdLst>
+              <a:gd name="connsiteX0" fmla="*/ 0 w 615142"/>
+              <a:gd name="connsiteY0" fmla="*/ 0 h 249382"/>
+              <a:gd name="connsiteX1" fmla="*/ 498764 w 615142"/>
+              <a:gd name="connsiteY1" fmla="*/ 149629 h 249382"/>
+              <a:gd name="connsiteX2" fmla="*/ 615142 w 615142"/>
+              <a:gd name="connsiteY2" fmla="*/ 249382 h 249382"/>
+            </a:gdLst>
+            <a:ahLst/>
+            <a:cxnLst>
+              <a:cxn ang="0">
+                <a:pos x="connsiteX0" y="connsiteY0"/>
+              </a:cxn>
+              <a:cxn ang="0">
+                <a:pos x="connsiteX1" y="connsiteY1"/>
+              </a:cxn>
+              <a:cxn ang="0">
+                <a:pos x="connsiteX2" y="connsiteY2"/>
+              </a:cxn>
+            </a:cxnLst>
+            <a:rect l="l" t="t" r="r" b="b"/>
+            <a:pathLst>
+              <a:path w="615142" h="249382">
+                <a:moveTo>
+                  <a:pt x="0" y="0"/>
+                </a:moveTo>
+                <a:cubicBezTo>
+                  <a:pt x="198120" y="54032"/>
+                  <a:pt x="396240" y="108065"/>
+                  <a:pt x="498764" y="149629"/>
+                </a:cubicBezTo>
+                <a:cubicBezTo>
+                  <a:pt x="601288" y="191193"/>
+                  <a:pt x="615142" y="249382"/>
+                  <a:pt x="615142" y="249382"/>
+                </a:cubicBezTo>
+              </a:path>
+            </a:pathLst>
+          </a:custGeom>
+          <a:noFill/>
+          <a:ln w="38100">
+            <a:solidFill>
+              <a:srgbClr val="00B050"/>
+            </a:solidFill>
+          </a:ln>
+        </p:spPr>
+        <p:style>
+          <a:lnRef idx="2">
+            <a:schemeClr val="accent1">
+              <a:shade val="50000"/>
+            </a:schemeClr>
+          </a:lnRef>
+          <a:fillRef idx="1">
+            <a:schemeClr val="accent1"/>
+          </a:fillRef>
+          <a:effectRef idx="0">
+            <a:schemeClr val="accent1"/>
+          </a:effectRef>
+          <a:fontRef idx="minor">
+            <a:schemeClr val="lt1"/>
+          </a:fontRef>
+        </p:style>
+        <p:txBody>
+          <a:bodyPr rtlCol="0" anchor="ctr"/>
+          <a:lstStyle/>
+          <a:p>
+            <a:pPr algn="ctr"/>
+            <a:endParaRPr lang="fr-FR"/>
+          </a:p>
+        </p:txBody>
+      </p:sp>
+      <p:sp>
+        <p:nvSpPr>
+          <p:cNvPr id="16" name="Freeform 15"/>
+          <p:cNvSpPr/>
+          <p:nvPr/>
+        </p:nvSpPr>
+        <p:spPr>
+          <a:xfrm>
+            <a:off x="8951278" y="3298922"/>
+            <a:ext cx="927287" cy="355700"/>
+          </a:xfrm>
+          <a:custGeom>
+            <a:avLst/>
+            <a:gdLst>
+              <a:gd name="connsiteX0" fmla="*/ 924088 w 927287"/>
+              <a:gd name="connsiteY0" fmla="*/ 0 h 355700"/>
+              <a:gd name="connsiteX1" fmla="*/ 874212 w 927287"/>
+              <a:gd name="connsiteY1" fmla="*/ 124691 h 355700"/>
+              <a:gd name="connsiteX2" fmla="*/ 558328 w 927287"/>
+              <a:gd name="connsiteY2" fmla="*/ 216131 h 355700"/>
+              <a:gd name="connsiteX3" fmla="*/ 1375 w 927287"/>
+              <a:gd name="connsiteY3" fmla="*/ 349135 h 355700"/>
+            </a:gdLst>
+            <a:ahLst/>
+            <a:cxnLst>
+              <a:cxn ang="0">
+                <a:pos x="connsiteX0" y="connsiteY0"/>
+              </a:cxn>
+              <a:cxn ang="0">
+                <a:pos x="connsiteX1" y="connsiteY1"/>
+              </a:cxn>
+              <a:cxn ang="0">
+                <a:pos x="connsiteX2" y="connsiteY2"/>
+              </a:cxn>
+              <a:cxn ang="0">
+                <a:pos x="connsiteX3" y="connsiteY3"/>
+              </a:cxn>
+            </a:cxnLst>
+            <a:rect l="l" t="t" r="r" b="b"/>
+            <a:pathLst>
+              <a:path w="927287" h="355700">
+                <a:moveTo>
+                  <a:pt x="924088" y="0"/>
+                </a:moveTo>
+                <a:cubicBezTo>
+                  <a:pt x="929630" y="44334"/>
+                  <a:pt x="935172" y="88669"/>
+                  <a:pt x="874212" y="124691"/>
+                </a:cubicBezTo>
+                <a:cubicBezTo>
+                  <a:pt x="813252" y="160713"/>
+                  <a:pt x="703801" y="178724"/>
+                  <a:pt x="558328" y="216131"/>
+                </a:cubicBezTo>
+                <a:cubicBezTo>
+                  <a:pt x="412855" y="253538"/>
+                  <a:pt x="-27719" y="386542"/>
+                  <a:pt x="1375" y="349135"/>
+                </a:cubicBezTo>
+              </a:path>
+            </a:pathLst>
+          </a:custGeom>
+          <a:noFill/>
+          <a:ln w="38100">
+            <a:solidFill>
+              <a:srgbClr val="00B050"/>
+            </a:solidFill>
+          </a:ln>
+        </p:spPr>
+        <p:style>
+          <a:lnRef idx="2">
+            <a:schemeClr val="accent1">
+              <a:shade val="50000"/>
+            </a:schemeClr>
+          </a:lnRef>
+          <a:fillRef idx="1">
+            <a:schemeClr val="accent1"/>
+          </a:fillRef>
+          <a:effectRef idx="0">
+            <a:schemeClr val="accent1"/>
+          </a:effectRef>
+          <a:fontRef idx="minor">
+            <a:schemeClr val="lt1"/>
+          </a:fontRef>
+        </p:style>
+        <p:txBody>
+          <a:bodyPr rtlCol="0" anchor="ctr"/>
+          <a:lstStyle/>
+          <a:p>
+            <a:pPr algn="ctr"/>
+            <a:endParaRPr lang="fr-FR"/>
+          </a:p>
+        </p:txBody>
+      </p:sp>
+      <p:sp>
+        <p:nvSpPr>
+          <p:cNvPr id="17" name="Freeform 16"/>
+          <p:cNvSpPr/>
+          <p:nvPr/>
+        </p:nvSpPr>
+        <p:spPr>
+          <a:xfrm>
+            <a:off x="8106425" y="4072006"/>
+            <a:ext cx="1095764" cy="440575"/>
+          </a:xfrm>
+          <a:custGeom>
+            <a:avLst/>
+            <a:gdLst>
+              <a:gd name="connsiteX0" fmla="*/ 6797 w 1095764"/>
+              <a:gd name="connsiteY0" fmla="*/ 0 h 440575"/>
+              <a:gd name="connsiteX1" fmla="*/ 56673 w 1095764"/>
+              <a:gd name="connsiteY1" fmla="*/ 116378 h 440575"/>
+              <a:gd name="connsiteX2" fmla="*/ 422433 w 1095764"/>
+              <a:gd name="connsiteY2" fmla="*/ 249382 h 440575"/>
+              <a:gd name="connsiteX3" fmla="*/ 1095764 w 1095764"/>
+              <a:gd name="connsiteY3" fmla="*/ 440575 h 440575"/>
+            </a:gdLst>
+            <a:ahLst/>
+            <a:cxnLst>
+              <a:cxn ang="0">
+                <a:pos x="connsiteX0" y="connsiteY0"/>
+              </a:cxn>
+              <a:cxn ang="0">
+                <a:pos x="connsiteX1" y="connsiteY1"/>
+              </a:cxn>
+              <a:cxn ang="0">
+                <a:pos x="connsiteX2" y="connsiteY2"/>
+              </a:cxn>
+              <a:cxn ang="0">
+                <a:pos x="connsiteX3" y="connsiteY3"/>
+              </a:cxn>
+            </a:cxnLst>
+            <a:rect l="l" t="t" r="r" b="b"/>
+            <a:pathLst>
+              <a:path w="1095764" h="440575">
+                <a:moveTo>
+                  <a:pt x="6797" y="0"/>
+                </a:moveTo>
+                <a:cubicBezTo>
+                  <a:pt x="-2902" y="37407"/>
+                  <a:pt x="-12600" y="74814"/>
+                  <a:pt x="56673" y="116378"/>
+                </a:cubicBezTo>
+                <a:cubicBezTo>
+                  <a:pt x="125946" y="157942"/>
+                  <a:pt x="249251" y="195349"/>
+                  <a:pt x="422433" y="249382"/>
+                </a:cubicBezTo>
+                <a:cubicBezTo>
+                  <a:pt x="595615" y="303415"/>
+                  <a:pt x="1095764" y="440575"/>
+                  <a:pt x="1095764" y="440575"/>
+                </a:cubicBezTo>
+              </a:path>
+            </a:pathLst>
+          </a:custGeom>
+          <a:noFill/>
+          <a:ln w="38100">
+            <a:solidFill>
+              <a:srgbClr val="00B050"/>
+            </a:solidFill>
+          </a:ln>
+        </p:spPr>
+        <p:style>
+          <a:lnRef idx="2">
+            <a:schemeClr val="accent1">
+              <a:shade val="50000"/>
+            </a:schemeClr>
+          </a:lnRef>
+          <a:fillRef idx="1">
+            <a:schemeClr val="accent1"/>
+          </a:fillRef>
+          <a:effectRef idx="0">
+            <a:schemeClr val="accent1"/>
+          </a:effectRef>
+          <a:fontRef idx="minor">
+            <a:schemeClr val="lt1"/>
+          </a:fontRef>
+        </p:style>
+        <p:txBody>
+          <a:bodyPr rtlCol="0" anchor="ctr"/>
+          <a:lstStyle/>
+          <a:p>
+            <a:pPr algn="ctr"/>
+            <a:endParaRPr lang="fr-FR"/>
+          </a:p>
+        </p:txBody>
+      </p:sp>
+      <p:sp>
+        <p:nvSpPr>
+          <p:cNvPr id="19" name="Freeform 18"/>
+          <p:cNvSpPr/>
+          <p:nvPr/>
+        </p:nvSpPr>
+        <p:spPr>
+          <a:xfrm>
+            <a:off x="9883833" y="4072006"/>
+            <a:ext cx="1097498" cy="440575"/>
+          </a:xfrm>
+          <a:custGeom>
+            <a:avLst/>
+            <a:gdLst>
+              <a:gd name="connsiteX0" fmla="*/ 1088967 w 1097498"/>
+              <a:gd name="connsiteY0" fmla="*/ 0 h 440575"/>
+              <a:gd name="connsiteX1" fmla="*/ 1047403 w 1097498"/>
+              <a:gd name="connsiteY1" fmla="*/ 108066 h 440575"/>
+              <a:gd name="connsiteX2" fmla="*/ 706582 w 1097498"/>
+              <a:gd name="connsiteY2" fmla="*/ 241069 h 440575"/>
+              <a:gd name="connsiteX3" fmla="*/ 0 w 1097498"/>
+              <a:gd name="connsiteY3" fmla="*/ 440575 h 440575"/>
+            </a:gdLst>
+            <a:ahLst/>
+            <a:cxnLst>
+              <a:cxn ang="0">
+                <a:pos x="connsiteX0" y="connsiteY0"/>
+              </a:cxn>
+              <a:cxn ang="0">
+                <a:pos x="connsiteX1" y="connsiteY1"/>
+              </a:cxn>
+              <a:cxn ang="0">
+                <a:pos x="connsiteX2" y="connsiteY2"/>
+              </a:cxn>
+              <a:cxn ang="0">
+                <a:pos x="connsiteX3" y="connsiteY3"/>
+              </a:cxn>
+            </a:cxnLst>
+            <a:rect l="l" t="t" r="r" b="b"/>
+            <a:pathLst>
+              <a:path w="1097498" h="440575">
+                <a:moveTo>
+                  <a:pt x="1088967" y="0"/>
+                </a:moveTo>
+                <a:cubicBezTo>
+                  <a:pt x="1100050" y="33944"/>
+                  <a:pt x="1111134" y="67888"/>
+                  <a:pt x="1047403" y="108066"/>
+                </a:cubicBezTo>
+                <a:cubicBezTo>
+                  <a:pt x="983672" y="148244"/>
+                  <a:pt x="881149" y="185651"/>
+                  <a:pt x="706582" y="241069"/>
+                </a:cubicBezTo>
+                <a:cubicBezTo>
+                  <a:pt x="532015" y="296487"/>
+                  <a:pt x="0" y="440575"/>
+                  <a:pt x="0" y="440575"/>
+                </a:cubicBezTo>
+              </a:path>
+            </a:pathLst>
+          </a:custGeom>
+          <a:noFill/>
+          <a:ln w="38100">
+            <a:solidFill>
+              <a:srgbClr val="00B050"/>
+            </a:solidFill>
+          </a:ln>
+        </p:spPr>
+        <p:style>
+          <a:lnRef idx="2">
+            <a:schemeClr val="accent1">
+              <a:shade val="50000"/>
+            </a:schemeClr>
+          </a:lnRef>
+          <a:fillRef idx="1">
+            <a:schemeClr val="accent1"/>
+          </a:fillRef>
+          <a:effectRef idx="0">
+            <a:schemeClr val="accent1"/>
+          </a:effectRef>
+          <a:fontRef idx="minor">
+            <a:schemeClr val="lt1"/>
+          </a:fontRef>
+        </p:style>
+        <p:txBody>
+          <a:bodyPr rtlCol="0" anchor="ctr"/>
+          <a:lstStyle/>
+          <a:p>
+            <a:pPr algn="ctr"/>
+            <a:endParaRPr lang="fr-FR"/>
+          </a:p>
+        </p:txBody>
+      </p:sp>
+      <p:sp>
+        <p:nvSpPr>
+          <p:cNvPr id="22" name="Freeform 21"/>
+          <p:cNvSpPr/>
+          <p:nvPr/>
+        </p:nvSpPr>
+        <p:spPr>
+          <a:xfrm>
+            <a:off x="8113222" y="3298923"/>
+            <a:ext cx="5599" cy="266007"/>
+          </a:xfrm>
+          <a:custGeom>
+            <a:avLst/>
+            <a:gdLst>
+              <a:gd name="connsiteX0" fmla="*/ 0 w 5599"/>
+              <a:gd name="connsiteY0" fmla="*/ 0 h 266007"/>
+              <a:gd name="connsiteX1" fmla="*/ 0 w 5599"/>
+              <a:gd name="connsiteY1" fmla="*/ 266007 h 266007"/>
+            </a:gdLst>
+            <a:ahLst/>
+            <a:cxnLst>
+              <a:cxn ang="0">
+                <a:pos x="connsiteX0" y="connsiteY0"/>
+              </a:cxn>
+              <a:cxn ang="0">
+                <a:pos x="connsiteX1" y="connsiteY1"/>
+              </a:cxn>
+            </a:cxnLst>
+            <a:rect l="l" t="t" r="r" b="b"/>
+            <a:pathLst>
+              <a:path w="5599" h="266007">
+                <a:moveTo>
+                  <a:pt x="0" y="0"/>
+                </a:moveTo>
+                <a:cubicBezTo>
+                  <a:pt x="4849" y="129540"/>
+                  <a:pt x="9698" y="259080"/>
+                  <a:pt x="0" y="266007"/>
+                </a:cubicBezTo>
+              </a:path>
+            </a:pathLst>
+          </a:custGeom>
+          <a:noFill/>
+          <a:ln w="38100">
+            <a:solidFill>
+              <a:srgbClr val="00B050"/>
+            </a:solidFill>
+          </a:ln>
+        </p:spPr>
+        <p:style>
+          <a:lnRef idx="2">
+            <a:schemeClr val="accent1">
+              <a:shade val="50000"/>
+            </a:schemeClr>
+          </a:lnRef>
+          <a:fillRef idx="1">
+            <a:schemeClr val="accent1"/>
+          </a:fillRef>
+          <a:effectRef idx="0">
+            <a:schemeClr val="accent1"/>
+          </a:effectRef>
+          <a:fontRef idx="minor">
+            <a:schemeClr val="lt1"/>
+          </a:fontRef>
+        </p:style>
+        <p:txBody>
+          <a:bodyPr rtlCol="0" anchor="ctr"/>
+          <a:lstStyle/>
+          <a:p>
+            <a:pPr algn="ctr"/>
+            <a:endParaRPr lang="fr-FR"/>
+          </a:p>
+        </p:txBody>
+      </p:sp>
+      <p:sp>
+        <p:nvSpPr>
+          <p:cNvPr id="23" name="Freeform 22"/>
+          <p:cNvSpPr/>
+          <p:nvPr/>
+        </p:nvSpPr>
+        <p:spPr>
+          <a:xfrm>
+            <a:off x="8332728" y="1871071"/>
+            <a:ext cx="0" cy="151254"/>
+          </a:xfrm>
+          <a:custGeom>
+            <a:avLst/>
+            <a:gdLst>
+              <a:gd name="connsiteX0" fmla="*/ 0 w 0"/>
+              <a:gd name="connsiteY0" fmla="*/ 0 h 151254"/>
+              <a:gd name="connsiteX1" fmla="*/ 0 w 0"/>
+              <a:gd name="connsiteY1" fmla="*/ 151254 h 151254"/>
+            </a:gdLst>
+            <a:ahLst/>
+            <a:cxnLst>
+              <a:cxn ang="0">
+                <a:pos x="connsiteX0" y="connsiteY0"/>
+              </a:cxn>
+              <a:cxn ang="0">
+                <a:pos x="connsiteX1" y="connsiteY1"/>
+              </a:cxn>
+            </a:cxnLst>
+            <a:rect l="l" t="t" r="r" b="b"/>
+            <a:pathLst>
+              <a:path h="151254">
+                <a:moveTo>
+                  <a:pt x="0" y="0"/>
+                </a:moveTo>
+                <a:lnTo>
+                  <a:pt x="0" y="151254"/>
+                </a:lnTo>
+              </a:path>
+            </a:pathLst>
+          </a:custGeom>
+          <a:noFill/>
+          <a:ln w="38100">
+            <a:solidFill>
+              <a:srgbClr val="00B050"/>
+            </a:solidFill>
+          </a:ln>
+        </p:spPr>
+        <p:style>
+          <a:lnRef idx="2">
+            <a:schemeClr val="accent1">
+              <a:shade val="50000"/>
+            </a:schemeClr>
+          </a:lnRef>
+          <a:fillRef idx="1">
+            <a:schemeClr val="accent1"/>
+          </a:fillRef>
+          <a:effectRef idx="0">
+            <a:schemeClr val="accent1"/>
+          </a:effectRef>
+          <a:fontRef idx="minor">
+            <a:schemeClr val="lt1"/>
+          </a:fontRef>
+        </p:style>
+        <p:txBody>
+          <a:bodyPr rtlCol="0" anchor="ctr"/>
+          <a:lstStyle/>
+          <a:p>
+            <a:pPr algn="ctr"/>
+            <a:endParaRPr lang="fr-FR"/>
+          </a:p>
+        </p:txBody>
+      </p:sp>
+      <p:sp>
+        <p:nvSpPr>
+          <p:cNvPr id="26" name="Freeform 25"/>
+          <p:cNvSpPr/>
+          <p:nvPr/>
+        </p:nvSpPr>
+        <p:spPr>
+          <a:xfrm>
+            <a:off x="6377481" y="2519057"/>
+            <a:ext cx="926432" cy="276727"/>
+          </a:xfrm>
+          <a:custGeom>
+            <a:avLst/>
+            <a:gdLst>
+              <a:gd name="connsiteX0" fmla="*/ 926432 w 926432"/>
+              <a:gd name="connsiteY0" fmla="*/ 0 h 276727"/>
+              <a:gd name="connsiteX1" fmla="*/ 312821 w 926432"/>
+              <a:gd name="connsiteY1" fmla="*/ 132348 h 276727"/>
+              <a:gd name="connsiteX2" fmla="*/ 108285 w 926432"/>
+              <a:gd name="connsiteY2" fmla="*/ 204537 h 276727"/>
+              <a:gd name="connsiteX3" fmla="*/ 0 w 926432"/>
+              <a:gd name="connsiteY3" fmla="*/ 276727 h 276727"/>
+            </a:gdLst>
+            <a:ahLst/>
+            <a:cxnLst>
+              <a:cxn ang="0">
+                <a:pos x="connsiteX0" y="connsiteY0"/>
+              </a:cxn>
+              <a:cxn ang="0">
+                <a:pos x="connsiteX1" y="connsiteY1"/>
+              </a:cxn>
+              <a:cxn ang="0">
+                <a:pos x="connsiteX2" y="connsiteY2"/>
+              </a:cxn>
+              <a:cxn ang="0">
+                <a:pos x="connsiteX3" y="connsiteY3"/>
+              </a:cxn>
+            </a:cxnLst>
+            <a:rect l="l" t="t" r="r" b="b"/>
+            <a:pathLst>
+              <a:path w="926432" h="276727">
+                <a:moveTo>
+                  <a:pt x="926432" y="0"/>
+                </a:moveTo>
+                <a:lnTo>
+                  <a:pt x="312821" y="132348"/>
+                </a:lnTo>
+                <a:cubicBezTo>
+                  <a:pt x="176463" y="166437"/>
+                  <a:pt x="160422" y="180474"/>
+                  <a:pt x="108285" y="204537"/>
+                </a:cubicBezTo>
+                <a:cubicBezTo>
+                  <a:pt x="56148" y="228600"/>
+                  <a:pt x="0" y="276727"/>
+                  <a:pt x="0" y="276727"/>
+                </a:cubicBezTo>
+              </a:path>
+            </a:pathLst>
+          </a:custGeom>
+          <a:noFill/>
+          <a:ln w="38100">
+            <a:solidFill>
+              <a:srgbClr val="FF0000"/>
+            </a:solidFill>
+          </a:ln>
+        </p:spPr>
+        <p:style>
+          <a:lnRef idx="2">
+            <a:schemeClr val="accent1">
+              <a:shade val="50000"/>
+            </a:schemeClr>
+          </a:lnRef>
+          <a:fillRef idx="1">
+            <a:schemeClr val="accent1"/>
+          </a:fillRef>
+          <a:effectRef idx="0">
+            <a:schemeClr val="accent1"/>
+          </a:effectRef>
+          <a:fontRef idx="minor">
+            <a:schemeClr val="lt1"/>
+          </a:fontRef>
+        </p:style>
+        <p:txBody>
+          <a:bodyPr rtlCol="0" anchor="ctr"/>
+          <a:lstStyle/>
+          <a:p>
+            <a:pPr algn="ctr"/>
+            <a:endParaRPr lang="fr-FR"/>
+          </a:p>
+        </p:txBody>
+      </p:sp>
+      <p:sp>
+        <p:nvSpPr>
+          <p:cNvPr id="27" name="Freeform 26"/>
+          <p:cNvSpPr/>
+          <p:nvPr/>
+        </p:nvSpPr>
+        <p:spPr>
+          <a:xfrm>
+            <a:off x="6377481" y="3307235"/>
+            <a:ext cx="846279" cy="349135"/>
+          </a:xfrm>
+          <a:custGeom>
+            <a:avLst/>
+            <a:gdLst>
+              <a:gd name="connsiteX0" fmla="*/ 6694 w 846279"/>
+              <a:gd name="connsiteY0" fmla="*/ 0 h 349135"/>
+              <a:gd name="connsiteX1" fmla="*/ 23319 w 846279"/>
+              <a:gd name="connsiteY1" fmla="*/ 108066 h 349135"/>
+              <a:gd name="connsiteX2" fmla="*/ 197886 w 846279"/>
+              <a:gd name="connsiteY2" fmla="*/ 182880 h 349135"/>
+              <a:gd name="connsiteX3" fmla="*/ 505457 w 846279"/>
+              <a:gd name="connsiteY3" fmla="*/ 257695 h 349135"/>
+              <a:gd name="connsiteX4" fmla="*/ 846279 w 846279"/>
+              <a:gd name="connsiteY4" fmla="*/ 349135 h 349135"/>
+            </a:gdLst>
+            <a:ahLst/>
+            <a:cxnLst>
+              <a:cxn ang="0">
+                <a:pos x="connsiteX0" y="connsiteY0"/>
+              </a:cxn>
+              <a:cxn ang="0">
+                <a:pos x="connsiteX1" y="connsiteY1"/>
+              </a:cxn>
+              <a:cxn ang="0">
+                <a:pos x="connsiteX2" y="connsiteY2"/>
+              </a:cxn>
+              <a:cxn ang="0">
+                <a:pos x="connsiteX3" y="connsiteY3"/>
+              </a:cxn>
+              <a:cxn ang="0">
+                <a:pos x="connsiteX4" y="connsiteY4"/>
+              </a:cxn>
+            </a:cxnLst>
+            <a:rect l="l" t="t" r="r" b="b"/>
+            <a:pathLst>
+              <a:path w="846279" h="349135">
+                <a:moveTo>
+                  <a:pt x="6694" y="0"/>
+                </a:moveTo>
+                <a:cubicBezTo>
+                  <a:pt x="-926" y="38793"/>
+                  <a:pt x="-8546" y="77586"/>
+                  <a:pt x="23319" y="108066"/>
+                </a:cubicBezTo>
+                <a:cubicBezTo>
+                  <a:pt x="55184" y="138546"/>
+                  <a:pt x="117530" y="157942"/>
+                  <a:pt x="197886" y="182880"/>
+                </a:cubicBezTo>
+                <a:cubicBezTo>
+                  <a:pt x="278242" y="207818"/>
+                  <a:pt x="397392" y="229986"/>
+                  <a:pt x="505457" y="257695"/>
+                </a:cubicBezTo>
+                <a:cubicBezTo>
+                  <a:pt x="613522" y="285404"/>
+                  <a:pt x="846279" y="349135"/>
+                  <a:pt x="846279" y="349135"/>
+                </a:cubicBezTo>
+              </a:path>
+            </a:pathLst>
+          </a:custGeom>
+          <a:noFill/>
+          <a:ln w="38100">
+            <a:solidFill>
+              <a:srgbClr val="FF0000"/>
+            </a:solidFill>
+          </a:ln>
+        </p:spPr>
+        <p:style>
+          <a:lnRef idx="2">
+            <a:schemeClr val="accent1">
+              <a:shade val="50000"/>
+            </a:schemeClr>
+          </a:lnRef>
+          <a:fillRef idx="1">
+            <a:schemeClr val="accent1"/>
+          </a:fillRef>
+          <a:effectRef idx="0">
+            <a:schemeClr val="accent1"/>
+          </a:effectRef>
+          <a:fontRef idx="minor">
+            <a:schemeClr val="lt1"/>
+          </a:fontRef>
+        </p:style>
+        <p:txBody>
+          <a:bodyPr rtlCol="0" anchor="ctr"/>
+          <a:lstStyle/>
+          <a:p>
+            <a:pPr algn="ctr"/>
+            <a:endParaRPr lang="fr-FR"/>
+          </a:p>
+        </p:txBody>
+      </p:sp>
+      <p:sp>
+        <p:nvSpPr>
+          <p:cNvPr id="28" name="Freeform 27"/>
+          <p:cNvSpPr/>
+          <p:nvPr/>
+        </p:nvSpPr>
+        <p:spPr>
+          <a:xfrm>
+            <a:off x="8332728" y="1871071"/>
+            <a:ext cx="0" cy="151254"/>
+          </a:xfrm>
+          <a:custGeom>
+            <a:avLst/>
+            <a:gdLst>
+              <a:gd name="connsiteX0" fmla="*/ 0 w 0"/>
+              <a:gd name="connsiteY0" fmla="*/ 0 h 151254"/>
+              <a:gd name="connsiteX1" fmla="*/ 0 w 0"/>
+              <a:gd name="connsiteY1" fmla="*/ 151254 h 151254"/>
+            </a:gdLst>
+            <a:ahLst/>
+            <a:cxnLst>
+              <a:cxn ang="0">
+                <a:pos x="connsiteX0" y="connsiteY0"/>
+              </a:cxn>
+              <a:cxn ang="0">
+                <a:pos x="connsiteX1" y="connsiteY1"/>
+              </a:cxn>
+            </a:cxnLst>
+            <a:rect l="l" t="t" r="r" b="b"/>
+            <a:pathLst>
+              <a:path h="151254">
+                <a:moveTo>
+                  <a:pt x="0" y="0"/>
+                </a:moveTo>
+                <a:lnTo>
+                  <a:pt x="0" y="151254"/>
+                </a:lnTo>
+              </a:path>
+            </a:pathLst>
+          </a:custGeom>
+          <a:noFill/>
+          <a:ln w="38100">
+            <a:solidFill>
+              <a:srgbClr val="FF0000"/>
+            </a:solidFill>
+          </a:ln>
+        </p:spPr>
+        <p:style>
+          <a:lnRef idx="2">
+            <a:schemeClr val="accent1">
+              <a:shade val="50000"/>
+            </a:schemeClr>
+          </a:lnRef>
+          <a:fillRef idx="1">
+            <a:schemeClr val="accent1"/>
+          </a:fillRef>
+          <a:effectRef idx="0">
+            <a:schemeClr val="accent1"/>
+          </a:effectRef>
+          <a:fontRef idx="minor">
+            <a:schemeClr val="lt1"/>
+          </a:fontRef>
+        </p:style>
+        <p:txBody>
+          <a:bodyPr rtlCol="0" anchor="ctr"/>
+          <a:lstStyle/>
+          <a:p>
+            <a:pPr algn="ctr"/>
+            <a:endParaRPr lang="fr-FR"/>
+          </a:p>
+        </p:txBody>
+      </p:sp>
+      <p:sp>
+        <p:nvSpPr>
+          <p:cNvPr id="29" name="Freeform 28"/>
+          <p:cNvSpPr/>
+          <p:nvPr/>
+        </p:nvSpPr>
+        <p:spPr>
+          <a:xfrm>
+            <a:off x="8106425" y="4072006"/>
+            <a:ext cx="1095764" cy="440575"/>
+          </a:xfrm>
+          <a:custGeom>
+            <a:avLst/>
+            <a:gdLst>
+              <a:gd name="connsiteX0" fmla="*/ 6797 w 1095764"/>
+              <a:gd name="connsiteY0" fmla="*/ 0 h 440575"/>
+              <a:gd name="connsiteX1" fmla="*/ 56673 w 1095764"/>
+              <a:gd name="connsiteY1" fmla="*/ 116378 h 440575"/>
+              <a:gd name="connsiteX2" fmla="*/ 422433 w 1095764"/>
+              <a:gd name="connsiteY2" fmla="*/ 249382 h 440575"/>
+              <a:gd name="connsiteX3" fmla="*/ 1095764 w 1095764"/>
+              <a:gd name="connsiteY3" fmla="*/ 440575 h 440575"/>
+            </a:gdLst>
+            <a:ahLst/>
+            <a:cxnLst>
+              <a:cxn ang="0">
+                <a:pos x="connsiteX0" y="connsiteY0"/>
+              </a:cxn>
+              <a:cxn ang="0">
+                <a:pos x="connsiteX1" y="connsiteY1"/>
+              </a:cxn>
+              <a:cxn ang="0">
+                <a:pos x="connsiteX2" y="connsiteY2"/>
+              </a:cxn>
+              <a:cxn ang="0">
+                <a:pos x="connsiteX3" y="connsiteY3"/>
+              </a:cxn>
+            </a:cxnLst>
+            <a:rect l="l" t="t" r="r" b="b"/>
+            <a:pathLst>
+              <a:path w="1095764" h="440575">
+                <a:moveTo>
+                  <a:pt x="6797" y="0"/>
+                </a:moveTo>
+                <a:cubicBezTo>
+                  <a:pt x="-2902" y="37407"/>
+                  <a:pt x="-12600" y="74814"/>
+                  <a:pt x="56673" y="116378"/>
+                </a:cubicBezTo>
+                <a:cubicBezTo>
+                  <a:pt x="125946" y="157942"/>
+                  <a:pt x="249251" y="195349"/>
+                  <a:pt x="422433" y="249382"/>
+                </a:cubicBezTo>
+                <a:cubicBezTo>
+                  <a:pt x="595615" y="303415"/>
+                  <a:pt x="1095764" y="440575"/>
+                  <a:pt x="1095764" y="440575"/>
+                </a:cubicBezTo>
+              </a:path>
+            </a:pathLst>
+          </a:custGeom>
+          <a:noFill/>
+          <a:ln w="38100">
+            <a:solidFill>
+              <a:srgbClr val="FF0000"/>
+            </a:solidFill>
+          </a:ln>
+        </p:spPr>
+        <p:style>
+          <a:lnRef idx="2">
+            <a:schemeClr val="accent1">
+              <a:shade val="50000"/>
+            </a:schemeClr>
+          </a:lnRef>
+          <a:fillRef idx="1">
+            <a:schemeClr val="accent1"/>
+          </a:fillRef>
+          <a:effectRef idx="0">
+            <a:schemeClr val="accent1"/>
+          </a:effectRef>
+          <a:fontRef idx="minor">
+            <a:schemeClr val="lt1"/>
+          </a:fontRef>
+        </p:style>
+        <p:txBody>
+          <a:bodyPr rtlCol="0" anchor="ctr"/>
+          <a:lstStyle/>
+          <a:p>
+            <a:pPr algn="ctr"/>
+            <a:endParaRPr lang="fr-FR"/>
+          </a:p>
+        </p:txBody>
+      </p:sp>
+      <p:sp>
+        <p:nvSpPr>
+          <p:cNvPr id="30" name="Freeform 29"/>
+          <p:cNvSpPr/>
+          <p:nvPr/>
+        </p:nvSpPr>
+        <p:spPr>
+          <a:xfrm>
+            <a:off x="8113964" y="2555010"/>
+            <a:ext cx="101831" cy="249382"/>
+          </a:xfrm>
+          <a:custGeom>
+            <a:avLst/>
+            <a:gdLst>
+              <a:gd name="connsiteX0" fmla="*/ 101831 w 101831"/>
+              <a:gd name="connsiteY0" fmla="*/ 0 h 249382"/>
+              <a:gd name="connsiteX1" fmla="*/ 10391 w 101831"/>
+              <a:gd name="connsiteY1" fmla="*/ 133004 h 249382"/>
+              <a:gd name="connsiteX2" fmla="*/ 2078 w 101831"/>
+              <a:gd name="connsiteY2" fmla="*/ 249382 h 249382"/>
+            </a:gdLst>
+            <a:ahLst/>
+            <a:cxnLst>
+              <a:cxn ang="0">
+                <a:pos x="connsiteX0" y="connsiteY0"/>
+              </a:cxn>
+              <a:cxn ang="0">
+                <a:pos x="connsiteX1" y="connsiteY1"/>
+              </a:cxn>
+              <a:cxn ang="0">
+                <a:pos x="connsiteX2" y="connsiteY2"/>
+              </a:cxn>
+            </a:cxnLst>
+            <a:rect l="l" t="t" r="r" b="b"/>
+            <a:pathLst>
+              <a:path w="101831" h="249382">
+                <a:moveTo>
+                  <a:pt x="101831" y="0"/>
+                </a:moveTo>
+                <a:cubicBezTo>
+                  <a:pt x="64424" y="45720"/>
+                  <a:pt x="27017" y="91440"/>
+                  <a:pt x="10391" y="133004"/>
+                </a:cubicBezTo>
+                <a:cubicBezTo>
+                  <a:pt x="-6235" y="174568"/>
+                  <a:pt x="2078" y="229986"/>
+                  <a:pt x="2078" y="249382"/>
+                </a:cubicBezTo>
+              </a:path>
+            </a:pathLst>
+          </a:custGeom>
+          <a:noFill/>
+          <a:ln w="38100">
+            <a:solidFill>
+              <a:srgbClr val="00B0F0"/>
+            </a:solidFill>
+          </a:ln>
+        </p:spPr>
+        <p:style>
+          <a:lnRef idx="2">
+            <a:schemeClr val="accent1">
+              <a:shade val="50000"/>
+            </a:schemeClr>
+          </a:lnRef>
+          <a:fillRef idx="1">
+            <a:schemeClr val="accent1"/>
+          </a:fillRef>
+          <a:effectRef idx="0">
+            <a:schemeClr val="accent1"/>
+          </a:effectRef>
+          <a:fontRef idx="minor">
+            <a:schemeClr val="lt1"/>
+          </a:fontRef>
+        </p:style>
+        <p:txBody>
+          <a:bodyPr rtlCol="0" anchor="ctr"/>
+          <a:lstStyle/>
+          <a:p>
+            <a:pPr algn="ctr"/>
+            <a:endParaRPr lang="fr-FR"/>
+          </a:p>
+        </p:txBody>
+      </p:sp>
+      <p:sp>
+        <p:nvSpPr>
+          <p:cNvPr id="31" name="Freeform 30"/>
+          <p:cNvSpPr/>
+          <p:nvPr/>
+        </p:nvSpPr>
+        <p:spPr>
+          <a:xfrm>
+            <a:off x="8113222" y="3307235"/>
+            <a:ext cx="5599" cy="266007"/>
+          </a:xfrm>
+          <a:custGeom>
+            <a:avLst/>
+            <a:gdLst>
+              <a:gd name="connsiteX0" fmla="*/ 0 w 5599"/>
+              <a:gd name="connsiteY0" fmla="*/ 0 h 266007"/>
+              <a:gd name="connsiteX1" fmla="*/ 0 w 5599"/>
+              <a:gd name="connsiteY1" fmla="*/ 266007 h 266007"/>
+            </a:gdLst>
+            <a:ahLst/>
+            <a:cxnLst>
+              <a:cxn ang="0">
+                <a:pos x="connsiteX0" y="connsiteY0"/>
+              </a:cxn>
+              <a:cxn ang="0">
+                <a:pos x="connsiteX1" y="connsiteY1"/>
+              </a:cxn>
+            </a:cxnLst>
+            <a:rect l="l" t="t" r="r" b="b"/>
+            <a:pathLst>
+              <a:path w="5599" h="266007">
+                <a:moveTo>
+                  <a:pt x="0" y="0"/>
+                </a:moveTo>
+                <a:cubicBezTo>
+                  <a:pt x="4849" y="129540"/>
+                  <a:pt x="9698" y="259080"/>
+                  <a:pt x="0" y="266007"/>
+                </a:cubicBezTo>
+              </a:path>
+            </a:pathLst>
+          </a:custGeom>
+          <a:noFill/>
+          <a:ln w="38100">
+            <a:solidFill>
+              <a:srgbClr val="00B0F0"/>
+            </a:solidFill>
+          </a:ln>
+        </p:spPr>
+        <p:style>
+          <a:lnRef idx="2">
+            <a:schemeClr val="accent1">
+              <a:shade val="50000"/>
+            </a:schemeClr>
+          </a:lnRef>
+          <a:fillRef idx="1">
+            <a:schemeClr val="accent1"/>
+          </a:fillRef>
+          <a:effectRef idx="0">
+            <a:schemeClr val="accent1"/>
+          </a:effectRef>
+          <a:fontRef idx="minor">
+            <a:schemeClr val="lt1"/>
+          </a:fontRef>
+        </p:style>
+        <p:txBody>
+          <a:bodyPr rtlCol="0" anchor="ctr"/>
+          <a:lstStyle/>
+          <a:p>
+            <a:pPr algn="ctr"/>
+            <a:endParaRPr lang="fr-FR"/>
+          </a:p>
+        </p:txBody>
+      </p:sp>
+      <p:sp>
+        <p:nvSpPr>
+          <p:cNvPr id="32" name="Freeform 31"/>
+          <p:cNvSpPr/>
+          <p:nvPr/>
+        </p:nvSpPr>
+        <p:spPr>
+          <a:xfrm>
+            <a:off x="8393526" y="1873424"/>
+            <a:ext cx="0" cy="151254"/>
+          </a:xfrm>
+          <a:custGeom>
+            <a:avLst/>
+            <a:gdLst>
+              <a:gd name="connsiteX0" fmla="*/ 0 w 0"/>
+              <a:gd name="connsiteY0" fmla="*/ 0 h 151254"/>
+              <a:gd name="connsiteX1" fmla="*/ 0 w 0"/>
+              <a:gd name="connsiteY1" fmla="*/ 151254 h 151254"/>
+            </a:gdLst>
+            <a:ahLst/>
+            <a:cxnLst>
+              <a:cxn ang="0">
+                <a:pos x="connsiteX0" y="connsiteY0"/>
+              </a:cxn>
+              <a:cxn ang="0">
+                <a:pos x="connsiteX1" y="connsiteY1"/>
+              </a:cxn>
+            </a:cxnLst>
+            <a:rect l="l" t="t" r="r" b="b"/>
+            <a:pathLst>
+              <a:path h="151254">
+                <a:moveTo>
+                  <a:pt x="0" y="0"/>
+                </a:moveTo>
+                <a:lnTo>
+                  <a:pt x="0" y="151254"/>
+                </a:lnTo>
+              </a:path>
+            </a:pathLst>
+          </a:custGeom>
+          <a:noFill/>
+          <a:ln w="38100">
+            <a:solidFill>
+              <a:srgbClr val="00B0F0"/>
+            </a:solidFill>
+          </a:ln>
+        </p:spPr>
+        <p:style>
+          <a:lnRef idx="2">
+            <a:schemeClr val="accent1">
+              <a:shade val="50000"/>
+            </a:schemeClr>
+          </a:lnRef>
+          <a:fillRef idx="1">
+            <a:schemeClr val="accent1"/>
+          </a:fillRef>
+          <a:effectRef idx="0">
+            <a:schemeClr val="accent1"/>
+          </a:effectRef>
+          <a:fontRef idx="minor">
+            <a:schemeClr val="lt1"/>
+          </a:fontRef>
+        </p:style>
+        <p:txBody>
+          <a:bodyPr rtlCol="0" anchor="ctr"/>
+          <a:lstStyle/>
+          <a:p>
+            <a:pPr algn="ctr"/>
+            <a:endParaRPr lang="fr-FR"/>
+          </a:p>
+        </p:txBody>
+      </p:sp>
+      <p:sp>
+        <p:nvSpPr>
+          <p:cNvPr id="33" name="Freeform 32"/>
+          <p:cNvSpPr/>
+          <p:nvPr/>
+        </p:nvSpPr>
+        <p:spPr>
+          <a:xfrm>
+            <a:off x="8055624" y="4114339"/>
+            <a:ext cx="1095764" cy="440575"/>
+          </a:xfrm>
+          <a:custGeom>
+            <a:avLst/>
+            <a:gdLst>
+              <a:gd name="connsiteX0" fmla="*/ 6797 w 1095764"/>
+              <a:gd name="connsiteY0" fmla="*/ 0 h 440575"/>
+              <a:gd name="connsiteX1" fmla="*/ 56673 w 1095764"/>
+              <a:gd name="connsiteY1" fmla="*/ 116378 h 440575"/>
+              <a:gd name="connsiteX2" fmla="*/ 422433 w 1095764"/>
+              <a:gd name="connsiteY2" fmla="*/ 249382 h 440575"/>
+              <a:gd name="connsiteX3" fmla="*/ 1095764 w 1095764"/>
+              <a:gd name="connsiteY3" fmla="*/ 440575 h 440575"/>
+            </a:gdLst>
+            <a:ahLst/>
+            <a:cxnLst>
+              <a:cxn ang="0">
+                <a:pos x="connsiteX0" y="connsiteY0"/>
+              </a:cxn>
+              <a:cxn ang="0">
+                <a:pos x="connsiteX1" y="connsiteY1"/>
+              </a:cxn>
+              <a:cxn ang="0">
+                <a:pos x="connsiteX2" y="connsiteY2"/>
+              </a:cxn>
+              <a:cxn ang="0">
+                <a:pos x="connsiteX3" y="connsiteY3"/>
+              </a:cxn>
+            </a:cxnLst>
+            <a:rect l="l" t="t" r="r" b="b"/>
+            <a:pathLst>
+              <a:path w="1095764" h="440575">
+                <a:moveTo>
+                  <a:pt x="6797" y="0"/>
+                </a:moveTo>
+                <a:cubicBezTo>
+                  <a:pt x="-2902" y="37407"/>
+                  <a:pt x="-12600" y="74814"/>
+                  <a:pt x="56673" y="116378"/>
+                </a:cubicBezTo>
+                <a:cubicBezTo>
+                  <a:pt x="125946" y="157942"/>
+                  <a:pt x="249251" y="195349"/>
+                  <a:pt x="422433" y="249382"/>
+                </a:cubicBezTo>
+                <a:cubicBezTo>
+                  <a:pt x="595615" y="303415"/>
+                  <a:pt x="1095764" y="440575"/>
+                  <a:pt x="1095764" y="440575"/>
+                </a:cubicBezTo>
+              </a:path>
+            </a:pathLst>
+          </a:custGeom>
+          <a:noFill/>
+          <a:ln w="38100">
+            <a:solidFill>
+              <a:srgbClr val="00B0F0"/>
+            </a:solidFill>
+          </a:ln>
+        </p:spPr>
+        <p:style>
+          <a:lnRef idx="2">
+            <a:schemeClr val="accent1">
+              <a:shade val="50000"/>
+            </a:schemeClr>
+          </a:lnRef>
+          <a:fillRef idx="1">
+            <a:schemeClr val="accent1"/>
+          </a:fillRef>
+          <a:effectRef idx="0">
+            <a:schemeClr val="accent1"/>
+          </a:effectRef>
+          <a:fontRef idx="minor">
+            <a:schemeClr val="lt1"/>
+          </a:fontRef>
+        </p:style>
+        <p:txBody>
+          <a:bodyPr rtlCol="0" anchor="ctr"/>
+          <a:lstStyle/>
+          <a:p>
+            <a:pPr algn="ctr"/>
+            <a:endParaRPr lang="fr-FR"/>
+          </a:p>
+        </p:txBody>
+      </p:sp>
+      <p:sp>
+        <p:nvSpPr>
+          <p:cNvPr id="34" name="Freeform 33"/>
+          <p:cNvSpPr/>
+          <p:nvPr/>
+        </p:nvSpPr>
+        <p:spPr>
+          <a:xfrm>
+            <a:off x="8283459" y="1860757"/>
+            <a:ext cx="0" cy="151254"/>
+          </a:xfrm>
+          <a:custGeom>
+            <a:avLst/>
+            <a:gdLst>
+              <a:gd name="connsiteX0" fmla="*/ 0 w 0"/>
+              <a:gd name="connsiteY0" fmla="*/ 0 h 151254"/>
+              <a:gd name="connsiteX1" fmla="*/ 0 w 0"/>
+              <a:gd name="connsiteY1" fmla="*/ 151254 h 151254"/>
+            </a:gdLst>
+            <a:ahLst/>
+            <a:cxnLst>
+              <a:cxn ang="0">
+                <a:pos x="connsiteX0" y="connsiteY0"/>
+              </a:cxn>
+              <a:cxn ang="0">
+                <a:pos x="connsiteX1" y="connsiteY1"/>
+              </a:cxn>
+            </a:cxnLst>
+            <a:rect l="l" t="t" r="r" b="b"/>
+            <a:pathLst>
+              <a:path h="151254">
+                <a:moveTo>
+                  <a:pt x="0" y="0"/>
+                </a:moveTo>
+                <a:lnTo>
+                  <a:pt x="0" y="151254"/>
+                </a:lnTo>
+              </a:path>
+            </a:pathLst>
+          </a:custGeom>
+          <a:noFill/>
+          <a:ln w="38100">
+            <a:solidFill>
+              <a:srgbClr val="002060"/>
+            </a:solidFill>
+          </a:ln>
+        </p:spPr>
+        <p:style>
+          <a:lnRef idx="2">
+            <a:schemeClr val="accent1">
+              <a:shade val="50000"/>
+            </a:schemeClr>
+          </a:lnRef>
+          <a:fillRef idx="1">
+            <a:schemeClr val="accent1"/>
+          </a:fillRef>
+          <a:effectRef idx="0">
+            <a:schemeClr val="accent1"/>
+          </a:effectRef>
+          <a:fontRef idx="minor">
+            <a:schemeClr val="lt1"/>
+          </a:fontRef>
+        </p:style>
+        <p:txBody>
+          <a:bodyPr rtlCol="0" anchor="ctr"/>
+          <a:lstStyle/>
+          <a:p>
+            <a:pPr algn="ctr"/>
+            <a:endParaRPr lang="fr-FR"/>
+          </a:p>
+        </p:txBody>
+      </p:sp>
+      <p:sp>
+        <p:nvSpPr>
+          <p:cNvPr id="36" name="Freeform 35"/>
+          <p:cNvSpPr/>
+          <p:nvPr/>
+        </p:nvSpPr>
+        <p:spPr>
+          <a:xfrm>
+            <a:off x="9296828" y="2550777"/>
+            <a:ext cx="615142" cy="249382"/>
+          </a:xfrm>
+          <a:custGeom>
+            <a:avLst/>
+            <a:gdLst>
+              <a:gd name="connsiteX0" fmla="*/ 0 w 615142"/>
+              <a:gd name="connsiteY0" fmla="*/ 0 h 249382"/>
+              <a:gd name="connsiteX1" fmla="*/ 498764 w 615142"/>
+              <a:gd name="connsiteY1" fmla="*/ 149629 h 249382"/>
+              <a:gd name="connsiteX2" fmla="*/ 615142 w 615142"/>
+              <a:gd name="connsiteY2" fmla="*/ 249382 h 249382"/>
+            </a:gdLst>
+            <a:ahLst/>
+            <a:cxnLst>
+              <a:cxn ang="0">
+                <a:pos x="connsiteX0" y="connsiteY0"/>
+              </a:cxn>
+              <a:cxn ang="0">
+                <a:pos x="connsiteX1" y="connsiteY1"/>
+              </a:cxn>
+              <a:cxn ang="0">
+                <a:pos x="connsiteX2" y="connsiteY2"/>
+              </a:cxn>
+            </a:cxnLst>
+            <a:rect l="l" t="t" r="r" b="b"/>
+            <a:pathLst>
+              <a:path w="615142" h="249382">
+                <a:moveTo>
+                  <a:pt x="0" y="0"/>
+                </a:moveTo>
+                <a:cubicBezTo>
+                  <a:pt x="198120" y="54032"/>
+                  <a:pt x="396240" y="108065"/>
+                  <a:pt x="498764" y="149629"/>
+                </a:cubicBezTo>
+                <a:cubicBezTo>
+                  <a:pt x="601288" y="191193"/>
+                  <a:pt x="615142" y="249382"/>
+                  <a:pt x="615142" y="249382"/>
+                </a:cubicBezTo>
+              </a:path>
+            </a:pathLst>
+          </a:custGeom>
+          <a:noFill/>
+          <a:ln w="38100">
+            <a:solidFill>
+              <a:srgbClr val="002060"/>
+            </a:solidFill>
+          </a:ln>
+        </p:spPr>
+        <p:style>
+          <a:lnRef idx="2">
+            <a:schemeClr val="accent1">
+              <a:shade val="50000"/>
+            </a:schemeClr>
+          </a:lnRef>
+          <a:fillRef idx="1">
+            <a:schemeClr val="accent1"/>
+          </a:fillRef>
+          <a:effectRef idx="0">
+            <a:schemeClr val="accent1"/>
+          </a:effectRef>
+          <a:fontRef idx="minor">
+            <a:schemeClr val="lt1"/>
+          </a:fontRef>
+        </p:style>
+        <p:txBody>
+          <a:bodyPr rtlCol="0" anchor="ctr"/>
+          <a:lstStyle/>
+          <a:p>
+            <a:pPr algn="ctr"/>
+            <a:endParaRPr lang="fr-FR"/>
+          </a:p>
+        </p:txBody>
+      </p:sp>
+      <p:sp>
+        <p:nvSpPr>
+          <p:cNvPr id="37" name="Freeform 36"/>
+          <p:cNvSpPr/>
+          <p:nvPr/>
+        </p:nvSpPr>
+        <p:spPr>
+          <a:xfrm>
+            <a:off x="8951278" y="3307235"/>
+            <a:ext cx="927287" cy="355700"/>
+          </a:xfrm>
+          <a:custGeom>
+            <a:avLst/>
+            <a:gdLst>
+              <a:gd name="connsiteX0" fmla="*/ 924088 w 927287"/>
+              <a:gd name="connsiteY0" fmla="*/ 0 h 355700"/>
+              <a:gd name="connsiteX1" fmla="*/ 874212 w 927287"/>
+              <a:gd name="connsiteY1" fmla="*/ 124691 h 355700"/>
+              <a:gd name="connsiteX2" fmla="*/ 558328 w 927287"/>
+              <a:gd name="connsiteY2" fmla="*/ 216131 h 355700"/>
+              <a:gd name="connsiteX3" fmla="*/ 1375 w 927287"/>
+              <a:gd name="connsiteY3" fmla="*/ 349135 h 355700"/>
+            </a:gdLst>
+            <a:ahLst/>
+            <a:cxnLst>
+              <a:cxn ang="0">
+                <a:pos x="connsiteX0" y="connsiteY0"/>
+              </a:cxn>
+              <a:cxn ang="0">
+                <a:pos x="connsiteX1" y="connsiteY1"/>
+              </a:cxn>
+              <a:cxn ang="0">
+                <a:pos x="connsiteX2" y="connsiteY2"/>
+              </a:cxn>
+              <a:cxn ang="0">
+                <a:pos x="connsiteX3" y="connsiteY3"/>
+              </a:cxn>
+            </a:cxnLst>
+            <a:rect l="l" t="t" r="r" b="b"/>
+            <a:pathLst>
+              <a:path w="927287" h="355700">
+                <a:moveTo>
+                  <a:pt x="924088" y="0"/>
+                </a:moveTo>
+                <a:cubicBezTo>
+                  <a:pt x="929630" y="44334"/>
+                  <a:pt x="935172" y="88669"/>
+                  <a:pt x="874212" y="124691"/>
+                </a:cubicBezTo>
+                <a:cubicBezTo>
+                  <a:pt x="813252" y="160713"/>
+                  <a:pt x="703801" y="178724"/>
+                  <a:pt x="558328" y="216131"/>
+                </a:cubicBezTo>
+                <a:cubicBezTo>
+                  <a:pt x="412855" y="253538"/>
+                  <a:pt x="-27719" y="386542"/>
+                  <a:pt x="1375" y="349135"/>
+                </a:cubicBezTo>
+              </a:path>
+            </a:pathLst>
+          </a:custGeom>
+          <a:noFill/>
+          <a:ln w="38100">
+            <a:solidFill>
+              <a:srgbClr val="002060"/>
+            </a:solidFill>
+          </a:ln>
+        </p:spPr>
+        <p:style>
+          <a:lnRef idx="2">
+            <a:schemeClr val="accent1">
+              <a:shade val="50000"/>
+            </a:schemeClr>
+          </a:lnRef>
+          <a:fillRef idx="1">
+            <a:schemeClr val="accent1"/>
+          </a:fillRef>
+          <a:effectRef idx="0">
+            <a:schemeClr val="accent1"/>
+          </a:effectRef>
+          <a:fontRef idx="minor">
+            <a:schemeClr val="lt1"/>
+          </a:fontRef>
+        </p:style>
+        <p:txBody>
+          <a:bodyPr rtlCol="0" anchor="ctr"/>
+          <a:lstStyle/>
+          <a:p>
+            <a:pPr algn="ctr"/>
+            <a:endParaRPr lang="fr-FR"/>
+          </a:p>
+        </p:txBody>
+      </p:sp>
+      <p:sp>
+        <p:nvSpPr>
+          <p:cNvPr id="38" name="Freeform 37"/>
+          <p:cNvSpPr/>
+          <p:nvPr/>
+        </p:nvSpPr>
+        <p:spPr>
+          <a:xfrm>
+            <a:off x="7984211" y="4168150"/>
+            <a:ext cx="1095764" cy="440575"/>
+          </a:xfrm>
+          <a:custGeom>
+            <a:avLst/>
+            <a:gdLst>
+              <a:gd name="connsiteX0" fmla="*/ 6797 w 1095764"/>
+              <a:gd name="connsiteY0" fmla="*/ 0 h 440575"/>
+              <a:gd name="connsiteX1" fmla="*/ 56673 w 1095764"/>
+              <a:gd name="connsiteY1" fmla="*/ 116378 h 440575"/>
+              <a:gd name="connsiteX2" fmla="*/ 422433 w 1095764"/>
+              <a:gd name="connsiteY2" fmla="*/ 249382 h 440575"/>
+              <a:gd name="connsiteX3" fmla="*/ 1095764 w 1095764"/>
+              <a:gd name="connsiteY3" fmla="*/ 440575 h 440575"/>
+            </a:gdLst>
+            <a:ahLst/>
+            <a:cxnLst>
+              <a:cxn ang="0">
+                <a:pos x="connsiteX0" y="connsiteY0"/>
+              </a:cxn>
+              <a:cxn ang="0">
+                <a:pos x="connsiteX1" y="connsiteY1"/>
+              </a:cxn>
+              <a:cxn ang="0">
+                <a:pos x="connsiteX2" y="connsiteY2"/>
+              </a:cxn>
+              <a:cxn ang="0">
+                <a:pos x="connsiteX3" y="connsiteY3"/>
+              </a:cxn>
+            </a:cxnLst>
+            <a:rect l="l" t="t" r="r" b="b"/>
+            <a:pathLst>
+              <a:path w="1095764" h="440575">
+                <a:moveTo>
+                  <a:pt x="6797" y="0"/>
+                </a:moveTo>
+                <a:cubicBezTo>
+                  <a:pt x="-2902" y="37407"/>
+                  <a:pt x="-12600" y="74814"/>
+                  <a:pt x="56673" y="116378"/>
+                </a:cubicBezTo>
+                <a:cubicBezTo>
+                  <a:pt x="125946" y="157942"/>
+                  <a:pt x="249251" y="195349"/>
+                  <a:pt x="422433" y="249382"/>
+                </a:cubicBezTo>
+                <a:cubicBezTo>
+                  <a:pt x="595615" y="303415"/>
+                  <a:pt x="1095764" y="440575"/>
+                  <a:pt x="1095764" y="440575"/>
+                </a:cubicBezTo>
+              </a:path>
+            </a:pathLst>
+          </a:custGeom>
+          <a:noFill/>
+          <a:ln w="38100">
+            <a:solidFill>
+              <a:srgbClr val="002060"/>
+            </a:solidFill>
+          </a:ln>
+        </p:spPr>
+        <p:style>
+          <a:lnRef idx="2">
+            <a:schemeClr val="accent1">
+              <a:shade val="50000"/>
+            </a:schemeClr>
+          </a:lnRef>
+          <a:fillRef idx="1">
+            <a:schemeClr val="accent1"/>
+          </a:fillRef>
+          <a:effectRef idx="0">
+            <a:schemeClr val="accent1"/>
+          </a:effectRef>
+          <a:fontRef idx="minor">
+            <a:schemeClr val="lt1"/>
+          </a:fontRef>
+        </p:style>
+        <p:txBody>
+          <a:bodyPr rtlCol="0" anchor="ctr"/>
+          <a:lstStyle/>
+          <a:p>
+            <a:pPr algn="ctr"/>
+            <a:endParaRPr lang="fr-FR"/>
+          </a:p>
+        </p:txBody>
+      </p:sp>
+      <p:sp>
+        <p:nvSpPr>
+          <p:cNvPr id="39" name="Freeform 38"/>
+          <p:cNvSpPr/>
+          <p:nvPr/>
+        </p:nvSpPr>
+        <p:spPr>
+          <a:xfrm>
+            <a:off x="9378939" y="2468501"/>
+            <a:ext cx="1605629" cy="1084320"/>
+          </a:xfrm>
+          <a:custGeom>
+            <a:avLst/>
+            <a:gdLst>
+              <a:gd name="connsiteX0" fmla="*/ 0 w 1605629"/>
+              <a:gd name="connsiteY0" fmla="*/ 0 h 1084320"/>
+              <a:gd name="connsiteX1" fmla="*/ 1106905 w 1605629"/>
+              <a:gd name="connsiteY1" fmla="*/ 192505 h 1084320"/>
+              <a:gd name="connsiteX2" fmla="*/ 1491916 w 1605629"/>
+              <a:gd name="connsiteY2" fmla="*/ 348916 h 1084320"/>
+              <a:gd name="connsiteX3" fmla="*/ 1600200 w 1605629"/>
+              <a:gd name="connsiteY3" fmla="*/ 493295 h 1084320"/>
+              <a:gd name="connsiteX4" fmla="*/ 1600200 w 1605629"/>
+              <a:gd name="connsiteY4" fmla="*/ 1082842 h 1084320"/>
+            </a:gdLst>
+            <a:ahLst/>
+            <a:cxnLst>
+              <a:cxn ang="0">
+                <a:pos x="connsiteX0" y="connsiteY0"/>
+              </a:cxn>
+              <a:cxn ang="0">
+                <a:pos x="connsiteX1" y="connsiteY1"/>
+              </a:cxn>
+              <a:cxn ang="0">
+                <a:pos x="connsiteX2" y="connsiteY2"/>
+              </a:cxn>
+              <a:cxn ang="0">
+                <a:pos x="connsiteX3" y="connsiteY3"/>
+              </a:cxn>
+              <a:cxn ang="0">
+                <a:pos x="connsiteX4" y="connsiteY4"/>
+              </a:cxn>
+            </a:cxnLst>
+            <a:rect l="l" t="t" r="r" b="b"/>
+            <a:pathLst>
+              <a:path w="1605629" h="1084320">
+                <a:moveTo>
+                  <a:pt x="0" y="0"/>
+                </a:moveTo>
+                <a:cubicBezTo>
+                  <a:pt x="429126" y="67176"/>
+                  <a:pt x="858252" y="134352"/>
+                  <a:pt x="1106905" y="192505"/>
+                </a:cubicBezTo>
+                <a:cubicBezTo>
+                  <a:pt x="1355558" y="250658"/>
+                  <a:pt x="1409700" y="298784"/>
+                  <a:pt x="1491916" y="348916"/>
+                </a:cubicBezTo>
+                <a:cubicBezTo>
+                  <a:pt x="1574132" y="399048"/>
+                  <a:pt x="1582153" y="370974"/>
+                  <a:pt x="1600200" y="493295"/>
+                </a:cubicBezTo>
+                <a:cubicBezTo>
+                  <a:pt x="1618247" y="615616"/>
+                  <a:pt x="1584158" y="1114926"/>
+                  <a:pt x="1600200" y="1082842"/>
+                </a:cubicBezTo>
+              </a:path>
+            </a:pathLst>
+          </a:custGeom>
+          <a:noFill/>
+          <a:ln w="38100">
+            <a:solidFill>
+              <a:schemeClr val="accent4">
+                <a:lumMod val="75000"/>
+              </a:schemeClr>
+            </a:solidFill>
+          </a:ln>
+        </p:spPr>
+        <p:style>
+          <a:lnRef idx="2">
+            <a:schemeClr val="accent1">
+              <a:shade val="50000"/>
+            </a:schemeClr>
+          </a:lnRef>
+          <a:fillRef idx="1">
+            <a:schemeClr val="accent1"/>
+          </a:fillRef>
+          <a:effectRef idx="0">
+            <a:schemeClr val="accent1"/>
+          </a:effectRef>
+          <a:fontRef idx="minor">
+            <a:schemeClr val="lt1"/>
+          </a:fontRef>
+        </p:style>
+        <p:txBody>
+          <a:bodyPr rtlCol="0" anchor="ctr"/>
+          <a:lstStyle/>
+          <a:p>
+            <a:pPr algn="ctr"/>
+            <a:endParaRPr lang="fr-FR"/>
+          </a:p>
+        </p:txBody>
+      </p:sp>
+      <p:sp>
+        <p:nvSpPr>
+          <p:cNvPr id="40" name="Freeform 39"/>
+          <p:cNvSpPr/>
+          <p:nvPr/>
+        </p:nvSpPr>
+        <p:spPr>
+          <a:xfrm>
+            <a:off x="9875367" y="4072006"/>
+            <a:ext cx="1097498" cy="440575"/>
+          </a:xfrm>
+          <a:custGeom>
+            <a:avLst/>
+            <a:gdLst>
+              <a:gd name="connsiteX0" fmla="*/ 1088967 w 1097498"/>
+              <a:gd name="connsiteY0" fmla="*/ 0 h 440575"/>
+              <a:gd name="connsiteX1" fmla="*/ 1047403 w 1097498"/>
+              <a:gd name="connsiteY1" fmla="*/ 108066 h 440575"/>
+              <a:gd name="connsiteX2" fmla="*/ 706582 w 1097498"/>
+              <a:gd name="connsiteY2" fmla="*/ 241069 h 440575"/>
+              <a:gd name="connsiteX3" fmla="*/ 0 w 1097498"/>
+              <a:gd name="connsiteY3" fmla="*/ 440575 h 440575"/>
+            </a:gdLst>
+            <a:ahLst/>
+            <a:cxnLst>
+              <a:cxn ang="0">
+                <a:pos x="connsiteX0" y="connsiteY0"/>
+              </a:cxn>
+              <a:cxn ang="0">
+                <a:pos x="connsiteX1" y="connsiteY1"/>
+              </a:cxn>
+              <a:cxn ang="0">
+                <a:pos x="connsiteX2" y="connsiteY2"/>
+              </a:cxn>
+              <a:cxn ang="0">
+                <a:pos x="connsiteX3" y="connsiteY3"/>
+              </a:cxn>
+            </a:cxnLst>
+            <a:rect l="l" t="t" r="r" b="b"/>
+            <a:pathLst>
+              <a:path w="1097498" h="440575">
+                <a:moveTo>
+                  <a:pt x="1088967" y="0"/>
+                </a:moveTo>
+                <a:cubicBezTo>
+                  <a:pt x="1100050" y="33944"/>
+                  <a:pt x="1111134" y="67888"/>
+                  <a:pt x="1047403" y="108066"/>
+                </a:cubicBezTo>
+                <a:cubicBezTo>
+                  <a:pt x="983672" y="148244"/>
+                  <a:pt x="881149" y="185651"/>
+                  <a:pt x="706582" y="241069"/>
+                </a:cubicBezTo>
+                <a:cubicBezTo>
+                  <a:pt x="532015" y="296487"/>
+                  <a:pt x="0" y="440575"/>
+                  <a:pt x="0" y="440575"/>
+                </a:cubicBezTo>
+              </a:path>
+            </a:pathLst>
+          </a:custGeom>
+          <a:noFill/>
+          <a:ln w="38100">
+            <a:solidFill>
+              <a:schemeClr val="accent4">
+                <a:lumMod val="75000"/>
+              </a:schemeClr>
+            </a:solidFill>
+          </a:ln>
+        </p:spPr>
+        <p:style>
+          <a:lnRef idx="2">
+            <a:schemeClr val="accent1">
+              <a:shade val="50000"/>
+            </a:schemeClr>
+          </a:lnRef>
+          <a:fillRef idx="1">
+            <a:schemeClr val="accent1"/>
+          </a:fillRef>
+          <a:effectRef idx="0">
+            <a:schemeClr val="accent1"/>
+          </a:effectRef>
+          <a:fontRef idx="minor">
+            <a:schemeClr val="lt1"/>
+          </a:fontRef>
+        </p:style>
+        <p:txBody>
+          <a:bodyPr rtlCol="0" anchor="ctr"/>
+          <a:lstStyle/>
+          <a:p>
+            <a:pPr algn="ctr"/>
+            <a:endParaRPr lang="fr-FR"/>
+          </a:p>
+        </p:txBody>
+      </p:sp>
+      <p:sp>
+        <p:nvSpPr>
+          <p:cNvPr id="41" name="Freeform 40"/>
+          <p:cNvSpPr/>
+          <p:nvPr/>
+        </p:nvSpPr>
+        <p:spPr>
+          <a:xfrm>
+            <a:off x="8456027" y="1873425"/>
+            <a:ext cx="0" cy="151254"/>
+          </a:xfrm>
+          <a:custGeom>
+            <a:avLst/>
+            <a:gdLst>
+              <a:gd name="connsiteX0" fmla="*/ 0 w 0"/>
+              <a:gd name="connsiteY0" fmla="*/ 0 h 151254"/>
+              <a:gd name="connsiteX1" fmla="*/ 0 w 0"/>
+              <a:gd name="connsiteY1" fmla="*/ 151254 h 151254"/>
+            </a:gdLst>
+            <a:ahLst/>
+            <a:cxnLst>
+              <a:cxn ang="0">
+                <a:pos x="connsiteX0" y="connsiteY0"/>
+              </a:cxn>
+              <a:cxn ang="0">
+                <a:pos x="connsiteX1" y="connsiteY1"/>
+              </a:cxn>
+            </a:cxnLst>
+            <a:rect l="l" t="t" r="r" b="b"/>
+            <a:pathLst>
+              <a:path h="151254">
+                <a:moveTo>
+                  <a:pt x="0" y="0"/>
+                </a:moveTo>
+                <a:lnTo>
+                  <a:pt x="0" y="151254"/>
+                </a:lnTo>
+              </a:path>
+            </a:pathLst>
+          </a:custGeom>
+          <a:noFill/>
+          <a:ln w="38100">
+            <a:solidFill>
+              <a:schemeClr val="accent4">
+                <a:lumMod val="75000"/>
+              </a:schemeClr>
+            </a:solidFill>
+          </a:ln>
+        </p:spPr>
+        <p:style>
+          <a:lnRef idx="2">
+            <a:schemeClr val="accent1">
+              <a:shade val="50000"/>
+            </a:schemeClr>
+          </a:lnRef>
+          <a:fillRef idx="1">
+            <a:schemeClr val="accent1"/>
+          </a:fillRef>
+          <a:effectRef idx="0">
+            <a:schemeClr val="accent1"/>
+          </a:effectRef>
+          <a:fontRef idx="minor">
+            <a:schemeClr val="lt1"/>
+          </a:fontRef>
+        </p:style>
+        <p:txBody>
+          <a:bodyPr rtlCol="0" anchor="ctr"/>
+          <a:lstStyle/>
+          <a:p>
+            <a:pPr algn="ctr"/>
+            <a:endParaRPr lang="fr-FR"/>
+          </a:p>
+        </p:txBody>
+      </p:sp>
+      <p:sp>
+        <p:nvSpPr>
+          <p:cNvPr id="42" name="TextBox 41"/>
           <p:cNvSpPr txBox="1"/>
           <p:nvPr/>
         </p:nvSpPr>
         <p:spPr>
           <a:xfrm>
-            <a:off x="7112876" y="5681137"/>
-            <a:ext cx="3332136" cy="646331"/>
+            <a:off x="2321984" y="5634566"/>
+            <a:ext cx="8133568" cy="800219"/>
           </a:xfrm>
           <a:prstGeom prst="rect">
             <a:avLst/>
@@ -30765,8 +32705,94 @@
           <a:p>
             <a:pPr algn="ctr"/>
             <a:r>
+              <a:rPr lang="fr-FR" b="1" dirty="0"/>
+              <a:t>200 000 </a:t>
+            </a:r>
+            <a:r>
+              <a:rPr lang="fr-FR" dirty="0"/>
+              <a:t>conversions * </a:t>
+            </a:r>
+            <a:r>
+              <a:rPr lang="fr-FR" b="1" dirty="0"/>
+              <a:t>4</a:t>
+            </a:r>
+            <a:r>
+              <a:rPr lang="fr-FR" dirty="0"/>
+              <a:t> changements d’états = </a:t>
+            </a:r>
+            <a:r>
+              <a:rPr lang="fr-FR" b="1" dirty="0"/>
+              <a:t>800 000</a:t>
+            </a:r>
+            <a:r>
+              <a:rPr lang="fr-FR" dirty="0"/>
+              <a:t> transitions</a:t>
+            </a:r>
+          </a:p>
+          <a:p>
+            <a:pPr algn="ctr"/>
+            <a:r>
+              <a:rPr lang="fr-FR" b="1" dirty="0"/>
+              <a:t>800 000 </a:t>
+            </a:r>
+            <a:r>
               <a:rPr lang="fr-FR" dirty="0" smtClean="0"/>
-              <a:t>3 changements d’états sur ce schéma</a:t>
+              <a:t>transitions</a:t>
+            </a:r>
+            <a:r>
+              <a:rPr lang="fr-FR" b="1" dirty="0" smtClean="0"/>
+              <a:t> </a:t>
+            </a:r>
+            <a:r>
+              <a:rPr lang="fr-FR" dirty="0" smtClean="0"/>
+              <a:t>* </a:t>
+            </a:r>
+            <a:r>
+              <a:rPr lang="en-US" b="1" dirty="0" smtClean="0"/>
+              <a:t>0,000025$</a:t>
+            </a:r>
+            <a:r>
+              <a:rPr lang="en-US" dirty="0" smtClean="0"/>
+              <a:t> </a:t>
+            </a:r>
+            <a:r>
+              <a:rPr lang="en-US" dirty="0"/>
+              <a:t>= </a:t>
+            </a:r>
+            <a:r>
+              <a:rPr lang="en-US" sz="2800" b="1" dirty="0"/>
+              <a:t>20$</a:t>
+            </a:r>
+            <a:endParaRPr lang="fr-FR" b="1" dirty="0"/>
+          </a:p>
+        </p:txBody>
+      </p:sp>
+      <p:sp>
+        <p:nvSpPr>
+          <p:cNvPr id="6" name="TextBox 5"/>
+          <p:cNvSpPr txBox="1"/>
+          <p:nvPr/>
+        </p:nvSpPr>
+        <p:spPr>
+          <a:xfrm>
+            <a:off x="8462134" y="1268522"/>
+            <a:ext cx="3761116" cy="646331"/>
+          </a:xfrm>
+          <a:prstGeom prst="rect">
+            <a:avLst/>
+          </a:prstGeom>
+          <a:noFill/>
+        </p:spPr>
+        <p:txBody>
+          <a:bodyPr wrap="square" rtlCol="0">
+            <a:spAutoFit/>
+          </a:bodyPr>
+          <a:lstStyle/>
+          <a:p>
+            <a:pPr algn="ctr"/>
+            <a:r>
+              <a:rPr lang="fr-FR" dirty="0" smtClean="0"/>
+              <a:t>4 chemins possibles de 4 changements d’états</a:t>
             </a:r>
             <a:endParaRPr lang="fr-FR" dirty="0"/>
           </a:p>
@@ -30785,9 +32811,624 @@
   <p:timing>
     <p:tnLst>
       <p:par>
-        <p:cTn id="1" dur="indefinite" restart="never" nodeType="tmRoot"/>
+        <p:cTn id="1" dur="indefinite" restart="never" nodeType="tmRoot">
+          <p:childTnLst>
+            <p:seq concurrent="1" nextAc="seek">
+              <p:cTn id="2" dur="indefinite" nodeType="mainSeq">
+                <p:childTnLst>
+                  <p:par>
+                    <p:cTn id="3" fill="hold">
+                      <p:stCondLst>
+                        <p:cond delay="indefinite"/>
+                      </p:stCondLst>
+                      <p:childTnLst>
+                        <p:par>
+                          <p:cTn id="4" fill="hold">
+                            <p:stCondLst>
+                              <p:cond delay="0"/>
+                            </p:stCondLst>
+                            <p:childTnLst>
+                              <p:par>
+                                <p:cTn id="5" presetID="1" presetClass="entr" presetSubtype="0" fill="hold" grpId="0" nodeType="clickEffect">
+                                  <p:stCondLst>
+                                    <p:cond delay="0"/>
+                                  </p:stCondLst>
+                                  <p:childTnLst>
+                                    <p:set>
+                                      <p:cBhvr>
+                                        <p:cTn id="6" dur="1" fill="hold">
+                                          <p:stCondLst>
+                                            <p:cond delay="0"/>
+                                          </p:stCondLst>
+                                        </p:cTn>
+                                        <p:tgtEl>
+                                          <p:spTgt spid="28"/>
+                                        </p:tgtEl>
+                                        <p:attrNameLst>
+                                          <p:attrName>style.visibility</p:attrName>
+                                        </p:attrNameLst>
+                                      </p:cBhvr>
+                                      <p:to>
+                                        <p:strVal val="visible"/>
+                                      </p:to>
+                                    </p:set>
+                                  </p:childTnLst>
+                                </p:cTn>
+                              </p:par>
+                              <p:par>
+                                <p:cTn id="7" presetID="1" presetClass="entr" presetSubtype="0" fill="hold" grpId="0" nodeType="withEffect">
+                                  <p:stCondLst>
+                                    <p:cond delay="0"/>
+                                  </p:stCondLst>
+                                  <p:childTnLst>
+                                    <p:set>
+                                      <p:cBhvr>
+                                        <p:cTn id="8" dur="1" fill="hold">
+                                          <p:stCondLst>
+                                            <p:cond delay="0"/>
+                                          </p:stCondLst>
+                                        </p:cTn>
+                                        <p:tgtEl>
+                                          <p:spTgt spid="26"/>
+                                        </p:tgtEl>
+                                        <p:attrNameLst>
+                                          <p:attrName>style.visibility</p:attrName>
+                                        </p:attrNameLst>
+                                      </p:cBhvr>
+                                      <p:to>
+                                        <p:strVal val="visible"/>
+                                      </p:to>
+                                    </p:set>
+                                  </p:childTnLst>
+                                </p:cTn>
+                              </p:par>
+                              <p:par>
+                                <p:cTn id="9" presetID="1" presetClass="entr" presetSubtype="0" fill="hold" grpId="0" nodeType="withEffect">
+                                  <p:stCondLst>
+                                    <p:cond delay="0"/>
+                                  </p:stCondLst>
+                                  <p:childTnLst>
+                                    <p:set>
+                                      <p:cBhvr>
+                                        <p:cTn id="10" dur="1" fill="hold">
+                                          <p:stCondLst>
+                                            <p:cond delay="0"/>
+                                          </p:stCondLst>
+                                        </p:cTn>
+                                        <p:tgtEl>
+                                          <p:spTgt spid="27"/>
+                                        </p:tgtEl>
+                                        <p:attrNameLst>
+                                          <p:attrName>style.visibility</p:attrName>
+                                        </p:attrNameLst>
+                                      </p:cBhvr>
+                                      <p:to>
+                                        <p:strVal val="visible"/>
+                                      </p:to>
+                                    </p:set>
+                                  </p:childTnLst>
+                                </p:cTn>
+                              </p:par>
+                              <p:par>
+                                <p:cTn id="11" presetID="1" presetClass="entr" presetSubtype="0" fill="hold" grpId="0" nodeType="withEffect">
+                                  <p:stCondLst>
+                                    <p:cond delay="0"/>
+                                  </p:stCondLst>
+                                  <p:childTnLst>
+                                    <p:set>
+                                      <p:cBhvr>
+                                        <p:cTn id="12" dur="1" fill="hold">
+                                          <p:stCondLst>
+                                            <p:cond delay="0"/>
+                                          </p:stCondLst>
+                                        </p:cTn>
+                                        <p:tgtEl>
+                                          <p:spTgt spid="29"/>
+                                        </p:tgtEl>
+                                        <p:attrNameLst>
+                                          <p:attrName>style.visibility</p:attrName>
+                                        </p:attrNameLst>
+                                      </p:cBhvr>
+                                      <p:to>
+                                        <p:strVal val="visible"/>
+                                      </p:to>
+                                    </p:set>
+                                  </p:childTnLst>
+                                </p:cTn>
+                              </p:par>
+                            </p:childTnLst>
+                          </p:cTn>
+                        </p:par>
+                      </p:childTnLst>
+                    </p:cTn>
+                  </p:par>
+                  <p:par>
+                    <p:cTn id="13" fill="hold">
+                      <p:stCondLst>
+                        <p:cond delay="indefinite"/>
+                      </p:stCondLst>
+                      <p:childTnLst>
+                        <p:par>
+                          <p:cTn id="14" fill="hold">
+                            <p:stCondLst>
+                              <p:cond delay="0"/>
+                            </p:stCondLst>
+                            <p:childTnLst>
+                              <p:par>
+                                <p:cTn id="15" presetID="1" presetClass="entr" presetSubtype="0" fill="hold" grpId="0" nodeType="clickEffect">
+                                  <p:stCondLst>
+                                    <p:cond delay="0"/>
+                                  </p:stCondLst>
+                                  <p:childTnLst>
+                                    <p:set>
+                                      <p:cBhvr>
+                                        <p:cTn id="16" dur="1" fill="hold">
+                                          <p:stCondLst>
+                                            <p:cond delay="0"/>
+                                          </p:stCondLst>
+                                        </p:cTn>
+                                        <p:tgtEl>
+                                          <p:spTgt spid="32"/>
+                                        </p:tgtEl>
+                                        <p:attrNameLst>
+                                          <p:attrName>style.visibility</p:attrName>
+                                        </p:attrNameLst>
+                                      </p:cBhvr>
+                                      <p:to>
+                                        <p:strVal val="visible"/>
+                                      </p:to>
+                                    </p:set>
+                                  </p:childTnLst>
+                                </p:cTn>
+                              </p:par>
+                              <p:par>
+                                <p:cTn id="17" presetID="1" presetClass="entr" presetSubtype="0" fill="hold" grpId="0" nodeType="withEffect">
+                                  <p:stCondLst>
+                                    <p:cond delay="0"/>
+                                  </p:stCondLst>
+                                  <p:childTnLst>
+                                    <p:set>
+                                      <p:cBhvr>
+                                        <p:cTn id="18" dur="1" fill="hold">
+                                          <p:stCondLst>
+                                            <p:cond delay="0"/>
+                                          </p:stCondLst>
+                                        </p:cTn>
+                                        <p:tgtEl>
+                                          <p:spTgt spid="30"/>
+                                        </p:tgtEl>
+                                        <p:attrNameLst>
+                                          <p:attrName>style.visibility</p:attrName>
+                                        </p:attrNameLst>
+                                      </p:cBhvr>
+                                      <p:to>
+                                        <p:strVal val="visible"/>
+                                      </p:to>
+                                    </p:set>
+                                  </p:childTnLst>
+                                </p:cTn>
+                              </p:par>
+                              <p:par>
+                                <p:cTn id="19" presetID="1" presetClass="entr" presetSubtype="0" fill="hold" grpId="0" nodeType="withEffect">
+                                  <p:stCondLst>
+                                    <p:cond delay="0"/>
+                                  </p:stCondLst>
+                                  <p:childTnLst>
+                                    <p:set>
+                                      <p:cBhvr>
+                                        <p:cTn id="20" dur="1" fill="hold">
+                                          <p:stCondLst>
+                                            <p:cond delay="0"/>
+                                          </p:stCondLst>
+                                        </p:cTn>
+                                        <p:tgtEl>
+                                          <p:spTgt spid="31"/>
+                                        </p:tgtEl>
+                                        <p:attrNameLst>
+                                          <p:attrName>style.visibility</p:attrName>
+                                        </p:attrNameLst>
+                                      </p:cBhvr>
+                                      <p:to>
+                                        <p:strVal val="visible"/>
+                                      </p:to>
+                                    </p:set>
+                                  </p:childTnLst>
+                                </p:cTn>
+                              </p:par>
+                              <p:par>
+                                <p:cTn id="21" presetID="1" presetClass="entr" presetSubtype="0" fill="hold" grpId="0" nodeType="withEffect">
+                                  <p:stCondLst>
+                                    <p:cond delay="0"/>
+                                  </p:stCondLst>
+                                  <p:childTnLst>
+                                    <p:set>
+                                      <p:cBhvr>
+                                        <p:cTn id="22" dur="1" fill="hold">
+                                          <p:stCondLst>
+                                            <p:cond delay="0"/>
+                                          </p:stCondLst>
+                                        </p:cTn>
+                                        <p:tgtEl>
+                                          <p:spTgt spid="33"/>
+                                        </p:tgtEl>
+                                        <p:attrNameLst>
+                                          <p:attrName>style.visibility</p:attrName>
+                                        </p:attrNameLst>
+                                      </p:cBhvr>
+                                      <p:to>
+                                        <p:strVal val="visible"/>
+                                      </p:to>
+                                    </p:set>
+                                  </p:childTnLst>
+                                </p:cTn>
+                              </p:par>
+                            </p:childTnLst>
+                          </p:cTn>
+                        </p:par>
+                      </p:childTnLst>
+                    </p:cTn>
+                  </p:par>
+                  <p:par>
+                    <p:cTn id="23" fill="hold">
+                      <p:stCondLst>
+                        <p:cond delay="indefinite"/>
+                      </p:stCondLst>
+                      <p:childTnLst>
+                        <p:par>
+                          <p:cTn id="24" fill="hold">
+                            <p:stCondLst>
+                              <p:cond delay="0"/>
+                            </p:stCondLst>
+                            <p:childTnLst>
+                              <p:par>
+                                <p:cTn id="25" presetID="1" presetClass="entr" presetSubtype="0" fill="hold" grpId="0" nodeType="clickEffect">
+                                  <p:stCondLst>
+                                    <p:cond delay="0"/>
+                                  </p:stCondLst>
+                                  <p:childTnLst>
+                                    <p:set>
+                                      <p:cBhvr>
+                                        <p:cTn id="26" dur="1" fill="hold">
+                                          <p:stCondLst>
+                                            <p:cond delay="0"/>
+                                          </p:stCondLst>
+                                        </p:cTn>
+                                        <p:tgtEl>
+                                          <p:spTgt spid="34"/>
+                                        </p:tgtEl>
+                                        <p:attrNameLst>
+                                          <p:attrName>style.visibility</p:attrName>
+                                        </p:attrNameLst>
+                                      </p:cBhvr>
+                                      <p:to>
+                                        <p:strVal val="visible"/>
+                                      </p:to>
+                                    </p:set>
+                                  </p:childTnLst>
+                                </p:cTn>
+                              </p:par>
+                              <p:par>
+                                <p:cTn id="27" presetID="1" presetClass="entr" presetSubtype="0" fill="hold" grpId="0" nodeType="withEffect">
+                                  <p:stCondLst>
+                                    <p:cond delay="0"/>
+                                  </p:stCondLst>
+                                  <p:childTnLst>
+                                    <p:set>
+                                      <p:cBhvr>
+                                        <p:cTn id="28" dur="1" fill="hold">
+                                          <p:stCondLst>
+                                            <p:cond delay="0"/>
+                                          </p:stCondLst>
+                                        </p:cTn>
+                                        <p:tgtEl>
+                                          <p:spTgt spid="36"/>
+                                        </p:tgtEl>
+                                        <p:attrNameLst>
+                                          <p:attrName>style.visibility</p:attrName>
+                                        </p:attrNameLst>
+                                      </p:cBhvr>
+                                      <p:to>
+                                        <p:strVal val="visible"/>
+                                      </p:to>
+                                    </p:set>
+                                  </p:childTnLst>
+                                </p:cTn>
+                              </p:par>
+                              <p:par>
+                                <p:cTn id="29" presetID="1" presetClass="entr" presetSubtype="0" fill="hold" grpId="0" nodeType="withEffect">
+                                  <p:stCondLst>
+                                    <p:cond delay="0"/>
+                                  </p:stCondLst>
+                                  <p:childTnLst>
+                                    <p:set>
+                                      <p:cBhvr>
+                                        <p:cTn id="30" dur="1" fill="hold">
+                                          <p:stCondLst>
+                                            <p:cond delay="0"/>
+                                          </p:stCondLst>
+                                        </p:cTn>
+                                        <p:tgtEl>
+                                          <p:spTgt spid="37"/>
+                                        </p:tgtEl>
+                                        <p:attrNameLst>
+                                          <p:attrName>style.visibility</p:attrName>
+                                        </p:attrNameLst>
+                                      </p:cBhvr>
+                                      <p:to>
+                                        <p:strVal val="visible"/>
+                                      </p:to>
+                                    </p:set>
+                                  </p:childTnLst>
+                                </p:cTn>
+                              </p:par>
+                              <p:par>
+                                <p:cTn id="31" presetID="1" presetClass="entr" presetSubtype="0" fill="hold" grpId="0" nodeType="withEffect">
+                                  <p:stCondLst>
+                                    <p:cond delay="0"/>
+                                  </p:stCondLst>
+                                  <p:childTnLst>
+                                    <p:set>
+                                      <p:cBhvr>
+                                        <p:cTn id="32" dur="1" fill="hold">
+                                          <p:stCondLst>
+                                            <p:cond delay="0"/>
+                                          </p:stCondLst>
+                                        </p:cTn>
+                                        <p:tgtEl>
+                                          <p:spTgt spid="38"/>
+                                        </p:tgtEl>
+                                        <p:attrNameLst>
+                                          <p:attrName>style.visibility</p:attrName>
+                                        </p:attrNameLst>
+                                      </p:cBhvr>
+                                      <p:to>
+                                        <p:strVal val="visible"/>
+                                      </p:to>
+                                    </p:set>
+                                  </p:childTnLst>
+                                </p:cTn>
+                              </p:par>
+                            </p:childTnLst>
+                          </p:cTn>
+                        </p:par>
+                      </p:childTnLst>
+                    </p:cTn>
+                  </p:par>
+                  <p:par>
+                    <p:cTn id="33" fill="hold">
+                      <p:stCondLst>
+                        <p:cond delay="indefinite"/>
+                      </p:stCondLst>
+                      <p:childTnLst>
+                        <p:par>
+                          <p:cTn id="34" fill="hold">
+                            <p:stCondLst>
+                              <p:cond delay="0"/>
+                            </p:stCondLst>
+                            <p:childTnLst>
+                              <p:par>
+                                <p:cTn id="35" presetID="1" presetClass="entr" presetSubtype="0" fill="hold" grpId="0" nodeType="clickEffect">
+                                  <p:stCondLst>
+                                    <p:cond delay="0"/>
+                                  </p:stCondLst>
+                                  <p:childTnLst>
+                                    <p:set>
+                                      <p:cBhvr>
+                                        <p:cTn id="36" dur="1" fill="hold">
+                                          <p:stCondLst>
+                                            <p:cond delay="0"/>
+                                          </p:stCondLst>
+                                        </p:cTn>
+                                        <p:tgtEl>
+                                          <p:spTgt spid="41"/>
+                                        </p:tgtEl>
+                                        <p:attrNameLst>
+                                          <p:attrName>style.visibility</p:attrName>
+                                        </p:attrNameLst>
+                                      </p:cBhvr>
+                                      <p:to>
+                                        <p:strVal val="visible"/>
+                                      </p:to>
+                                    </p:set>
+                                  </p:childTnLst>
+                                </p:cTn>
+                              </p:par>
+                              <p:par>
+                                <p:cTn id="37" presetID="1" presetClass="entr" presetSubtype="0" fill="hold" grpId="0" nodeType="withEffect">
+                                  <p:stCondLst>
+                                    <p:cond delay="0"/>
+                                  </p:stCondLst>
+                                  <p:childTnLst>
+                                    <p:set>
+                                      <p:cBhvr>
+                                        <p:cTn id="38" dur="1" fill="hold">
+                                          <p:stCondLst>
+                                            <p:cond delay="0"/>
+                                          </p:stCondLst>
+                                        </p:cTn>
+                                        <p:tgtEl>
+                                          <p:spTgt spid="39"/>
+                                        </p:tgtEl>
+                                        <p:attrNameLst>
+                                          <p:attrName>style.visibility</p:attrName>
+                                        </p:attrNameLst>
+                                      </p:cBhvr>
+                                      <p:to>
+                                        <p:strVal val="visible"/>
+                                      </p:to>
+                                    </p:set>
+                                  </p:childTnLst>
+                                </p:cTn>
+                              </p:par>
+                              <p:par>
+                                <p:cTn id="39" presetID="1" presetClass="entr" presetSubtype="0" fill="hold" grpId="0" nodeType="withEffect">
+                                  <p:stCondLst>
+                                    <p:cond delay="0"/>
+                                  </p:stCondLst>
+                                  <p:childTnLst>
+                                    <p:set>
+                                      <p:cBhvr>
+                                        <p:cTn id="40" dur="1" fill="hold">
+                                          <p:stCondLst>
+                                            <p:cond delay="0"/>
+                                          </p:stCondLst>
+                                        </p:cTn>
+                                        <p:tgtEl>
+                                          <p:spTgt spid="40"/>
+                                        </p:tgtEl>
+                                        <p:attrNameLst>
+                                          <p:attrName>style.visibility</p:attrName>
+                                        </p:attrNameLst>
+                                      </p:cBhvr>
+                                      <p:to>
+                                        <p:strVal val="visible"/>
+                                      </p:to>
+                                    </p:set>
+                                  </p:childTnLst>
+                                </p:cTn>
+                              </p:par>
+                            </p:childTnLst>
+                          </p:cTn>
+                        </p:par>
+                      </p:childTnLst>
+                    </p:cTn>
+                  </p:par>
+                  <p:par>
+                    <p:cTn id="41" fill="hold">
+                      <p:stCondLst>
+                        <p:cond delay="indefinite"/>
+                      </p:stCondLst>
+                      <p:childTnLst>
+                        <p:par>
+                          <p:cTn id="42" fill="hold">
+                            <p:stCondLst>
+                              <p:cond delay="0"/>
+                            </p:stCondLst>
+                            <p:childTnLst>
+                              <p:par>
+                                <p:cTn id="43" presetID="1" presetClass="entr" presetSubtype="0" fill="hold" nodeType="clickEffect">
+                                  <p:stCondLst>
+                                    <p:cond delay="0"/>
+                                  </p:stCondLst>
+                                  <p:childTnLst>
+                                    <p:set>
+                                      <p:cBhvr>
+                                        <p:cTn id="44" dur="1" fill="hold">
+                                          <p:stCondLst>
+                                            <p:cond delay="0"/>
+                                          </p:stCondLst>
+                                        </p:cTn>
+                                        <p:tgtEl>
+                                          <p:spTgt spid="42">
+                                            <p:txEl>
+                                              <p:pRg st="0" end="0"/>
+                                            </p:txEl>
+                                          </p:spTgt>
+                                        </p:tgtEl>
+                                        <p:attrNameLst>
+                                          <p:attrName>style.visibility</p:attrName>
+                                        </p:attrNameLst>
+                                      </p:cBhvr>
+                                      <p:to>
+                                        <p:strVal val="visible"/>
+                                      </p:to>
+                                    </p:set>
+                                  </p:childTnLst>
+                                </p:cTn>
+                              </p:par>
+                            </p:childTnLst>
+                          </p:cTn>
+                        </p:par>
+                      </p:childTnLst>
+                    </p:cTn>
+                  </p:par>
+                  <p:par>
+                    <p:cTn id="45" fill="hold">
+                      <p:stCondLst>
+                        <p:cond delay="indefinite"/>
+                      </p:stCondLst>
+                      <p:childTnLst>
+                        <p:par>
+                          <p:cTn id="46" fill="hold">
+                            <p:stCondLst>
+                              <p:cond delay="0"/>
+                            </p:stCondLst>
+                            <p:childTnLst>
+                              <p:par>
+                                <p:cTn id="47" presetID="1" presetClass="entr" presetSubtype="0" fill="hold" nodeType="clickEffect">
+                                  <p:stCondLst>
+                                    <p:cond delay="0"/>
+                                  </p:stCondLst>
+                                  <p:childTnLst>
+                                    <p:set>
+                                      <p:cBhvr>
+                                        <p:cTn id="48" dur="1" fill="hold">
+                                          <p:stCondLst>
+                                            <p:cond delay="0"/>
+                                          </p:stCondLst>
+                                        </p:cTn>
+                                        <p:tgtEl>
+                                          <p:spTgt spid="42">
+                                            <p:txEl>
+                                              <p:pRg st="1" end="1"/>
+                                            </p:txEl>
+                                          </p:spTgt>
+                                        </p:tgtEl>
+                                        <p:attrNameLst>
+                                          <p:attrName>style.visibility</p:attrName>
+                                        </p:attrNameLst>
+                                      </p:cBhvr>
+                                      <p:to>
+                                        <p:strVal val="visible"/>
+                                      </p:to>
+                                    </p:set>
+                                  </p:childTnLst>
+                                </p:cTn>
+                              </p:par>
+                            </p:childTnLst>
+                          </p:cTn>
+                        </p:par>
+                      </p:childTnLst>
+                    </p:cTn>
+                  </p:par>
+                </p:childTnLst>
+              </p:cTn>
+              <p:prevCondLst>
+                <p:cond evt="onPrev" delay="0">
+                  <p:tgtEl>
+                    <p:sldTgt/>
+                  </p:tgtEl>
+                </p:cond>
+              </p:prevCondLst>
+              <p:nextCondLst>
+                <p:cond evt="onNext" delay="0">
+                  <p:tgtEl>
+                    <p:sldTgt/>
+                  </p:tgtEl>
+                </p:cond>
+              </p:nextCondLst>
+            </p:seq>
+          </p:childTnLst>
+        </p:cTn>
       </p:par>
     </p:tnLst>
+    <p:bldLst>
+      <p:bldP spid="26" grpId="0" animBg="1"/>
+      <p:bldP spid="27" grpId="0" animBg="1"/>
+      <p:bldP spid="28" grpId="0" animBg="1"/>
+      <p:bldP spid="29" grpId="0" animBg="1"/>
+      <p:bldP spid="30" grpId="0" animBg="1"/>
+      <p:bldP spid="31" grpId="0" animBg="1"/>
+      <p:bldP spid="32" grpId="0" animBg="1"/>
+      <p:bldP spid="33" grpId="0" animBg="1"/>
+      <p:bldP spid="34" grpId="0" animBg="1"/>
+      <p:bldP spid="36" grpId="0" animBg="1"/>
+      <p:bldP spid="37" grpId="0" animBg="1"/>
+      <p:bldP spid="38" grpId="0" animBg="1"/>
+      <p:bldP spid="39" grpId="0" animBg="1"/>
+      <p:bldP spid="40" grpId="0" animBg="1"/>
+      <p:bldP spid="41" grpId="0" animBg="1"/>
+    </p:bldLst>
   </p:timing>
 </p:sld>
 </file>
